--- a/giao-an/buoi7/BUỔI 7 FORM & VALIDATION (FORMIK + YUP).pptx
+++ b/giao-an/buoi7/BUỔI 7 FORM & VALIDATION (FORMIK + YUP).pptx
@@ -8,31 +8,29 @@
     <p:sldId id="256" r:id="rId2"/>
     <p:sldId id="257" r:id="rId3"/>
     <p:sldId id="259" r:id="rId4"/>
-    <p:sldId id="280" r:id="rId5"/>
-    <p:sldId id="275" r:id="rId6"/>
-    <p:sldId id="281" r:id="rId7"/>
-    <p:sldId id="284" r:id="rId8"/>
-    <p:sldId id="285" r:id="rId9"/>
-    <p:sldId id="270" r:id="rId10"/>
-    <p:sldId id="279" r:id="rId11"/>
+    <p:sldId id="286" r:id="rId5"/>
+    <p:sldId id="280" r:id="rId6"/>
+    <p:sldId id="275" r:id="rId7"/>
+    <p:sldId id="281" r:id="rId8"/>
+    <p:sldId id="279" r:id="rId9"/>
   </p:sldIdLst>
   <p:sldSz cx="18288000" cy="10287000"/>
   <p:notesSz cx="6858000" cy="9144000"/>
   <p:embeddedFontLst>
     <p:embeddedFont>
-      <p:font typeface="Bricolage Grotesque" panose="020B0604020202020204" charset="0"/>
-      <p:regular r:id="rId12"/>
+      <p:font typeface="Calibri" panose="020F0502020204030204" pitchFamily="34" charset="0"/>
+      <p:regular r:id="rId10"/>
+      <p:bold r:id="rId11"/>
+      <p:italic r:id="rId12"/>
+      <p:boldItalic r:id="rId13"/>
     </p:embeddedFont>
     <p:embeddedFont>
       <p:font typeface="Bricolage Grotesque Bold" panose="020B0604020202020204" charset="0"/>
-      <p:regular r:id="rId13"/>
+      <p:regular r:id="rId14"/>
     </p:embeddedFont>
     <p:embeddedFont>
-      <p:font typeface="Calibri" panose="020F0502020204030204" pitchFamily="34" charset="0"/>
-      <p:regular r:id="rId14"/>
-      <p:bold r:id="rId15"/>
-      <p:italic r:id="rId16"/>
-      <p:boldItalic r:id="rId17"/>
+      <p:font typeface="Bricolage Grotesque" panose="020B0604020202020204" charset="0"/>
+      <p:regular r:id="rId15"/>
     </p:embeddedFont>
   </p:embeddedFontLst>
   <p:defaultTextStyle>
@@ -331,7 +329,7 @@
             <a:fld id="{1D8BD707-D9CF-40AE-B4C6-C98DA3205C09}" type="datetimeFigureOut">
               <a:rPr lang="en-US" smtClean="0"/>
               <a:pPr/>
-              <a:t>2026-01-03</a:t>
+              <a:t>2026-01-13</a:t>
             </a:fld>
             <a:endParaRPr lang="en-US"/>
           </a:p>
@@ -498,7 +496,7 @@
             <a:fld id="{1D8BD707-D9CF-40AE-B4C6-C98DA3205C09}" type="datetimeFigureOut">
               <a:rPr lang="en-US" smtClean="0"/>
               <a:pPr/>
-              <a:t>2026-01-03</a:t>
+              <a:t>2026-01-13</a:t>
             </a:fld>
             <a:endParaRPr lang="en-US"/>
           </a:p>
@@ -675,7 +673,7 @@
             <a:fld id="{1D8BD707-D9CF-40AE-B4C6-C98DA3205C09}" type="datetimeFigureOut">
               <a:rPr lang="en-US" smtClean="0"/>
               <a:pPr/>
-              <a:t>2026-01-03</a:t>
+              <a:t>2026-01-13</a:t>
             </a:fld>
             <a:endParaRPr lang="en-US"/>
           </a:p>
@@ -842,7 +840,7 @@
             <a:fld id="{1D8BD707-D9CF-40AE-B4C6-C98DA3205C09}" type="datetimeFigureOut">
               <a:rPr lang="en-US" smtClean="0"/>
               <a:pPr/>
-              <a:t>2026-01-03</a:t>
+              <a:t>2026-01-13</a:t>
             </a:fld>
             <a:endParaRPr lang="en-US"/>
           </a:p>
@@ -1085,7 +1083,7 @@
             <a:fld id="{1D8BD707-D9CF-40AE-B4C6-C98DA3205C09}" type="datetimeFigureOut">
               <a:rPr lang="en-US" smtClean="0"/>
               <a:pPr/>
-              <a:t>2026-01-03</a:t>
+              <a:t>2026-01-13</a:t>
             </a:fld>
             <a:endParaRPr lang="en-US"/>
           </a:p>
@@ -1370,7 +1368,7 @@
             <a:fld id="{1D8BD707-D9CF-40AE-B4C6-C98DA3205C09}" type="datetimeFigureOut">
               <a:rPr lang="en-US" smtClean="0"/>
               <a:pPr/>
-              <a:t>2026-01-03</a:t>
+              <a:t>2026-01-13</a:t>
             </a:fld>
             <a:endParaRPr lang="en-US"/>
           </a:p>
@@ -1789,7 +1787,7 @@
             <a:fld id="{1D8BD707-D9CF-40AE-B4C6-C98DA3205C09}" type="datetimeFigureOut">
               <a:rPr lang="en-US" smtClean="0"/>
               <a:pPr/>
-              <a:t>2026-01-03</a:t>
+              <a:t>2026-01-13</a:t>
             </a:fld>
             <a:endParaRPr lang="en-US"/>
           </a:p>
@@ -1904,7 +1902,7 @@
             <a:fld id="{1D8BD707-D9CF-40AE-B4C6-C98DA3205C09}" type="datetimeFigureOut">
               <a:rPr lang="en-US" smtClean="0"/>
               <a:pPr/>
-              <a:t>2026-01-03</a:t>
+              <a:t>2026-01-13</a:t>
             </a:fld>
             <a:endParaRPr lang="en-US"/>
           </a:p>
@@ -1996,7 +1994,7 @@
             <a:fld id="{1D8BD707-D9CF-40AE-B4C6-C98DA3205C09}" type="datetimeFigureOut">
               <a:rPr lang="en-US" smtClean="0"/>
               <a:pPr/>
-              <a:t>2026-01-03</a:t>
+              <a:t>2026-01-13</a:t>
             </a:fld>
             <a:endParaRPr lang="en-US"/>
           </a:p>
@@ -2270,7 +2268,7 @@
             <a:fld id="{1D8BD707-D9CF-40AE-B4C6-C98DA3205C09}" type="datetimeFigureOut">
               <a:rPr lang="en-US" smtClean="0"/>
               <a:pPr/>
-              <a:t>2026-01-03</a:t>
+              <a:t>2026-01-13</a:t>
             </a:fld>
             <a:endParaRPr lang="en-US"/>
           </a:p>
@@ -2520,7 +2518,7 @@
             <a:fld id="{1D8BD707-D9CF-40AE-B4C6-C98DA3205C09}" type="datetimeFigureOut">
               <a:rPr lang="en-US" smtClean="0"/>
               <a:pPr/>
-              <a:t>2026-01-03</a:t>
+              <a:t>2026-01-13</a:t>
             </a:fld>
             <a:endParaRPr lang="en-US"/>
           </a:p>
@@ -2730,7 +2728,7 @@
             <a:fld id="{1D8BD707-D9CF-40AE-B4C6-C98DA3205C09}" type="datetimeFigureOut">
               <a:rPr lang="en-US" smtClean="0"/>
               <a:pPr/>
-              <a:t>2026-01-03</a:t>
+              <a:t>2026-01-13</a:t>
             </a:fld>
             <a:endParaRPr lang="en-US"/>
           </a:p>
@@ -3165,7 +3163,7 @@
               <a:blip r:embed="rId2">
                 <a:extLst>
                   <a:ext uri="{96DAC541-7B7A-43D3-8B79-37D633B846F1}">
-                    <asvg:svgBlip xmlns="" xmlns:asvg="http://schemas.microsoft.com/office/drawing/2016/SVG/main" r:embed="rId4"/>
+                    <asvg:svgBlip xmlns:asvg="http://schemas.microsoft.com/office/drawing/2016/SVG/main" xmlns="" r:embed="rId4"/>
                   </a:ext>
                 </a:extLst>
               </a:blip>
@@ -3307,20 +3305,12 @@
               <a:t>BUỔI </a:t>
             </a:r>
             <a:r>
+              <a:rPr lang="en-US" sz="6400" b="1" dirty="0" smtClean="0"/>
+              <a:t>7: </a:t>
+            </a:r>
+            <a:r>
               <a:rPr lang="en-US" sz="6400" b="1" dirty="0"/>
-              <a:t>6</a:t>
-            </a:r>
-            <a:r>
-              <a:rPr lang="en-US" sz="6400" b="1" dirty="0"/>
-              <a:t>: </a:t>
-            </a:r>
-            <a:r>
-              <a:rPr lang="en-US" sz="6400" b="1" dirty="0" smtClean="0"/>
-              <a:t>CRUD </a:t>
-            </a:r>
-            <a:r>
-              <a:rPr lang="en-US" sz="6400" b="1" dirty="0"/>
-              <a:t>(CREATE, READ, UPDATE, DELETE)</a:t>
+              <a:t>FORM &amp; VALIDATION (FORMIK + YUP)</a:t>
             </a:r>
             <a:endParaRPr lang="en-US" sz="6400" dirty="0"/>
           </a:p>
@@ -3341,7 +3331,1085 @@
 </p:sld>
 </file>
 
-<file path=ppt/slides/slide10.xml><?xml version="1.0" encoding="utf-8"?>
+<file path=ppt/slides/slide2.xml><?xml version="1.0" encoding="utf-8"?>
+<p:sld xmlns:a="http://schemas.openxmlformats.org/drawingml/2006/main" xmlns:r="http://schemas.openxmlformats.org/officeDocument/2006/relationships" xmlns:p="http://schemas.openxmlformats.org/presentationml/2006/main">
+  <p:cSld>
+    <p:bg>
+      <p:bgPr>
+        <a:solidFill>
+          <a:srgbClr val="F7F7F7"/>
+        </a:solidFill>
+        <a:effectLst/>
+      </p:bgPr>
+    </p:bg>
+    <p:spTree>
+      <p:nvGrpSpPr>
+        <p:cNvPr id="1" name=""/>
+        <p:cNvGrpSpPr/>
+        <p:nvPr/>
+      </p:nvGrpSpPr>
+      <p:grpSpPr>
+        <a:xfrm>
+          <a:off x="0" y="0"/>
+          <a:ext cx="0" cy="0"/>
+          <a:chOff x="0" y="0"/>
+          <a:chExt cx="0" cy="0"/>
+        </a:xfrm>
+      </p:grpSpPr>
+      <p:sp>
+        <p:nvSpPr>
+          <p:cNvPr id="2" name="TextBox 2"/>
+          <p:cNvSpPr txBox="1"/>
+          <p:nvPr/>
+        </p:nvSpPr>
+        <p:spPr>
+          <a:xfrm>
+            <a:off x="0" y="1162050"/>
+            <a:ext cx="18288000" cy="930275"/>
+          </a:xfrm>
+          <a:prstGeom prst="rect">
+            <a:avLst/>
+          </a:prstGeom>
+        </p:spPr>
+        <p:txBody>
+          <a:bodyPr lIns="0" tIns="0" rIns="0" bIns="0" rtlCol="0" anchor="t">
+            <a:spAutoFit/>
+          </a:bodyPr>
+          <a:lstStyle/>
+          <a:p>
+            <a:pPr marL="0" lvl="0" indent="0" algn="ctr">
+              <a:lnSpc>
+                <a:spcPts val="6999"/>
+              </a:lnSpc>
+              <a:spcBef>
+                <a:spcPct val="0"/>
+              </a:spcBef>
+            </a:pPr>
+            <a:r>
+              <a:rPr lang="en-US" sz="6999" b="1">
+                <a:solidFill>
+                  <a:srgbClr val="1E293B"/>
+                </a:solidFill>
+                <a:latin typeface="Bricolage Grotesque Bold"/>
+                <a:ea typeface="Bricolage Grotesque Bold"/>
+                <a:cs typeface="Bricolage Grotesque Bold"/>
+                <a:sym typeface="Bricolage Grotesque Bold"/>
+              </a:rPr>
+              <a:t>Nội dung buổi học</a:t>
+            </a:r>
+          </a:p>
+        </p:txBody>
+      </p:sp>
+      <p:sp>
+        <p:nvSpPr>
+          <p:cNvPr id="3" name="TextBox 3"/>
+          <p:cNvSpPr txBox="1"/>
+          <p:nvPr/>
+        </p:nvSpPr>
+        <p:spPr>
+          <a:xfrm>
+            <a:off x="4572000" y="3695700"/>
+            <a:ext cx="9678972" cy="2808461"/>
+          </a:xfrm>
+          <a:prstGeom prst="rect">
+            <a:avLst/>
+          </a:prstGeom>
+        </p:spPr>
+        <p:txBody>
+          <a:bodyPr lIns="0" tIns="0" rIns="0" bIns="0" rtlCol="0" anchor="t">
+            <a:spAutoFit/>
+          </a:bodyPr>
+          <a:lstStyle/>
+          <a:p>
+            <a:pPr marL="755864" lvl="1" indent="-377932">
+              <a:lnSpc>
+                <a:spcPts val="7282"/>
+              </a:lnSpc>
+              <a:buFontTx/>
+              <a:buAutoNum type="arabicPeriod"/>
+            </a:pPr>
+            <a:r>
+              <a:rPr lang="en-US" sz="3500" b="1" dirty="0" err="1" smtClean="0">
+                <a:solidFill>
+                  <a:srgbClr val="1E293B"/>
+                </a:solidFill>
+                <a:latin typeface="Bricolage Grotesque Bold"/>
+                <a:ea typeface="Bricolage Grotesque Bold"/>
+                <a:cs typeface="Bricolage Grotesque Bold"/>
+                <a:sym typeface="Bricolage Grotesque Bold"/>
+              </a:rPr>
+              <a:t>Vấn</a:t>
+            </a:r>
+            <a:r>
+              <a:rPr lang="en-US" sz="3500" b="1" dirty="0" smtClean="0">
+                <a:solidFill>
+                  <a:srgbClr val="1E293B"/>
+                </a:solidFill>
+                <a:latin typeface="Bricolage Grotesque Bold"/>
+                <a:ea typeface="Bricolage Grotesque Bold"/>
+                <a:cs typeface="Bricolage Grotesque Bold"/>
+                <a:sym typeface="Bricolage Grotesque Bold"/>
+              </a:rPr>
+              <a:t> </a:t>
+            </a:r>
+            <a:r>
+              <a:rPr lang="en-US" sz="3500" b="1" dirty="0" err="1" smtClean="0">
+                <a:solidFill>
+                  <a:srgbClr val="1E293B"/>
+                </a:solidFill>
+                <a:latin typeface="Bricolage Grotesque Bold"/>
+                <a:ea typeface="Bricolage Grotesque Bold"/>
+                <a:cs typeface="Bricolage Grotesque Bold"/>
+                <a:sym typeface="Bricolage Grotesque Bold"/>
+              </a:rPr>
+              <a:t>đề</a:t>
+            </a:r>
+            <a:r>
+              <a:rPr lang="en-US" sz="3500" b="1" dirty="0" smtClean="0">
+                <a:solidFill>
+                  <a:srgbClr val="1E293B"/>
+                </a:solidFill>
+                <a:latin typeface="Bricolage Grotesque Bold"/>
+                <a:ea typeface="Bricolage Grotesque Bold"/>
+                <a:cs typeface="Bricolage Grotesque Bold"/>
+                <a:sym typeface="Bricolage Grotesque Bold"/>
+              </a:rPr>
+              <a:t> </a:t>
+            </a:r>
+            <a:r>
+              <a:rPr lang="en-US" sz="3500" b="1" dirty="0" err="1" smtClean="0">
+                <a:solidFill>
+                  <a:srgbClr val="1E293B"/>
+                </a:solidFill>
+                <a:latin typeface="Bricolage Grotesque Bold"/>
+                <a:ea typeface="Bricolage Grotesque Bold"/>
+                <a:cs typeface="Bricolage Grotesque Bold"/>
+                <a:sym typeface="Bricolage Grotesque Bold"/>
+              </a:rPr>
+              <a:t>của</a:t>
+            </a:r>
+            <a:r>
+              <a:rPr lang="en-US" sz="3500" b="1" dirty="0" smtClean="0">
+                <a:solidFill>
+                  <a:srgbClr val="1E293B"/>
+                </a:solidFill>
+                <a:latin typeface="Bricolage Grotesque Bold"/>
+                <a:ea typeface="Bricolage Grotesque Bold"/>
+                <a:cs typeface="Bricolage Grotesque Bold"/>
+                <a:sym typeface="Bricolage Grotesque Bold"/>
+              </a:rPr>
+              <a:t> Form </a:t>
+            </a:r>
+            <a:r>
+              <a:rPr lang="en-US" sz="3500" b="1" dirty="0" err="1" smtClean="0">
+                <a:solidFill>
+                  <a:srgbClr val="1E293B"/>
+                </a:solidFill>
+                <a:latin typeface="Bricolage Grotesque Bold"/>
+                <a:ea typeface="Bricolage Grotesque Bold"/>
+                <a:cs typeface="Bricolage Grotesque Bold"/>
+                <a:sym typeface="Bricolage Grotesque Bold"/>
+              </a:rPr>
+              <a:t>thủ</a:t>
+            </a:r>
+            <a:r>
+              <a:rPr lang="en-US" sz="3500" b="1" dirty="0" smtClean="0">
+                <a:solidFill>
+                  <a:srgbClr val="1E293B"/>
+                </a:solidFill>
+                <a:latin typeface="Bricolage Grotesque Bold"/>
+                <a:ea typeface="Bricolage Grotesque Bold"/>
+                <a:cs typeface="Bricolage Grotesque Bold"/>
+                <a:sym typeface="Bricolage Grotesque Bold"/>
+              </a:rPr>
+              <a:t> </a:t>
+            </a:r>
+            <a:r>
+              <a:rPr lang="en-US" sz="3500" b="1" dirty="0" err="1" smtClean="0">
+                <a:solidFill>
+                  <a:srgbClr val="1E293B"/>
+                </a:solidFill>
+                <a:latin typeface="Bricolage Grotesque Bold"/>
+                <a:ea typeface="Bricolage Grotesque Bold"/>
+                <a:cs typeface="Bricolage Grotesque Bold"/>
+                <a:sym typeface="Bricolage Grotesque Bold"/>
+              </a:rPr>
+              <a:t>công</a:t>
+            </a:r>
+            <a:endParaRPr lang="en-US" sz="3500" b="1" dirty="0" smtClean="0">
+              <a:solidFill>
+                <a:srgbClr val="1E293B"/>
+              </a:solidFill>
+              <a:latin typeface="Bricolage Grotesque Bold"/>
+              <a:ea typeface="Bricolage Grotesque Bold"/>
+              <a:cs typeface="Bricolage Grotesque Bold"/>
+              <a:sym typeface="Bricolage Grotesque Bold"/>
+            </a:endParaRPr>
+          </a:p>
+          <a:p>
+            <a:pPr marL="755864" lvl="1" indent="-377932">
+              <a:lnSpc>
+                <a:spcPts val="7282"/>
+              </a:lnSpc>
+              <a:buFontTx/>
+              <a:buAutoNum type="arabicPeriod"/>
+            </a:pPr>
+            <a:r>
+              <a:rPr lang="en-US" sz="3500" b="1" dirty="0" smtClean="0">
+                <a:solidFill>
+                  <a:srgbClr val="1E293B"/>
+                </a:solidFill>
+                <a:latin typeface="Bricolage Grotesque Bold"/>
+                <a:ea typeface="Bricolage Grotesque Bold"/>
+                <a:cs typeface="Bricolage Grotesque Bold"/>
+                <a:sym typeface="Bricolage Grotesque Bold"/>
+              </a:rPr>
+              <a:t> </a:t>
+            </a:r>
+            <a:r>
+              <a:rPr lang="en-US" sz="3500" b="1" dirty="0" err="1" smtClean="0">
+                <a:solidFill>
+                  <a:srgbClr val="1E293B"/>
+                </a:solidFill>
+                <a:latin typeface="Bricolage Grotesque Bold"/>
+                <a:ea typeface="Bricolage Grotesque Bold"/>
+                <a:cs typeface="Bricolage Grotesque Bold"/>
+                <a:sym typeface="Bricolage Grotesque Bold"/>
+              </a:rPr>
+              <a:t>Giới</a:t>
+            </a:r>
+            <a:r>
+              <a:rPr lang="en-US" sz="3500" b="1" dirty="0" smtClean="0">
+                <a:solidFill>
+                  <a:srgbClr val="1E293B"/>
+                </a:solidFill>
+                <a:latin typeface="Bricolage Grotesque Bold"/>
+                <a:ea typeface="Bricolage Grotesque Bold"/>
+                <a:cs typeface="Bricolage Grotesque Bold"/>
+                <a:sym typeface="Bricolage Grotesque Bold"/>
+              </a:rPr>
+              <a:t> </a:t>
+            </a:r>
+            <a:r>
+              <a:rPr lang="en-US" sz="3500" b="1" dirty="0" err="1" smtClean="0">
+                <a:solidFill>
+                  <a:srgbClr val="1E293B"/>
+                </a:solidFill>
+                <a:latin typeface="Bricolage Grotesque Bold"/>
+                <a:ea typeface="Bricolage Grotesque Bold"/>
+                <a:cs typeface="Bricolage Grotesque Bold"/>
+                <a:sym typeface="Bricolage Grotesque Bold"/>
+              </a:rPr>
+              <a:t>thiệu</a:t>
+            </a:r>
+            <a:r>
+              <a:rPr lang="en-US" sz="3500" b="1" dirty="0" smtClean="0">
+                <a:solidFill>
+                  <a:srgbClr val="1E293B"/>
+                </a:solidFill>
+                <a:latin typeface="Bricolage Grotesque Bold"/>
+                <a:ea typeface="Bricolage Grotesque Bold"/>
+                <a:cs typeface="Bricolage Grotesque Bold"/>
+                <a:sym typeface="Bricolage Grotesque Bold"/>
+              </a:rPr>
+              <a:t> </a:t>
+            </a:r>
+            <a:r>
+              <a:rPr lang="en-US" sz="3500" b="1" dirty="0" err="1" smtClean="0">
+                <a:solidFill>
+                  <a:srgbClr val="1E293B"/>
+                </a:solidFill>
+                <a:latin typeface="Bricolage Grotesque Bold"/>
+                <a:ea typeface="Bricolage Grotesque Bold"/>
+                <a:cs typeface="Bricolage Grotesque Bold"/>
+                <a:sym typeface="Bricolage Grotesque Bold"/>
+              </a:rPr>
+              <a:t>Formik</a:t>
+            </a:r>
+            <a:r>
+              <a:rPr lang="en-US" sz="3500" b="1" dirty="0" smtClean="0">
+                <a:solidFill>
+                  <a:srgbClr val="1E293B"/>
+                </a:solidFill>
+                <a:latin typeface="Bricolage Grotesque Bold"/>
+                <a:ea typeface="Bricolage Grotesque Bold"/>
+                <a:cs typeface="Bricolage Grotesque Bold"/>
+                <a:sym typeface="Bricolage Grotesque Bold"/>
+              </a:rPr>
+              <a:t> &amp; </a:t>
+            </a:r>
+            <a:r>
+              <a:rPr lang="en-US" sz="3500" b="1" dirty="0">
+                <a:solidFill>
+                  <a:srgbClr val="1E293B"/>
+                </a:solidFill>
+                <a:latin typeface="Bricolage Grotesque Bold"/>
+                <a:ea typeface="Bricolage Grotesque Bold"/>
+                <a:cs typeface="Bricolage Grotesque Bold"/>
+                <a:sym typeface="Bricolage Grotesque Bold"/>
+              </a:rPr>
+              <a:t>Y</a:t>
+            </a:r>
+            <a:r>
+              <a:rPr lang="en-US" sz="3500" b="1" dirty="0" smtClean="0">
+                <a:solidFill>
+                  <a:srgbClr val="1E293B"/>
+                </a:solidFill>
+                <a:latin typeface="Bricolage Grotesque Bold"/>
+                <a:ea typeface="Bricolage Grotesque Bold"/>
+                <a:cs typeface="Bricolage Grotesque Bold"/>
+                <a:sym typeface="Bricolage Grotesque Bold"/>
+              </a:rPr>
+              <a:t>up</a:t>
+            </a:r>
+          </a:p>
+          <a:p>
+            <a:pPr marL="755864" lvl="1" indent="-377932">
+              <a:lnSpc>
+                <a:spcPts val="7282"/>
+              </a:lnSpc>
+              <a:buFontTx/>
+              <a:buAutoNum type="arabicPeriod"/>
+            </a:pPr>
+            <a:r>
+              <a:rPr lang="en-US" sz="3500" b="1" dirty="0" smtClean="0">
+                <a:solidFill>
+                  <a:srgbClr val="1E293B"/>
+                </a:solidFill>
+                <a:latin typeface="Bricolage Grotesque Bold"/>
+                <a:ea typeface="Bricolage Grotesque Bold"/>
+                <a:cs typeface="Bricolage Grotesque Bold"/>
+                <a:sym typeface="Bricolage Grotesque Bold"/>
+              </a:rPr>
+              <a:t> </a:t>
+            </a:r>
+            <a:r>
+              <a:rPr lang="en-US" sz="3500" b="1" dirty="0" err="1" smtClean="0">
+                <a:solidFill>
+                  <a:srgbClr val="1E293B"/>
+                </a:solidFill>
+                <a:latin typeface="Bricolage Grotesque Bold"/>
+                <a:ea typeface="Bricolage Grotesque Bold"/>
+                <a:cs typeface="Bricolage Grotesque Bold"/>
+                <a:sym typeface="Bricolage Grotesque Bold"/>
+              </a:rPr>
+              <a:t>Bài</a:t>
+            </a:r>
+            <a:r>
+              <a:rPr lang="en-US" sz="3500" b="1" dirty="0" smtClean="0">
+                <a:solidFill>
+                  <a:srgbClr val="1E293B"/>
+                </a:solidFill>
+                <a:latin typeface="Bricolage Grotesque Bold"/>
+                <a:ea typeface="Bricolage Grotesque Bold"/>
+                <a:cs typeface="Bricolage Grotesque Bold"/>
+                <a:sym typeface="Bricolage Grotesque Bold"/>
+              </a:rPr>
+              <a:t> </a:t>
+            </a:r>
+            <a:r>
+              <a:rPr lang="en-US" sz="3500" b="1" dirty="0" err="1" smtClean="0">
+                <a:solidFill>
+                  <a:srgbClr val="1E293B"/>
+                </a:solidFill>
+                <a:latin typeface="Bricolage Grotesque Bold"/>
+                <a:ea typeface="Bricolage Grotesque Bold"/>
+                <a:cs typeface="Bricolage Grotesque Bold"/>
+                <a:sym typeface="Bricolage Grotesque Bold"/>
+              </a:rPr>
+              <a:t>tập</a:t>
+            </a:r>
+            <a:r>
+              <a:rPr lang="en-US" sz="3500" b="1" dirty="0" smtClean="0">
+                <a:solidFill>
+                  <a:srgbClr val="1E293B"/>
+                </a:solidFill>
+                <a:latin typeface="Bricolage Grotesque Bold"/>
+                <a:ea typeface="Bricolage Grotesque Bold"/>
+                <a:cs typeface="Bricolage Grotesque Bold"/>
+                <a:sym typeface="Bricolage Grotesque Bold"/>
+              </a:rPr>
+              <a:t> </a:t>
+            </a:r>
+            <a:r>
+              <a:rPr lang="en-US" sz="3500" b="1" dirty="0" err="1" smtClean="0">
+                <a:solidFill>
+                  <a:srgbClr val="1E293B"/>
+                </a:solidFill>
+                <a:latin typeface="Bricolage Grotesque Bold"/>
+                <a:ea typeface="Bricolage Grotesque Bold"/>
+                <a:cs typeface="Bricolage Grotesque Bold"/>
+                <a:sym typeface="Bricolage Grotesque Bold"/>
+              </a:rPr>
+              <a:t>thực</a:t>
+            </a:r>
+            <a:r>
+              <a:rPr lang="en-US" sz="3500" b="1" dirty="0" smtClean="0">
+                <a:solidFill>
+                  <a:srgbClr val="1E293B"/>
+                </a:solidFill>
+                <a:latin typeface="Bricolage Grotesque Bold"/>
+                <a:ea typeface="Bricolage Grotesque Bold"/>
+                <a:cs typeface="Bricolage Grotesque Bold"/>
+                <a:sym typeface="Bricolage Grotesque Bold"/>
+              </a:rPr>
+              <a:t> </a:t>
+            </a:r>
+            <a:r>
+              <a:rPr lang="en-US" sz="3500" b="1" dirty="0" err="1" smtClean="0">
+                <a:solidFill>
+                  <a:srgbClr val="1E293B"/>
+                </a:solidFill>
+                <a:latin typeface="Bricolage Grotesque Bold"/>
+                <a:ea typeface="Bricolage Grotesque Bold"/>
+                <a:cs typeface="Bricolage Grotesque Bold"/>
+                <a:sym typeface="Bricolage Grotesque Bold"/>
+              </a:rPr>
+              <a:t>hành</a:t>
+            </a:r>
+            <a:r>
+              <a:rPr lang="en-US" sz="3500" b="1" dirty="0" smtClean="0">
+                <a:solidFill>
+                  <a:srgbClr val="1E293B"/>
+                </a:solidFill>
+                <a:latin typeface="Bricolage Grotesque Bold"/>
+                <a:ea typeface="Bricolage Grotesque Bold"/>
+                <a:cs typeface="Bricolage Grotesque Bold"/>
+                <a:sym typeface="Bricolage Grotesque Bold"/>
+              </a:rPr>
+              <a:t> </a:t>
+            </a:r>
+            <a:r>
+              <a:rPr lang="en-US" sz="3500" b="1" dirty="0" err="1" smtClean="0">
+                <a:solidFill>
+                  <a:srgbClr val="1E293B"/>
+                </a:solidFill>
+                <a:latin typeface="Bricolage Grotesque Bold"/>
+                <a:ea typeface="Bricolage Grotesque Bold"/>
+                <a:cs typeface="Bricolage Grotesque Bold"/>
+                <a:sym typeface="Bricolage Grotesque Bold"/>
+              </a:rPr>
+              <a:t>tại</a:t>
+            </a:r>
+            <a:r>
+              <a:rPr lang="en-US" sz="3500" b="1" dirty="0" smtClean="0">
+                <a:solidFill>
+                  <a:srgbClr val="1E293B"/>
+                </a:solidFill>
+                <a:latin typeface="Bricolage Grotesque Bold"/>
+                <a:ea typeface="Bricolage Grotesque Bold"/>
+                <a:cs typeface="Bricolage Grotesque Bold"/>
+                <a:sym typeface="Bricolage Grotesque Bold"/>
+              </a:rPr>
+              <a:t> </a:t>
+            </a:r>
+            <a:r>
+              <a:rPr lang="en-US" sz="3500" b="1" dirty="0" err="1" smtClean="0">
+                <a:solidFill>
+                  <a:srgbClr val="1E293B"/>
+                </a:solidFill>
+                <a:latin typeface="Bricolage Grotesque Bold"/>
+                <a:ea typeface="Bricolage Grotesque Bold"/>
+                <a:cs typeface="Bricolage Grotesque Bold"/>
+                <a:sym typeface="Bricolage Grotesque Bold"/>
+              </a:rPr>
+              <a:t>lớp</a:t>
+            </a:r>
+            <a:endParaRPr lang="en-US" sz="3500" b="1" dirty="0" smtClean="0">
+              <a:solidFill>
+                <a:srgbClr val="1E293B"/>
+              </a:solidFill>
+              <a:latin typeface="Bricolage Grotesque Bold"/>
+              <a:ea typeface="Bricolage Grotesque Bold"/>
+              <a:cs typeface="Bricolage Grotesque Bold"/>
+              <a:sym typeface="Bricolage Grotesque Bold"/>
+            </a:endParaRPr>
+          </a:p>
+        </p:txBody>
+      </p:sp>
+    </p:spTree>
+  </p:cSld>
+  <p:clrMapOvr>
+    <a:masterClrMapping/>
+  </p:clrMapOvr>
+  <p:timing>
+    <p:tnLst>
+      <p:par>
+        <p:cTn id="1" dur="indefinite" restart="never" nodeType="tmRoot"/>
+      </p:par>
+    </p:tnLst>
+  </p:timing>
+</p:sld>
+</file>
+
+<file path=ppt/slides/slide3.xml><?xml version="1.0" encoding="utf-8"?>
+<p:sld xmlns:a="http://schemas.openxmlformats.org/drawingml/2006/main" xmlns:r="http://schemas.openxmlformats.org/officeDocument/2006/relationships" xmlns:p="http://schemas.openxmlformats.org/presentationml/2006/main">
+  <p:cSld>
+    <p:bg>
+      <p:bgPr>
+        <a:solidFill>
+          <a:srgbClr val="F7F7F7"/>
+        </a:solidFill>
+        <a:effectLst/>
+      </p:bgPr>
+    </p:bg>
+    <p:spTree>
+      <p:nvGrpSpPr>
+        <p:cNvPr id="1" name=""/>
+        <p:cNvGrpSpPr/>
+        <p:nvPr/>
+      </p:nvGrpSpPr>
+      <p:grpSpPr>
+        <a:xfrm>
+          <a:off x="0" y="0"/>
+          <a:ext cx="0" cy="0"/>
+          <a:chOff x="0" y="0"/>
+          <a:chExt cx="0" cy="0"/>
+        </a:xfrm>
+      </p:grpSpPr>
+      <p:sp>
+        <p:nvSpPr>
+          <p:cNvPr id="2" name="TextBox 2"/>
+          <p:cNvSpPr txBox="1"/>
+          <p:nvPr/>
+        </p:nvSpPr>
+        <p:spPr>
+          <a:xfrm>
+            <a:off x="152400" y="1104900"/>
+            <a:ext cx="18288000" cy="930275"/>
+          </a:xfrm>
+          <a:prstGeom prst="rect">
+            <a:avLst/>
+          </a:prstGeom>
+        </p:spPr>
+        <p:txBody>
+          <a:bodyPr lIns="0" tIns="0" rIns="0" bIns="0" rtlCol="0" anchor="t">
+            <a:spAutoFit/>
+          </a:bodyPr>
+          <a:lstStyle/>
+          <a:p>
+            <a:pPr lvl="0" algn="ctr">
+              <a:lnSpc>
+                <a:spcPts val="6999"/>
+              </a:lnSpc>
+              <a:spcBef>
+                <a:spcPct val="0"/>
+              </a:spcBef>
+            </a:pPr>
+            <a:r>
+              <a:rPr lang="en-US" sz="6999" b="1" dirty="0" err="1">
+                <a:solidFill>
+                  <a:srgbClr val="1E293B"/>
+                </a:solidFill>
+                <a:latin typeface="Bricolage Grotesque Bold"/>
+                <a:ea typeface="Bricolage Grotesque Bold"/>
+                <a:cs typeface="Bricolage Grotesque Bold"/>
+                <a:sym typeface="Bricolage Grotesque Bold"/>
+              </a:rPr>
+              <a:t>Vấn</a:t>
+            </a:r>
+            <a:r>
+              <a:rPr lang="en-US" sz="6999" b="1" dirty="0">
+                <a:solidFill>
+                  <a:srgbClr val="1E293B"/>
+                </a:solidFill>
+                <a:latin typeface="Bricolage Grotesque Bold"/>
+                <a:ea typeface="Bricolage Grotesque Bold"/>
+                <a:cs typeface="Bricolage Grotesque Bold"/>
+                <a:sym typeface="Bricolage Grotesque Bold"/>
+              </a:rPr>
+              <a:t> </a:t>
+            </a:r>
+            <a:r>
+              <a:rPr lang="en-US" sz="6999" b="1" dirty="0" err="1">
+                <a:solidFill>
+                  <a:srgbClr val="1E293B"/>
+                </a:solidFill>
+                <a:latin typeface="Bricolage Grotesque Bold"/>
+                <a:ea typeface="Bricolage Grotesque Bold"/>
+                <a:cs typeface="Bricolage Grotesque Bold"/>
+                <a:sym typeface="Bricolage Grotesque Bold"/>
+              </a:rPr>
+              <a:t>đề</a:t>
+            </a:r>
+            <a:r>
+              <a:rPr lang="en-US" sz="6999" b="1" dirty="0">
+                <a:solidFill>
+                  <a:srgbClr val="1E293B"/>
+                </a:solidFill>
+                <a:latin typeface="Bricolage Grotesque Bold"/>
+                <a:ea typeface="Bricolage Grotesque Bold"/>
+                <a:cs typeface="Bricolage Grotesque Bold"/>
+                <a:sym typeface="Bricolage Grotesque Bold"/>
+              </a:rPr>
+              <a:t> </a:t>
+            </a:r>
+            <a:r>
+              <a:rPr lang="en-US" sz="6999" b="1" dirty="0" err="1">
+                <a:solidFill>
+                  <a:srgbClr val="1E293B"/>
+                </a:solidFill>
+                <a:latin typeface="Bricolage Grotesque Bold"/>
+                <a:ea typeface="Bricolage Grotesque Bold"/>
+                <a:cs typeface="Bricolage Grotesque Bold"/>
+                <a:sym typeface="Bricolage Grotesque Bold"/>
+              </a:rPr>
+              <a:t>của</a:t>
+            </a:r>
+            <a:r>
+              <a:rPr lang="en-US" sz="6999" b="1" dirty="0">
+                <a:solidFill>
+                  <a:srgbClr val="1E293B"/>
+                </a:solidFill>
+                <a:latin typeface="Bricolage Grotesque Bold"/>
+                <a:ea typeface="Bricolage Grotesque Bold"/>
+                <a:cs typeface="Bricolage Grotesque Bold"/>
+                <a:sym typeface="Bricolage Grotesque Bold"/>
+              </a:rPr>
+              <a:t> Form </a:t>
+            </a:r>
+            <a:r>
+              <a:rPr lang="en-US" sz="6999" b="1" dirty="0" err="1">
+                <a:solidFill>
+                  <a:srgbClr val="1E293B"/>
+                </a:solidFill>
+                <a:latin typeface="Bricolage Grotesque Bold"/>
+                <a:ea typeface="Bricolage Grotesque Bold"/>
+                <a:cs typeface="Bricolage Grotesque Bold"/>
+                <a:sym typeface="Bricolage Grotesque Bold"/>
+              </a:rPr>
+              <a:t>thủ</a:t>
+            </a:r>
+            <a:r>
+              <a:rPr lang="en-US" sz="6999" b="1" dirty="0">
+                <a:solidFill>
+                  <a:srgbClr val="1E293B"/>
+                </a:solidFill>
+                <a:latin typeface="Bricolage Grotesque Bold"/>
+                <a:ea typeface="Bricolage Grotesque Bold"/>
+                <a:cs typeface="Bricolage Grotesque Bold"/>
+                <a:sym typeface="Bricolage Grotesque Bold"/>
+              </a:rPr>
+              <a:t> </a:t>
+            </a:r>
+            <a:r>
+              <a:rPr lang="en-US" sz="6999" b="1" dirty="0" err="1">
+                <a:solidFill>
+                  <a:srgbClr val="1E293B"/>
+                </a:solidFill>
+                <a:latin typeface="Bricolage Grotesque Bold"/>
+                <a:ea typeface="Bricolage Grotesque Bold"/>
+                <a:cs typeface="Bricolage Grotesque Bold"/>
+                <a:sym typeface="Bricolage Grotesque Bold"/>
+              </a:rPr>
+              <a:t>công</a:t>
+            </a:r>
+            <a:endParaRPr lang="en-US" sz="6999" b="1" dirty="0">
+              <a:solidFill>
+                <a:srgbClr val="1E293B"/>
+              </a:solidFill>
+              <a:latin typeface="Bricolage Grotesque Bold"/>
+              <a:ea typeface="Bricolage Grotesque Bold"/>
+              <a:cs typeface="Bricolage Grotesque Bold"/>
+              <a:sym typeface="Bricolage Grotesque Bold"/>
+            </a:endParaRPr>
+          </a:p>
+        </p:txBody>
+      </p:sp>
+      <p:sp>
+        <p:nvSpPr>
+          <p:cNvPr id="3" name="TextBox 3"/>
+          <p:cNvSpPr txBox="1"/>
+          <p:nvPr/>
+        </p:nvSpPr>
+        <p:spPr>
+          <a:xfrm>
+            <a:off x="609600" y="4000500"/>
+            <a:ext cx="9144000" cy="2885405"/>
+          </a:xfrm>
+          <a:prstGeom prst="rect">
+            <a:avLst/>
+          </a:prstGeom>
+        </p:spPr>
+        <p:txBody>
+          <a:bodyPr wrap="square" lIns="0" tIns="0" rIns="0" bIns="0" rtlCol="0" anchor="t">
+            <a:spAutoFit/>
+          </a:bodyPr>
+          <a:lstStyle/>
+          <a:p>
+            <a:pPr marL="323850" lvl="1">
+              <a:lnSpc>
+                <a:spcPts val="4500"/>
+              </a:lnSpc>
+            </a:pPr>
+            <a:r>
+              <a:rPr lang="en-US" sz="3200" dirty="0" smtClean="0">
+                <a:sym typeface="Bricolage Grotesque"/>
+              </a:rPr>
+              <a:t>Ở </a:t>
+            </a:r>
+            <a:r>
+              <a:rPr lang="en-US" sz="3200" dirty="0" err="1" smtClean="0">
+                <a:sym typeface="Bricolage Grotesque"/>
+              </a:rPr>
+              <a:t>bài</a:t>
+            </a:r>
+            <a:r>
+              <a:rPr lang="en-US" sz="3200" dirty="0" smtClean="0">
+                <a:sym typeface="Bricolage Grotesque"/>
+              </a:rPr>
+              <a:t> </a:t>
+            </a:r>
+            <a:r>
+              <a:rPr lang="en-US" sz="3200" dirty="0" err="1" smtClean="0">
+                <a:sym typeface="Bricolage Grotesque"/>
+              </a:rPr>
+              <a:t>tập</a:t>
+            </a:r>
+            <a:r>
+              <a:rPr lang="en-US" sz="3200" dirty="0" smtClean="0">
+                <a:sym typeface="Bricolage Grotesque"/>
+              </a:rPr>
+              <a:t> </a:t>
+            </a:r>
+            <a:r>
+              <a:rPr lang="en-US" sz="3200" dirty="0" err="1" smtClean="0">
+                <a:sym typeface="Bricolage Grotesque"/>
+              </a:rPr>
+              <a:t>buổi</a:t>
+            </a:r>
+            <a:r>
+              <a:rPr lang="en-US" sz="3200" dirty="0" smtClean="0">
+                <a:sym typeface="Bricolage Grotesque"/>
+              </a:rPr>
+              <a:t> 6: </a:t>
+            </a:r>
+            <a:r>
+              <a:rPr lang="en-US" sz="3200" dirty="0" err="1" smtClean="0">
+                <a:sym typeface="Bricolage Grotesque"/>
+              </a:rPr>
+              <a:t>các</a:t>
+            </a:r>
+            <a:r>
+              <a:rPr lang="en-US" sz="3200" dirty="0" smtClean="0">
+                <a:sym typeface="Bricolage Grotesque"/>
+              </a:rPr>
+              <a:t> </a:t>
+            </a:r>
+            <a:r>
+              <a:rPr lang="en-US" sz="3200" dirty="0" err="1" smtClean="0">
+                <a:sym typeface="Bricolage Grotesque"/>
+              </a:rPr>
+              <a:t>bất</a:t>
+            </a:r>
+            <a:r>
+              <a:rPr lang="en-US" sz="3200" dirty="0" smtClean="0">
+                <a:sym typeface="Bricolage Grotesque"/>
+              </a:rPr>
+              <a:t> </a:t>
+            </a:r>
+            <a:r>
+              <a:rPr lang="en-US" sz="3200" dirty="0" err="1" smtClean="0">
+                <a:sym typeface="Bricolage Grotesque"/>
+              </a:rPr>
+              <a:t>cập</a:t>
+            </a:r>
+            <a:r>
+              <a:rPr lang="en-US" sz="3200" dirty="0" smtClean="0">
+                <a:sym typeface="Bricolage Grotesque"/>
+              </a:rPr>
+              <a:t> </a:t>
+            </a:r>
+            <a:r>
+              <a:rPr lang="en-US" sz="3200" dirty="0" err="1" smtClean="0">
+                <a:sym typeface="Bricolage Grotesque"/>
+              </a:rPr>
+              <a:t>thường</a:t>
+            </a:r>
+            <a:r>
+              <a:rPr lang="en-US" sz="3200" dirty="0" smtClean="0">
+                <a:sym typeface="Bricolage Grotesque"/>
+              </a:rPr>
+              <a:t> </a:t>
+            </a:r>
+            <a:r>
+              <a:rPr lang="en-US" sz="3200" dirty="0" err="1" smtClean="0">
+                <a:sym typeface="Bricolage Grotesque"/>
+              </a:rPr>
+              <a:t>gặp</a:t>
+            </a:r>
+            <a:endParaRPr lang="en-US" sz="3200" dirty="0" smtClean="0">
+              <a:sym typeface="Bricolage Grotesque"/>
+            </a:endParaRPr>
+          </a:p>
+          <a:p>
+            <a:pPr marL="323850" lvl="1">
+              <a:lnSpc>
+                <a:spcPts val="4500"/>
+              </a:lnSpc>
+            </a:pPr>
+            <a:endParaRPr lang="en-US" sz="3200" dirty="0" smtClean="0">
+              <a:sym typeface="Bricolage Grotesque"/>
+            </a:endParaRPr>
+          </a:p>
+          <a:p>
+            <a:pPr marL="323850" lvl="1">
+              <a:lnSpc>
+                <a:spcPts val="4500"/>
+              </a:lnSpc>
+            </a:pPr>
+            <a:r>
+              <a:rPr lang="en-US" sz="3200" dirty="0" err="1" smtClean="0">
+                <a:sym typeface="Bricolage Grotesque"/>
+              </a:rPr>
+              <a:t>Tạo</a:t>
+            </a:r>
+            <a:r>
+              <a:rPr lang="en-US" sz="3200" dirty="0" smtClean="0">
+                <a:sym typeface="Bricolage Grotesque"/>
+              </a:rPr>
+              <a:t> </a:t>
+            </a:r>
+            <a:r>
+              <a:rPr lang="en-US" sz="3200" dirty="0" err="1" smtClean="0">
+                <a:sym typeface="Bricolage Grotesque"/>
+              </a:rPr>
+              <a:t>nhiều</a:t>
+            </a:r>
+            <a:r>
+              <a:rPr lang="en-US" sz="3200" dirty="0" smtClean="0">
+                <a:sym typeface="Bricolage Grotesque"/>
+              </a:rPr>
+              <a:t> state </a:t>
+            </a:r>
+            <a:r>
+              <a:rPr lang="en-US" sz="3200" dirty="0" err="1" smtClean="0">
+                <a:sym typeface="Bricolage Grotesque"/>
+              </a:rPr>
+              <a:t>cho</a:t>
+            </a:r>
+            <a:r>
+              <a:rPr lang="en-US" sz="3200" dirty="0" smtClean="0">
+                <a:sym typeface="Bricolage Grotesque"/>
+              </a:rPr>
+              <a:t> </a:t>
+            </a:r>
+            <a:r>
+              <a:rPr lang="en-US" sz="3200" dirty="0" err="1" smtClean="0">
+                <a:sym typeface="Bricolage Grotesque"/>
+              </a:rPr>
+              <a:t>từng</a:t>
+            </a:r>
+            <a:r>
+              <a:rPr lang="en-US" sz="3200" dirty="0" smtClean="0">
+                <a:sym typeface="Bricolage Grotesque"/>
+              </a:rPr>
+              <a:t> input</a:t>
+            </a:r>
+          </a:p>
+          <a:p>
+            <a:pPr marL="323850" lvl="1">
+              <a:lnSpc>
+                <a:spcPts val="4500"/>
+              </a:lnSpc>
+            </a:pPr>
+            <a:r>
+              <a:rPr lang="en-US" sz="3200" dirty="0" err="1" smtClean="0">
+                <a:sym typeface="Bricolage Grotesque"/>
+              </a:rPr>
+              <a:t>Phải</a:t>
+            </a:r>
+            <a:r>
+              <a:rPr lang="en-US" sz="3200" dirty="0" smtClean="0">
+                <a:sym typeface="Bricolage Grotesque"/>
+              </a:rPr>
+              <a:t> </a:t>
+            </a:r>
+            <a:r>
+              <a:rPr lang="en-US" sz="3200" dirty="0" err="1" smtClean="0">
+                <a:sym typeface="Bricolage Grotesque"/>
+              </a:rPr>
+              <a:t>tự</a:t>
+            </a:r>
+            <a:r>
+              <a:rPr lang="en-US" sz="3200" dirty="0" smtClean="0">
+                <a:sym typeface="Bricolage Grotesque"/>
+              </a:rPr>
+              <a:t> </a:t>
+            </a:r>
+            <a:r>
+              <a:rPr lang="en-US" sz="3200" dirty="0" err="1" smtClean="0">
+                <a:sym typeface="Bricolage Grotesque"/>
+              </a:rPr>
+              <a:t>viết</a:t>
+            </a:r>
+            <a:r>
+              <a:rPr lang="en-US" sz="3200" dirty="0" smtClean="0">
+                <a:sym typeface="Bricolage Grotesque"/>
+              </a:rPr>
+              <a:t> logic validate (check </a:t>
+            </a:r>
+            <a:r>
+              <a:rPr lang="en-US" sz="3200" dirty="0" err="1" smtClean="0">
+                <a:sym typeface="Bricolage Grotesque"/>
+              </a:rPr>
+              <a:t>rỗng</a:t>
+            </a:r>
+            <a:r>
+              <a:rPr lang="en-US" sz="3200" dirty="0" smtClean="0">
+                <a:sym typeface="Bricolage Grotesque"/>
+              </a:rPr>
+              <a:t>, check email,..)</a:t>
+            </a:r>
+          </a:p>
+          <a:p>
+            <a:pPr marL="323850" lvl="1">
+              <a:lnSpc>
+                <a:spcPts val="4500"/>
+              </a:lnSpc>
+            </a:pPr>
+            <a:r>
+              <a:rPr lang="en-US" sz="3200" dirty="0" err="1" smtClean="0">
+                <a:sym typeface="Bricolage Grotesque"/>
+              </a:rPr>
+              <a:t>Phải</a:t>
+            </a:r>
+            <a:r>
+              <a:rPr lang="en-US" sz="3200" dirty="0" smtClean="0">
+                <a:sym typeface="Bricolage Grotesque"/>
+              </a:rPr>
+              <a:t> </a:t>
+            </a:r>
+            <a:r>
+              <a:rPr lang="en-US" sz="3200" dirty="0" err="1" smtClean="0">
+                <a:sym typeface="Bricolage Grotesque"/>
+              </a:rPr>
+              <a:t>xử</a:t>
+            </a:r>
+            <a:r>
+              <a:rPr lang="en-US" sz="3200" dirty="0" smtClean="0">
+                <a:sym typeface="Bricolage Grotesque"/>
+              </a:rPr>
+              <a:t> </a:t>
+            </a:r>
+            <a:r>
+              <a:rPr lang="en-US" sz="3200" dirty="0" err="1" smtClean="0">
+                <a:sym typeface="Bricolage Grotesque"/>
+              </a:rPr>
+              <a:t>lí</a:t>
+            </a:r>
+            <a:r>
+              <a:rPr lang="en-US" sz="3200" dirty="0" smtClean="0">
+                <a:sym typeface="Bricolage Grotesque"/>
+              </a:rPr>
+              <a:t> </a:t>
+            </a:r>
+            <a:r>
+              <a:rPr lang="en-US" sz="3200" dirty="0" err="1" smtClean="0">
+                <a:sym typeface="Bricolage Grotesque"/>
+              </a:rPr>
+              <a:t>onBlur</a:t>
+            </a:r>
+            <a:r>
+              <a:rPr lang="en-US" sz="3200" dirty="0">
+                <a:sym typeface="Bricolage Grotesque"/>
+              </a:rPr>
+              <a:t> </a:t>
+            </a:r>
+            <a:r>
+              <a:rPr lang="en-US" sz="3200" dirty="0" err="1" smtClean="0">
+                <a:sym typeface="Bricolage Grotesque"/>
+              </a:rPr>
+              <a:t>khi</a:t>
+            </a:r>
+            <a:r>
+              <a:rPr lang="en-US" sz="3200" dirty="0" smtClean="0">
+                <a:sym typeface="Bricolage Grotesque"/>
+              </a:rPr>
+              <a:t> </a:t>
+            </a:r>
+            <a:r>
+              <a:rPr lang="en-US" sz="3200" dirty="0" err="1" smtClean="0">
+                <a:sym typeface="Bricolage Grotesque"/>
+              </a:rPr>
+              <a:t>người</a:t>
+            </a:r>
+            <a:r>
+              <a:rPr lang="en-US" sz="3200" dirty="0" smtClean="0">
+                <a:sym typeface="Bricolage Grotesque"/>
+              </a:rPr>
+              <a:t> dung </a:t>
+            </a:r>
+            <a:r>
+              <a:rPr lang="en-US" sz="3200" dirty="0" err="1" smtClean="0">
+                <a:sym typeface="Bricolage Grotesque"/>
+              </a:rPr>
+              <a:t>rời</a:t>
+            </a:r>
+            <a:r>
+              <a:rPr lang="en-US" sz="3200" dirty="0" smtClean="0">
+                <a:sym typeface="Bricolage Grotesque"/>
+              </a:rPr>
+              <a:t> </a:t>
+            </a:r>
+            <a:r>
+              <a:rPr lang="en-US" sz="3200" dirty="0" err="1" smtClean="0">
+                <a:sym typeface="Bricolage Grotesque"/>
+              </a:rPr>
+              <a:t>khỏi</a:t>
+            </a:r>
+            <a:r>
+              <a:rPr lang="en-US" sz="3200" dirty="0" smtClean="0">
+                <a:sym typeface="Bricolage Grotesque"/>
+              </a:rPr>
+              <a:t> ô input</a:t>
+            </a:r>
+            <a:endParaRPr lang="en-US" sz="3200" dirty="0" smtClean="0">
+              <a:sym typeface="Bricolage Grotesque"/>
+            </a:endParaRPr>
+          </a:p>
+        </p:txBody>
+      </p:sp>
+      <p:pic>
+        <p:nvPicPr>
+          <p:cNvPr id="6" name="Picture 5"/>
+          <p:cNvPicPr>
+            <a:picLocks noChangeAspect="1"/>
+          </p:cNvPicPr>
+          <p:nvPr/>
+        </p:nvPicPr>
+        <p:blipFill>
+          <a:blip r:embed="rId2"/>
+          <a:stretch>
+            <a:fillRect/>
+          </a:stretch>
+        </p:blipFill>
+        <p:spPr>
+          <a:xfrm>
+            <a:off x="10058400" y="2476500"/>
+            <a:ext cx="7162800" cy="7328459"/>
+          </a:xfrm>
+          <a:prstGeom prst="rect">
+            <a:avLst/>
+          </a:prstGeom>
+        </p:spPr>
+      </p:pic>
+    </p:spTree>
+  </p:cSld>
+  <p:clrMapOvr>
+    <a:masterClrMapping/>
+  </p:clrMapOvr>
+  <p:timing>
+    <p:tnLst>
+      <p:par>
+        <p:cTn id="1" dur="indefinite" restart="never" nodeType="tmRoot"/>
+      </p:par>
+    </p:tnLst>
+  </p:timing>
+</p:sld>
+</file>
+
+<file path=ppt/slides/slide4.xml><?xml version="1.0" encoding="utf-8"?>
 <p:sld xmlns:a="http://schemas.openxmlformats.org/drawingml/2006/main" xmlns:r="http://schemas.openxmlformats.org/officeDocument/2006/relationships" xmlns:p="http://schemas.openxmlformats.org/presentationml/2006/main">
   <p:cSld>
     <p:spTree>
@@ -3360,13 +4428,1180 @@
       </p:grpSpPr>
       <p:sp>
         <p:nvSpPr>
+          <p:cNvPr id="2" name="TextBox 2"/>
+          <p:cNvSpPr txBox="1"/>
+          <p:nvPr/>
+        </p:nvSpPr>
+        <p:spPr>
+          <a:xfrm>
+            <a:off x="152400" y="1104900"/>
+            <a:ext cx="18288000" cy="930275"/>
+          </a:xfrm>
+          <a:prstGeom prst="rect">
+            <a:avLst/>
+          </a:prstGeom>
+        </p:spPr>
+        <p:txBody>
+          <a:bodyPr lIns="0" tIns="0" rIns="0" bIns="0" rtlCol="0" anchor="t">
+            <a:spAutoFit/>
+          </a:bodyPr>
+          <a:lstStyle/>
+          <a:p>
+            <a:pPr lvl="0" algn="ctr">
+              <a:lnSpc>
+                <a:spcPts val="6999"/>
+              </a:lnSpc>
+              <a:spcBef>
+                <a:spcPct val="0"/>
+              </a:spcBef>
+            </a:pPr>
+            <a:r>
+              <a:rPr lang="en-US" sz="6999" b="1" dirty="0" err="1" smtClean="0">
+                <a:solidFill>
+                  <a:srgbClr val="1E293B"/>
+                </a:solidFill>
+                <a:latin typeface="Bricolage Grotesque Bold"/>
+                <a:ea typeface="Bricolage Grotesque Bold"/>
+                <a:cs typeface="Bricolage Grotesque Bold"/>
+                <a:sym typeface="Bricolage Grotesque Bold"/>
+              </a:rPr>
+              <a:t>Formik</a:t>
+            </a:r>
+            <a:r>
+              <a:rPr lang="en-US" sz="6999" b="1" dirty="0" smtClean="0">
+                <a:solidFill>
+                  <a:srgbClr val="1E293B"/>
+                </a:solidFill>
+                <a:latin typeface="Bricolage Grotesque Bold"/>
+                <a:ea typeface="Bricolage Grotesque Bold"/>
+                <a:cs typeface="Bricolage Grotesque Bold"/>
+                <a:sym typeface="Bricolage Grotesque Bold"/>
+              </a:rPr>
+              <a:t> &amp; Yup</a:t>
+            </a:r>
+            <a:endParaRPr lang="en-US" sz="6999" b="1" dirty="0">
+              <a:solidFill>
+                <a:srgbClr val="1E293B"/>
+              </a:solidFill>
+              <a:latin typeface="Bricolage Grotesque Bold"/>
+              <a:ea typeface="Bricolage Grotesque Bold"/>
+              <a:cs typeface="Bricolage Grotesque Bold"/>
+              <a:sym typeface="Bricolage Grotesque Bold"/>
+            </a:endParaRPr>
+          </a:p>
+        </p:txBody>
+      </p:sp>
+      <p:sp>
+        <p:nvSpPr>
+          <p:cNvPr id="3" name="TextBox 3"/>
+          <p:cNvSpPr txBox="1"/>
+          <p:nvPr/>
+        </p:nvSpPr>
+        <p:spPr>
+          <a:xfrm>
+            <a:off x="10363200" y="4305300"/>
+            <a:ext cx="6172200" cy="2885405"/>
+          </a:xfrm>
+          <a:prstGeom prst="rect">
+            <a:avLst/>
+          </a:prstGeom>
+        </p:spPr>
+        <p:txBody>
+          <a:bodyPr wrap="square" lIns="0" tIns="0" rIns="0" bIns="0" rtlCol="0" anchor="t">
+            <a:spAutoFit/>
+          </a:bodyPr>
+          <a:lstStyle/>
+          <a:p>
+            <a:pPr marL="323850" lvl="1">
+              <a:lnSpc>
+                <a:spcPts val="4500"/>
+              </a:lnSpc>
+            </a:pPr>
+            <a:r>
+              <a:rPr lang="en-US" sz="3200" dirty="0" err="1" smtClean="0">
+                <a:sym typeface="Bricolage Grotesque"/>
+              </a:rPr>
+              <a:t>Formik</a:t>
+            </a:r>
+            <a:r>
+              <a:rPr lang="en-US" sz="3200" dirty="0" smtClean="0">
+                <a:sym typeface="Bricolage Grotesque"/>
+              </a:rPr>
+              <a:t>: </a:t>
+            </a:r>
+            <a:r>
+              <a:rPr lang="en-US" sz="3200" dirty="0" err="1" smtClean="0">
+                <a:sym typeface="Bricolage Grotesque"/>
+              </a:rPr>
+              <a:t>Quản</a:t>
+            </a:r>
+            <a:r>
+              <a:rPr lang="en-US" sz="3200" dirty="0" smtClean="0">
+                <a:sym typeface="Bricolage Grotesque"/>
+              </a:rPr>
+              <a:t> </a:t>
+            </a:r>
+            <a:r>
+              <a:rPr lang="en-US" sz="3200" dirty="0" err="1" smtClean="0">
+                <a:sym typeface="Bricolage Grotesque"/>
+              </a:rPr>
+              <a:t>lý</a:t>
+            </a:r>
+            <a:r>
+              <a:rPr lang="en-US" sz="3200" dirty="0" smtClean="0">
+                <a:sym typeface="Bricolage Grotesque"/>
+              </a:rPr>
+              <a:t> State </a:t>
+            </a:r>
+            <a:r>
+              <a:rPr lang="en-US" sz="3200" dirty="0" err="1" smtClean="0">
+                <a:sym typeface="Bricolage Grotesque"/>
+              </a:rPr>
+              <a:t>của</a:t>
+            </a:r>
+            <a:r>
+              <a:rPr lang="en-US" sz="3200" dirty="0" smtClean="0">
+                <a:sym typeface="Bricolage Grotesque"/>
+              </a:rPr>
+              <a:t> form, </a:t>
+            </a:r>
+            <a:r>
+              <a:rPr lang="en-US" sz="3200" dirty="0" err="1" smtClean="0">
+                <a:sym typeface="Bricolage Grotesque"/>
+              </a:rPr>
+              <a:t>xử</a:t>
+            </a:r>
+            <a:r>
+              <a:rPr lang="en-US" sz="3200" dirty="0" smtClean="0">
+                <a:sym typeface="Bricolage Grotesque"/>
+              </a:rPr>
+              <a:t> </a:t>
+            </a:r>
+            <a:r>
+              <a:rPr lang="en-US" sz="3200" dirty="0" err="1" smtClean="0">
+                <a:sym typeface="Bricolage Grotesque"/>
+              </a:rPr>
+              <a:t>lý</a:t>
+            </a:r>
+            <a:r>
+              <a:rPr lang="en-US" sz="3200" dirty="0" smtClean="0">
+                <a:sym typeface="Bricolage Grotesque"/>
+              </a:rPr>
+              <a:t> submit, handle change/blur</a:t>
+            </a:r>
+          </a:p>
+          <a:p>
+            <a:pPr marL="323850" lvl="1">
+              <a:lnSpc>
+                <a:spcPts val="4500"/>
+              </a:lnSpc>
+            </a:pPr>
+            <a:endParaRPr lang="en-US" sz="3200" dirty="0" smtClean="0">
+              <a:sym typeface="Bricolage Grotesque"/>
+            </a:endParaRPr>
+          </a:p>
+          <a:p>
+            <a:pPr marL="323850" lvl="1">
+              <a:lnSpc>
+                <a:spcPts val="4500"/>
+              </a:lnSpc>
+            </a:pPr>
+            <a:r>
+              <a:rPr lang="en-US" sz="3200" dirty="0" smtClean="0">
+                <a:sym typeface="Bricolage Grotesque"/>
+              </a:rPr>
+              <a:t>Yup: </a:t>
+            </a:r>
+            <a:r>
+              <a:rPr lang="en-US" sz="3200" dirty="0" err="1" smtClean="0">
+                <a:sym typeface="Bricolage Grotesque"/>
+              </a:rPr>
+              <a:t>Định</a:t>
+            </a:r>
+            <a:r>
+              <a:rPr lang="en-US" sz="3200" dirty="0" smtClean="0">
+                <a:sym typeface="Bricolage Grotesque"/>
+              </a:rPr>
+              <a:t> </a:t>
+            </a:r>
+            <a:r>
+              <a:rPr lang="en-US" sz="3200" dirty="0" err="1" smtClean="0">
+                <a:sym typeface="Bricolage Grotesque"/>
+              </a:rPr>
+              <a:t>nghĩa</a:t>
+            </a:r>
+            <a:r>
+              <a:rPr lang="en-US" sz="3200" dirty="0" smtClean="0">
+                <a:sym typeface="Bricolage Grotesque"/>
+              </a:rPr>
+              <a:t> schema validation (</a:t>
+            </a:r>
+            <a:r>
+              <a:rPr lang="en-US" sz="3200" dirty="0" err="1" smtClean="0">
+                <a:sym typeface="Bricolage Grotesque"/>
+              </a:rPr>
+              <a:t>luật</a:t>
+            </a:r>
+            <a:r>
+              <a:rPr lang="en-US" sz="3200" dirty="0" smtClean="0">
+                <a:sym typeface="Bricolage Grotesque"/>
+              </a:rPr>
+              <a:t> </a:t>
+            </a:r>
+            <a:r>
+              <a:rPr lang="en-US" sz="3200" dirty="0" err="1" smtClean="0">
+                <a:sym typeface="Bricolage Grotesque"/>
+              </a:rPr>
+              <a:t>lệ</a:t>
+            </a:r>
+            <a:r>
+              <a:rPr lang="en-US" sz="3200" dirty="0" smtClean="0">
+                <a:sym typeface="Bricolage Grotesque"/>
+              </a:rPr>
+              <a:t>) </a:t>
+            </a:r>
+            <a:r>
+              <a:rPr lang="en-US" sz="3200" dirty="0" err="1" smtClean="0">
+                <a:sym typeface="Bricolage Grotesque"/>
+              </a:rPr>
+              <a:t>cực</a:t>
+            </a:r>
+            <a:r>
+              <a:rPr lang="en-US" sz="3200" dirty="0" smtClean="0">
+                <a:sym typeface="Bricolage Grotesque"/>
+              </a:rPr>
+              <a:t> </a:t>
+            </a:r>
+            <a:r>
+              <a:rPr lang="en-US" sz="3200" dirty="0" err="1" smtClean="0">
+                <a:sym typeface="Bricolage Grotesque"/>
+              </a:rPr>
+              <a:t>kỳ</a:t>
+            </a:r>
+            <a:r>
+              <a:rPr lang="en-US" sz="3200" dirty="0" smtClean="0">
+                <a:sym typeface="Bricolage Grotesque"/>
+              </a:rPr>
+              <a:t> </a:t>
+            </a:r>
+            <a:r>
+              <a:rPr lang="en-US" sz="3200" dirty="0" err="1" smtClean="0">
+                <a:sym typeface="Bricolage Grotesque"/>
+              </a:rPr>
+              <a:t>ngắn</a:t>
+            </a:r>
+            <a:r>
+              <a:rPr lang="en-US" sz="3200" dirty="0" smtClean="0">
+                <a:sym typeface="Bricolage Grotesque"/>
+              </a:rPr>
+              <a:t> </a:t>
+            </a:r>
+            <a:r>
+              <a:rPr lang="en-US" sz="3200" dirty="0" err="1" smtClean="0">
+                <a:sym typeface="Bricolage Grotesque"/>
+              </a:rPr>
+              <a:t>gọn</a:t>
+            </a:r>
+            <a:endParaRPr lang="en-US" sz="3200" dirty="0" smtClean="0">
+              <a:sym typeface="Bricolage Grotesque"/>
+            </a:endParaRPr>
+          </a:p>
+        </p:txBody>
+      </p:sp>
+      <p:pic>
+        <p:nvPicPr>
+          <p:cNvPr id="2050" name="Picture 2" descr="Form Validation in React JS using Formik and Yup"/>
+          <p:cNvPicPr>
+            <a:picLocks noChangeAspect="1" noChangeArrowheads="1"/>
+          </p:cNvPicPr>
+          <p:nvPr/>
+        </p:nvPicPr>
+        <p:blipFill>
+          <a:blip r:embed="rId2">
+            <a:extLst>
+              <a:ext uri="{28A0092B-C50C-407E-A947-70E740481C1C}">
+                <a14:useLocalDpi xmlns:a14="http://schemas.microsoft.com/office/drawing/2010/main" val="0"/>
+              </a:ext>
+            </a:extLst>
+          </a:blip>
+          <a:srcRect/>
+          <a:stretch>
+            <a:fillRect/>
+          </a:stretch>
+        </p:blipFill>
+        <p:spPr bwMode="auto">
+          <a:xfrm>
+            <a:off x="457200" y="2965537"/>
+            <a:ext cx="9677400" cy="5443539"/>
+          </a:xfrm>
+          <a:prstGeom prst="rect">
+            <a:avLst/>
+          </a:prstGeom>
+          <a:noFill/>
+          <a:extLst>
+            <a:ext uri="{909E8E84-426E-40DD-AFC4-6F175D3DCCD1}">
+              <a14:hiddenFill xmlns:a14="http://schemas.microsoft.com/office/drawing/2010/main">
+                <a:solidFill>
+                  <a:srgbClr val="FFFFFF"/>
+                </a:solidFill>
+              </a14:hiddenFill>
+            </a:ext>
+          </a:extLst>
+        </p:spPr>
+      </p:pic>
+    </p:spTree>
+    <p:extLst>
+      <p:ext uri="{BB962C8B-B14F-4D97-AF65-F5344CB8AC3E}">
+        <p14:creationId xmlns:p14="http://schemas.microsoft.com/office/powerpoint/2010/main" val="3512292254"/>
+      </p:ext>
+    </p:extLst>
+  </p:cSld>
+  <p:clrMapOvr>
+    <a:masterClrMapping/>
+  </p:clrMapOvr>
+  <p:timing>
+    <p:tnLst>
+      <p:par>
+        <p:cTn id="1" dur="indefinite" restart="never" nodeType="tmRoot"/>
+      </p:par>
+    </p:tnLst>
+  </p:timing>
+</p:sld>
+</file>
+
+<file path=ppt/slides/slide5.xml><?xml version="1.0" encoding="utf-8"?>
+<p:sld xmlns:a="http://schemas.openxmlformats.org/drawingml/2006/main" xmlns:r="http://schemas.openxmlformats.org/officeDocument/2006/relationships" xmlns:p="http://schemas.openxmlformats.org/presentationml/2006/main">
+  <p:cSld>
+    <p:spTree>
+      <p:nvGrpSpPr>
+        <p:cNvPr id="1" name=""/>
+        <p:cNvGrpSpPr/>
+        <p:nvPr/>
+      </p:nvGrpSpPr>
+      <p:grpSpPr>
+        <a:xfrm>
+          <a:off x="0" y="0"/>
+          <a:ext cx="0" cy="0"/>
+          <a:chOff x="0" y="0"/>
+          <a:chExt cx="0" cy="0"/>
+        </a:xfrm>
+      </p:grpSpPr>
+      <p:sp>
+        <p:nvSpPr>
+          <p:cNvPr id="2" name="TextBox 2"/>
+          <p:cNvSpPr txBox="1"/>
+          <p:nvPr/>
+        </p:nvSpPr>
+        <p:spPr>
+          <a:xfrm>
+            <a:off x="152400" y="1104900"/>
+            <a:ext cx="18288000" cy="930275"/>
+          </a:xfrm>
+          <a:prstGeom prst="rect">
+            <a:avLst/>
+          </a:prstGeom>
+        </p:spPr>
+        <p:txBody>
+          <a:bodyPr lIns="0" tIns="0" rIns="0" bIns="0" rtlCol="0" anchor="t">
+            <a:spAutoFit/>
+          </a:bodyPr>
+          <a:lstStyle/>
+          <a:p>
+            <a:pPr marL="0" lvl="0" indent="0" algn="ctr">
+              <a:lnSpc>
+                <a:spcPts val="6999"/>
+              </a:lnSpc>
+              <a:spcBef>
+                <a:spcPct val="0"/>
+              </a:spcBef>
+            </a:pPr>
+            <a:r>
+              <a:rPr lang="en-US" sz="6999" b="1" dirty="0" err="1" smtClean="0">
+                <a:solidFill>
+                  <a:srgbClr val="1E293B"/>
+                </a:solidFill>
+                <a:latin typeface="Bricolage Grotesque Bold"/>
+                <a:ea typeface="Bricolage Grotesque Bold"/>
+                <a:cs typeface="Bricolage Grotesque Bold"/>
+                <a:sym typeface="Bricolage Grotesque Bold"/>
+              </a:rPr>
+              <a:t>Cách</a:t>
+            </a:r>
+            <a:r>
+              <a:rPr lang="en-US" sz="6999" b="1" dirty="0" smtClean="0">
+                <a:solidFill>
+                  <a:srgbClr val="1E293B"/>
+                </a:solidFill>
+                <a:latin typeface="Bricolage Grotesque Bold"/>
+                <a:ea typeface="Bricolage Grotesque Bold"/>
+                <a:cs typeface="Bricolage Grotesque Bold"/>
+                <a:sym typeface="Bricolage Grotesque Bold"/>
+              </a:rPr>
+              <a:t> </a:t>
+            </a:r>
+            <a:r>
+              <a:rPr lang="en-US" sz="6999" b="1" dirty="0" err="1" smtClean="0">
+                <a:solidFill>
+                  <a:srgbClr val="1E293B"/>
+                </a:solidFill>
+                <a:latin typeface="Bricolage Grotesque Bold"/>
+                <a:ea typeface="Bricolage Grotesque Bold"/>
+                <a:cs typeface="Bricolage Grotesque Bold"/>
+                <a:sym typeface="Bricolage Grotesque Bold"/>
+              </a:rPr>
+              <a:t>cài</a:t>
+            </a:r>
+            <a:r>
+              <a:rPr lang="en-US" sz="6999" b="1" dirty="0" smtClean="0">
+                <a:solidFill>
+                  <a:srgbClr val="1E293B"/>
+                </a:solidFill>
+                <a:latin typeface="Bricolage Grotesque Bold"/>
+                <a:ea typeface="Bricolage Grotesque Bold"/>
+                <a:cs typeface="Bricolage Grotesque Bold"/>
+                <a:sym typeface="Bricolage Grotesque Bold"/>
+              </a:rPr>
+              <a:t> </a:t>
+            </a:r>
+            <a:r>
+              <a:rPr lang="en-US" sz="6999" b="1" dirty="0" err="1" smtClean="0">
+                <a:solidFill>
+                  <a:srgbClr val="1E293B"/>
+                </a:solidFill>
+                <a:latin typeface="Bricolage Grotesque Bold"/>
+                <a:ea typeface="Bricolage Grotesque Bold"/>
+                <a:cs typeface="Bricolage Grotesque Bold"/>
+                <a:sym typeface="Bricolage Grotesque Bold"/>
+              </a:rPr>
+              <a:t>đặt</a:t>
+            </a:r>
+            <a:endParaRPr lang="en-US" sz="6999" b="1" dirty="0">
+              <a:solidFill>
+                <a:srgbClr val="1E293B"/>
+              </a:solidFill>
+              <a:latin typeface="Bricolage Grotesque Bold"/>
+              <a:ea typeface="Bricolage Grotesque Bold"/>
+              <a:cs typeface="Bricolage Grotesque Bold"/>
+              <a:sym typeface="Bricolage Grotesque Bold"/>
+            </a:endParaRPr>
+          </a:p>
+        </p:txBody>
+      </p:sp>
+      <p:pic>
+        <p:nvPicPr>
+          <p:cNvPr id="7" name="Picture 6"/>
+          <p:cNvPicPr>
+            <a:picLocks noChangeAspect="1"/>
+          </p:cNvPicPr>
+          <p:nvPr/>
+        </p:nvPicPr>
+        <p:blipFill>
+          <a:blip r:embed="rId2"/>
+          <a:stretch>
+            <a:fillRect/>
+          </a:stretch>
+        </p:blipFill>
+        <p:spPr>
+          <a:xfrm>
+            <a:off x="5619750" y="3086100"/>
+            <a:ext cx="7353300" cy="3632618"/>
+          </a:xfrm>
+          <a:prstGeom prst="rect">
+            <a:avLst/>
+          </a:prstGeom>
+        </p:spPr>
+      </p:pic>
+    </p:spTree>
+    <p:extLst>
+      <p:ext uri="{BB962C8B-B14F-4D97-AF65-F5344CB8AC3E}">
+        <p14:creationId xmlns:p14="http://schemas.microsoft.com/office/powerpoint/2010/main" val="655024054"/>
+      </p:ext>
+    </p:extLst>
+  </p:cSld>
+  <p:clrMapOvr>
+    <a:masterClrMapping/>
+  </p:clrMapOvr>
+  <p:timing>
+    <p:tnLst>
+      <p:par>
+        <p:cTn id="1" dur="indefinite" restart="never" nodeType="tmRoot"/>
+      </p:par>
+    </p:tnLst>
+  </p:timing>
+</p:sld>
+</file>
+
+<file path=ppt/slides/slide6.xml><?xml version="1.0" encoding="utf-8"?>
+<p:sld xmlns:a="http://schemas.openxmlformats.org/drawingml/2006/main" xmlns:r="http://schemas.openxmlformats.org/officeDocument/2006/relationships" xmlns:p="http://schemas.openxmlformats.org/presentationml/2006/main">
+  <p:cSld>
+    <p:spTree>
+      <p:nvGrpSpPr>
+        <p:cNvPr id="1" name=""/>
+        <p:cNvGrpSpPr/>
+        <p:nvPr/>
+      </p:nvGrpSpPr>
+      <p:grpSpPr>
+        <a:xfrm>
+          <a:off x="0" y="0"/>
+          <a:ext cx="0" cy="0"/>
+          <a:chOff x="0" y="0"/>
+          <a:chExt cx="0" cy="0"/>
+        </a:xfrm>
+      </p:grpSpPr>
+      <p:sp>
+        <p:nvSpPr>
+          <p:cNvPr id="4" name="TextBox 2"/>
+          <p:cNvSpPr txBox="1"/>
+          <p:nvPr/>
+        </p:nvSpPr>
+        <p:spPr>
+          <a:xfrm>
+            <a:off x="152400" y="1104900"/>
+            <a:ext cx="18288000" cy="930275"/>
+          </a:xfrm>
+          <a:prstGeom prst="rect">
+            <a:avLst/>
+          </a:prstGeom>
+        </p:spPr>
+        <p:txBody>
+          <a:bodyPr lIns="0" tIns="0" rIns="0" bIns="0" rtlCol="0" anchor="t">
+            <a:spAutoFit/>
+          </a:bodyPr>
+          <a:lstStyle/>
+          <a:p>
+            <a:pPr marL="0" lvl="0" indent="0" algn="ctr">
+              <a:lnSpc>
+                <a:spcPts val="6999"/>
+              </a:lnSpc>
+              <a:spcBef>
+                <a:spcPct val="0"/>
+              </a:spcBef>
+            </a:pPr>
+            <a:r>
+              <a:rPr lang="en-US" sz="6999" b="1" dirty="0" err="1" smtClean="0">
+                <a:solidFill>
+                  <a:srgbClr val="1E293B"/>
+                </a:solidFill>
+                <a:latin typeface="Bricolage Grotesque Bold"/>
+                <a:ea typeface="Bricolage Grotesque Bold"/>
+                <a:cs typeface="Bricolage Grotesque Bold"/>
+                <a:sym typeface="Bricolage Grotesque Bold"/>
+              </a:rPr>
+              <a:t>Cách</a:t>
+            </a:r>
+            <a:r>
+              <a:rPr lang="en-US" sz="6999" b="1" dirty="0" smtClean="0">
+                <a:solidFill>
+                  <a:srgbClr val="1E293B"/>
+                </a:solidFill>
+                <a:latin typeface="Bricolage Grotesque Bold"/>
+                <a:ea typeface="Bricolage Grotesque Bold"/>
+                <a:cs typeface="Bricolage Grotesque Bold"/>
+                <a:sym typeface="Bricolage Grotesque Bold"/>
+              </a:rPr>
+              <a:t> </a:t>
+            </a:r>
+            <a:r>
+              <a:rPr lang="en-US" sz="6999" b="1" dirty="0" err="1" smtClean="0">
+                <a:solidFill>
+                  <a:srgbClr val="1E293B"/>
+                </a:solidFill>
+                <a:latin typeface="Bricolage Grotesque Bold"/>
+                <a:ea typeface="Bricolage Grotesque Bold"/>
+                <a:cs typeface="Bricolage Grotesque Bold"/>
+                <a:sym typeface="Bricolage Grotesque Bold"/>
+              </a:rPr>
+              <a:t>sử</a:t>
+            </a:r>
+            <a:r>
+              <a:rPr lang="en-US" sz="6999" b="1" dirty="0" smtClean="0">
+                <a:solidFill>
+                  <a:srgbClr val="1E293B"/>
+                </a:solidFill>
+                <a:latin typeface="Bricolage Grotesque Bold"/>
+                <a:ea typeface="Bricolage Grotesque Bold"/>
+                <a:cs typeface="Bricolage Grotesque Bold"/>
+                <a:sym typeface="Bricolage Grotesque Bold"/>
+              </a:rPr>
+              <a:t> </a:t>
+            </a:r>
+            <a:r>
+              <a:rPr lang="en-US" sz="6999" b="1" dirty="0" err="1" smtClean="0">
+                <a:solidFill>
+                  <a:srgbClr val="1E293B"/>
+                </a:solidFill>
+                <a:latin typeface="Bricolage Grotesque Bold"/>
+                <a:ea typeface="Bricolage Grotesque Bold"/>
+                <a:cs typeface="Bricolage Grotesque Bold"/>
+                <a:sym typeface="Bricolage Grotesque Bold"/>
+              </a:rPr>
+              <a:t>dụng</a:t>
+            </a:r>
+            <a:endParaRPr lang="en-US" sz="6999" b="1" dirty="0">
+              <a:solidFill>
+                <a:srgbClr val="1E293B"/>
+              </a:solidFill>
+              <a:latin typeface="Bricolage Grotesque Bold"/>
+              <a:ea typeface="Bricolage Grotesque Bold"/>
+              <a:cs typeface="Bricolage Grotesque Bold"/>
+              <a:sym typeface="Bricolage Grotesque Bold"/>
+            </a:endParaRPr>
+          </a:p>
+        </p:txBody>
+      </p:sp>
+      <p:pic>
+        <p:nvPicPr>
+          <p:cNvPr id="6" name="Picture 5"/>
+          <p:cNvPicPr>
+            <a:picLocks noChangeAspect="1"/>
+          </p:cNvPicPr>
+          <p:nvPr/>
+        </p:nvPicPr>
+        <p:blipFill>
+          <a:blip r:embed="rId2"/>
+          <a:stretch>
+            <a:fillRect/>
+          </a:stretch>
+        </p:blipFill>
+        <p:spPr>
+          <a:xfrm>
+            <a:off x="1905000" y="2552700"/>
+            <a:ext cx="14493132" cy="7010400"/>
+          </a:xfrm>
+          <a:prstGeom prst="rect">
+            <a:avLst/>
+          </a:prstGeom>
+        </p:spPr>
+      </p:pic>
+    </p:spTree>
+    <p:extLst>
+      <p:ext uri="{BB962C8B-B14F-4D97-AF65-F5344CB8AC3E}">
+        <p14:creationId xmlns:p14="http://schemas.microsoft.com/office/powerpoint/2010/main" val="2253627807"/>
+      </p:ext>
+    </p:extLst>
+  </p:cSld>
+  <p:clrMapOvr>
+    <a:masterClrMapping/>
+  </p:clrMapOvr>
+  <p:timing>
+    <p:tnLst>
+      <p:par>
+        <p:cTn id="1" dur="indefinite" restart="never" nodeType="tmRoot"/>
+      </p:par>
+    </p:tnLst>
+  </p:timing>
+</p:sld>
+</file>
+
+<file path=ppt/slides/slide7.xml><?xml version="1.0" encoding="utf-8"?>
+<p:sld xmlns:a="http://schemas.openxmlformats.org/drawingml/2006/main" xmlns:r="http://schemas.openxmlformats.org/officeDocument/2006/relationships" xmlns:p="http://schemas.openxmlformats.org/presentationml/2006/main">
+  <p:cSld>
+    <p:spTree>
+      <p:nvGrpSpPr>
+        <p:cNvPr id="1" name=""/>
+        <p:cNvGrpSpPr/>
+        <p:nvPr/>
+      </p:nvGrpSpPr>
+      <p:grpSpPr>
+        <a:xfrm>
+          <a:off x="0" y="0"/>
+          <a:ext cx="0" cy="0"/>
+          <a:chOff x="0" y="0"/>
+          <a:chExt cx="0" cy="0"/>
+        </a:xfrm>
+      </p:grpSpPr>
+      <p:sp>
+        <p:nvSpPr>
+          <p:cNvPr id="2" name="TextBox 2"/>
+          <p:cNvSpPr txBox="1"/>
+          <p:nvPr/>
+        </p:nvSpPr>
+        <p:spPr>
+          <a:xfrm>
+            <a:off x="152400" y="1104900"/>
+            <a:ext cx="18288000" cy="930275"/>
+          </a:xfrm>
+          <a:prstGeom prst="rect">
+            <a:avLst/>
+          </a:prstGeom>
+        </p:spPr>
+        <p:txBody>
+          <a:bodyPr lIns="0" tIns="0" rIns="0" bIns="0" rtlCol="0" anchor="t">
+            <a:spAutoFit/>
+          </a:bodyPr>
+          <a:lstStyle/>
+          <a:p>
+            <a:pPr marL="0" lvl="0" indent="0" algn="ctr">
+              <a:lnSpc>
+                <a:spcPts val="6999"/>
+              </a:lnSpc>
+              <a:spcBef>
+                <a:spcPct val="0"/>
+              </a:spcBef>
+            </a:pPr>
+            <a:r>
+              <a:rPr lang="en-US" sz="6999" b="1" dirty="0" err="1" smtClean="0">
+                <a:solidFill>
+                  <a:srgbClr val="1E293B"/>
+                </a:solidFill>
+                <a:latin typeface="Bricolage Grotesque Bold"/>
+                <a:ea typeface="Bricolage Grotesque Bold"/>
+                <a:cs typeface="Bricolage Grotesque Bold"/>
+                <a:sym typeface="Bricolage Grotesque Bold"/>
+              </a:rPr>
+              <a:t>Bài</a:t>
+            </a:r>
+            <a:r>
+              <a:rPr lang="en-US" sz="6999" b="1" dirty="0" smtClean="0">
+                <a:solidFill>
+                  <a:srgbClr val="1E293B"/>
+                </a:solidFill>
+                <a:latin typeface="Bricolage Grotesque Bold"/>
+                <a:ea typeface="Bricolage Grotesque Bold"/>
+                <a:cs typeface="Bricolage Grotesque Bold"/>
+                <a:sym typeface="Bricolage Grotesque Bold"/>
+              </a:rPr>
+              <a:t> </a:t>
+            </a:r>
+            <a:r>
+              <a:rPr lang="en-US" sz="6999" b="1" dirty="0" err="1" smtClean="0">
+                <a:solidFill>
+                  <a:srgbClr val="1E293B"/>
+                </a:solidFill>
+                <a:latin typeface="Bricolage Grotesque Bold"/>
+                <a:ea typeface="Bricolage Grotesque Bold"/>
+                <a:cs typeface="Bricolage Grotesque Bold"/>
+                <a:sym typeface="Bricolage Grotesque Bold"/>
+              </a:rPr>
+              <a:t>tập</a:t>
+            </a:r>
+            <a:r>
+              <a:rPr lang="en-US" sz="6999" b="1" dirty="0" smtClean="0">
+                <a:solidFill>
+                  <a:srgbClr val="1E293B"/>
+                </a:solidFill>
+                <a:latin typeface="Bricolage Grotesque Bold"/>
+                <a:ea typeface="Bricolage Grotesque Bold"/>
+                <a:cs typeface="Bricolage Grotesque Bold"/>
+                <a:sym typeface="Bricolage Grotesque Bold"/>
+              </a:rPr>
+              <a:t> </a:t>
+            </a:r>
+            <a:r>
+              <a:rPr lang="en-US" sz="6999" b="1" dirty="0" err="1" smtClean="0">
+                <a:solidFill>
+                  <a:srgbClr val="1E293B"/>
+                </a:solidFill>
+                <a:latin typeface="Bricolage Grotesque Bold"/>
+                <a:ea typeface="Bricolage Grotesque Bold"/>
+                <a:cs typeface="Bricolage Grotesque Bold"/>
+                <a:sym typeface="Bricolage Grotesque Bold"/>
+              </a:rPr>
+              <a:t>thực</a:t>
+            </a:r>
+            <a:r>
+              <a:rPr lang="en-US" sz="6999" b="1" dirty="0" smtClean="0">
+                <a:solidFill>
+                  <a:srgbClr val="1E293B"/>
+                </a:solidFill>
+                <a:latin typeface="Bricolage Grotesque Bold"/>
+                <a:ea typeface="Bricolage Grotesque Bold"/>
+                <a:cs typeface="Bricolage Grotesque Bold"/>
+                <a:sym typeface="Bricolage Grotesque Bold"/>
+              </a:rPr>
+              <a:t> </a:t>
+            </a:r>
+            <a:r>
+              <a:rPr lang="en-US" sz="6999" b="1" dirty="0" err="1" smtClean="0">
+                <a:solidFill>
+                  <a:srgbClr val="1E293B"/>
+                </a:solidFill>
+                <a:latin typeface="Bricolage Grotesque Bold"/>
+                <a:ea typeface="Bricolage Grotesque Bold"/>
+                <a:cs typeface="Bricolage Grotesque Bold"/>
+                <a:sym typeface="Bricolage Grotesque Bold"/>
+              </a:rPr>
+              <a:t>hành</a:t>
+            </a:r>
+            <a:r>
+              <a:rPr lang="en-US" sz="6999" b="1" dirty="0">
+                <a:solidFill>
+                  <a:srgbClr val="1E293B"/>
+                </a:solidFill>
+                <a:latin typeface="Bricolage Grotesque Bold"/>
+                <a:ea typeface="Bricolage Grotesque Bold"/>
+                <a:cs typeface="Bricolage Grotesque Bold"/>
+                <a:sym typeface="Bricolage Grotesque Bold"/>
+              </a:rPr>
+              <a:t> </a:t>
+            </a:r>
+            <a:r>
+              <a:rPr lang="en-US" sz="6999" b="1" dirty="0" err="1" smtClean="0">
+                <a:solidFill>
+                  <a:srgbClr val="1E293B"/>
+                </a:solidFill>
+                <a:latin typeface="Bricolage Grotesque Bold"/>
+                <a:ea typeface="Bricolage Grotesque Bold"/>
+                <a:cs typeface="Bricolage Grotesque Bold"/>
+                <a:sym typeface="Bricolage Grotesque Bold"/>
+              </a:rPr>
+              <a:t>tại</a:t>
+            </a:r>
+            <a:r>
+              <a:rPr lang="en-US" sz="6999" b="1" dirty="0" smtClean="0">
+                <a:solidFill>
+                  <a:srgbClr val="1E293B"/>
+                </a:solidFill>
+                <a:latin typeface="Bricolage Grotesque Bold"/>
+                <a:ea typeface="Bricolage Grotesque Bold"/>
+                <a:cs typeface="Bricolage Grotesque Bold"/>
+                <a:sym typeface="Bricolage Grotesque Bold"/>
+              </a:rPr>
+              <a:t> </a:t>
+            </a:r>
+            <a:r>
+              <a:rPr lang="en-US" sz="6999" b="1" dirty="0" err="1" smtClean="0">
+                <a:solidFill>
+                  <a:srgbClr val="1E293B"/>
+                </a:solidFill>
+                <a:latin typeface="Bricolage Grotesque Bold"/>
+                <a:ea typeface="Bricolage Grotesque Bold"/>
+                <a:cs typeface="Bricolage Grotesque Bold"/>
+                <a:sym typeface="Bricolage Grotesque Bold"/>
+              </a:rPr>
+              <a:t>lớp</a:t>
+            </a:r>
+            <a:endParaRPr lang="en-US" sz="6999" b="1" dirty="0">
+              <a:solidFill>
+                <a:srgbClr val="1E293B"/>
+              </a:solidFill>
+              <a:latin typeface="Bricolage Grotesque Bold"/>
+              <a:ea typeface="Bricolage Grotesque Bold"/>
+              <a:cs typeface="Bricolage Grotesque Bold"/>
+              <a:sym typeface="Bricolage Grotesque Bold"/>
+            </a:endParaRPr>
+          </a:p>
+        </p:txBody>
+      </p:sp>
+      <p:sp>
+        <p:nvSpPr>
+          <p:cNvPr id="7" name="TextBox 3"/>
+          <p:cNvSpPr txBox="1"/>
+          <p:nvPr/>
+        </p:nvSpPr>
+        <p:spPr>
+          <a:xfrm>
+            <a:off x="533400" y="2933700"/>
+            <a:ext cx="9144000" cy="1154162"/>
+          </a:xfrm>
+          <a:prstGeom prst="rect">
+            <a:avLst/>
+          </a:prstGeom>
+        </p:spPr>
+        <p:txBody>
+          <a:bodyPr wrap="square" lIns="0" tIns="0" rIns="0" bIns="0" rtlCol="0" anchor="t">
+            <a:spAutoFit/>
+          </a:bodyPr>
+          <a:lstStyle/>
+          <a:p>
+            <a:pPr marL="323850" lvl="1">
+              <a:lnSpc>
+                <a:spcPts val="4500"/>
+              </a:lnSpc>
+            </a:pPr>
+            <a:r>
+              <a:rPr lang="en-US" sz="3200" dirty="0" err="1" smtClean="0">
+                <a:sym typeface="Bricolage Grotesque"/>
+              </a:rPr>
+              <a:t>Bài</a:t>
+            </a:r>
+            <a:r>
+              <a:rPr lang="en-US" sz="3200" dirty="0" smtClean="0">
+                <a:sym typeface="Bricolage Grotesque"/>
+              </a:rPr>
+              <a:t> 1: </a:t>
+            </a:r>
+            <a:r>
+              <a:rPr lang="en-US" sz="3200" dirty="0" err="1" smtClean="0">
+                <a:sym typeface="Bricolage Grotesque"/>
+              </a:rPr>
+              <a:t>Sử</a:t>
+            </a:r>
+            <a:r>
+              <a:rPr lang="en-US" sz="3200" dirty="0" smtClean="0">
+                <a:sym typeface="Bricolage Grotesque"/>
+              </a:rPr>
+              <a:t> </a:t>
+            </a:r>
+            <a:r>
+              <a:rPr lang="en-US" sz="3200" dirty="0" err="1">
+                <a:sym typeface="Bricolage Grotesque"/>
+              </a:rPr>
+              <a:t>dụng</a:t>
+            </a:r>
+            <a:r>
+              <a:rPr lang="en-US" sz="3200" dirty="0">
+                <a:sym typeface="Bricolage Grotesque"/>
+              </a:rPr>
+              <a:t> </a:t>
+            </a:r>
+            <a:r>
+              <a:rPr lang="en-US" sz="3200" dirty="0" err="1">
+                <a:sym typeface="Bricolage Grotesque"/>
+              </a:rPr>
+              <a:t>Formik</a:t>
+            </a:r>
+            <a:r>
+              <a:rPr lang="en-US" sz="3200" dirty="0">
+                <a:sym typeface="Bricolage Grotesque"/>
+              </a:rPr>
+              <a:t> &amp; Yup </a:t>
+            </a:r>
+            <a:r>
+              <a:rPr lang="en-US" sz="3200" dirty="0" err="1">
+                <a:sym typeface="Bricolage Grotesque"/>
+              </a:rPr>
+              <a:t>để</a:t>
+            </a:r>
+            <a:r>
+              <a:rPr lang="en-US" sz="3200" dirty="0">
+                <a:sym typeface="Bricolage Grotesque"/>
+              </a:rPr>
+              <a:t> </a:t>
+            </a:r>
+            <a:r>
+              <a:rPr lang="en-US" sz="3200" dirty="0" err="1">
+                <a:sym typeface="Bricolage Grotesque"/>
+              </a:rPr>
+              <a:t>nâng</a:t>
+            </a:r>
+            <a:r>
+              <a:rPr lang="en-US" sz="3200" dirty="0">
+                <a:sym typeface="Bricolage Grotesque"/>
+              </a:rPr>
+              <a:t> </a:t>
+            </a:r>
+            <a:r>
+              <a:rPr lang="en-US" sz="3200" dirty="0" err="1">
+                <a:sym typeface="Bricolage Grotesque"/>
+              </a:rPr>
+              <a:t>cấp</a:t>
+            </a:r>
+            <a:r>
+              <a:rPr lang="en-US" sz="3200" dirty="0">
+                <a:sym typeface="Bricolage Grotesque"/>
+              </a:rPr>
+              <a:t> </a:t>
+            </a:r>
+            <a:r>
+              <a:rPr lang="en-US" sz="3200" dirty="0" err="1">
+                <a:sym typeface="Bricolage Grotesque"/>
+              </a:rPr>
+              <a:t>bài</a:t>
+            </a:r>
+            <a:r>
+              <a:rPr lang="en-US" sz="3200" dirty="0">
+                <a:sym typeface="Bricolage Grotesque"/>
+              </a:rPr>
+              <a:t> </a:t>
+            </a:r>
+            <a:r>
+              <a:rPr lang="en-US" sz="3200" dirty="0" err="1">
+                <a:sym typeface="Bricolage Grotesque"/>
+              </a:rPr>
+              <a:t>tập</a:t>
+            </a:r>
+            <a:r>
+              <a:rPr lang="en-US" sz="3200" dirty="0">
+                <a:sym typeface="Bricolage Grotesque"/>
+              </a:rPr>
+              <a:t> 2: </a:t>
+            </a:r>
+            <a:endParaRPr lang="en-US" sz="3200" dirty="0" smtClean="0">
+              <a:sym typeface="Bricolage Grotesque"/>
+            </a:endParaRPr>
+          </a:p>
+          <a:p>
+            <a:pPr marL="323850" lvl="1">
+              <a:lnSpc>
+                <a:spcPts val="4500"/>
+              </a:lnSpc>
+            </a:pPr>
+            <a:r>
+              <a:rPr lang="en-US" sz="3200" b="1" dirty="0" err="1" smtClean="0">
+                <a:sym typeface="Bricolage Grotesque"/>
+              </a:rPr>
+              <a:t>Quản</a:t>
+            </a:r>
+            <a:r>
+              <a:rPr lang="en-US" sz="3200" b="1" dirty="0" smtClean="0">
+                <a:sym typeface="Bricolage Grotesque"/>
+              </a:rPr>
+              <a:t> </a:t>
+            </a:r>
+            <a:r>
+              <a:rPr lang="en-US" sz="3200" b="1" dirty="0" err="1">
+                <a:sym typeface="Bricolage Grotesque"/>
+              </a:rPr>
+              <a:t>lý</a:t>
+            </a:r>
+            <a:r>
+              <a:rPr lang="en-US" sz="3200" b="1" dirty="0">
+                <a:sym typeface="Bricolage Grotesque"/>
+              </a:rPr>
+              <a:t> </a:t>
+            </a:r>
+            <a:r>
+              <a:rPr lang="en-US" sz="3200" b="1" dirty="0" err="1">
+                <a:sym typeface="Bricolage Grotesque"/>
+              </a:rPr>
+              <a:t>đăng</a:t>
+            </a:r>
+            <a:r>
+              <a:rPr lang="en-US" sz="3200" b="1" dirty="0">
+                <a:sym typeface="Bricolage Grotesque"/>
+              </a:rPr>
+              <a:t> </a:t>
+            </a:r>
+            <a:r>
+              <a:rPr lang="en-US" sz="3200" b="1" dirty="0" err="1" smtClean="0">
+                <a:sym typeface="Bricolage Grotesque"/>
+              </a:rPr>
+              <a:t>ký</a:t>
+            </a:r>
+            <a:r>
+              <a:rPr lang="en-US" sz="3200" b="1" dirty="0" smtClean="0">
+                <a:sym typeface="Bricolage Grotesque"/>
+              </a:rPr>
+              <a:t> </a:t>
+            </a:r>
+            <a:r>
+              <a:rPr lang="en-US" sz="3200" dirty="0" err="1" smtClean="0">
+                <a:sym typeface="Bricolage Grotesque"/>
+              </a:rPr>
+              <a:t>trong</a:t>
+            </a:r>
+            <a:r>
+              <a:rPr lang="en-US" sz="3200" dirty="0" smtClean="0">
+                <a:sym typeface="Bricolage Grotesque"/>
+              </a:rPr>
+              <a:t> </a:t>
+            </a:r>
+            <a:r>
+              <a:rPr lang="en-US" sz="3200" dirty="0" err="1">
+                <a:sym typeface="Bricolage Grotesque"/>
+              </a:rPr>
+              <a:t>buổi</a:t>
+            </a:r>
+            <a:r>
+              <a:rPr lang="en-US" sz="3200" dirty="0">
+                <a:sym typeface="Bricolage Grotesque"/>
+              </a:rPr>
+              <a:t> </a:t>
+            </a:r>
+            <a:r>
+              <a:rPr lang="en-US" sz="3200" dirty="0" smtClean="0">
+                <a:sym typeface="Bricolage Grotesque"/>
+              </a:rPr>
+              <a:t>6</a:t>
+            </a:r>
+          </a:p>
+        </p:txBody>
+      </p:sp>
+      <p:pic>
+        <p:nvPicPr>
+          <p:cNvPr id="3" name="Picture 2"/>
+          <p:cNvPicPr>
+            <a:picLocks noChangeAspect="1"/>
+          </p:cNvPicPr>
+          <p:nvPr/>
+        </p:nvPicPr>
+        <p:blipFill>
+          <a:blip r:embed="rId2"/>
+          <a:stretch>
+            <a:fillRect/>
+          </a:stretch>
+        </p:blipFill>
+        <p:spPr>
+          <a:xfrm>
+            <a:off x="10439400" y="1866900"/>
+            <a:ext cx="5944430" cy="7668695"/>
+          </a:xfrm>
+          <a:prstGeom prst="rect">
+            <a:avLst/>
+          </a:prstGeom>
+        </p:spPr>
+      </p:pic>
+      <p:pic>
+        <p:nvPicPr>
+          <p:cNvPr id="8" name="Picture 7"/>
+          <p:cNvPicPr>
+            <a:picLocks noChangeAspect="1"/>
+          </p:cNvPicPr>
+          <p:nvPr/>
+        </p:nvPicPr>
+        <p:blipFill>
+          <a:blip r:embed="rId3"/>
+          <a:stretch>
+            <a:fillRect/>
+          </a:stretch>
+        </p:blipFill>
+        <p:spPr>
+          <a:xfrm>
+            <a:off x="590370" y="5143500"/>
+            <a:ext cx="9468030" cy="2960638"/>
+          </a:xfrm>
+          <a:prstGeom prst="rect">
+            <a:avLst/>
+          </a:prstGeom>
+        </p:spPr>
+      </p:pic>
+    </p:spTree>
+    <p:extLst>
+      <p:ext uri="{BB962C8B-B14F-4D97-AF65-F5344CB8AC3E}">
+        <p14:creationId xmlns:p14="http://schemas.microsoft.com/office/powerpoint/2010/main" val="1599491928"/>
+      </p:ext>
+    </p:extLst>
+  </p:cSld>
+  <p:clrMapOvr>
+    <a:masterClrMapping/>
+  </p:clrMapOvr>
+  <p:timing>
+    <p:tnLst>
+      <p:par>
+        <p:cTn id="1" dur="indefinite" restart="never" nodeType="tmRoot"/>
+      </p:par>
+    </p:tnLst>
+  </p:timing>
+</p:sld>
+</file>
+
+<file path=ppt/slides/slide8.xml><?xml version="1.0" encoding="utf-8"?>
+<p:sld xmlns:a="http://schemas.openxmlformats.org/drawingml/2006/main" xmlns:r="http://schemas.openxmlformats.org/officeDocument/2006/relationships" xmlns:p="http://schemas.openxmlformats.org/presentationml/2006/main">
+  <p:cSld>
+    <p:spTree>
+      <p:nvGrpSpPr>
+        <p:cNvPr id="1" name=""/>
+        <p:cNvGrpSpPr/>
+        <p:nvPr/>
+      </p:nvGrpSpPr>
+      <p:grpSpPr>
+        <a:xfrm>
+          <a:off x="0" y="0"/>
+          <a:ext cx="0" cy="0"/>
+          <a:chOff x="0" y="0"/>
+          <a:chExt cx="0" cy="0"/>
+        </a:xfrm>
+      </p:grpSpPr>
+      <p:sp>
+        <p:nvSpPr>
           <p:cNvPr id="7" name="TextBox 7"/>
           <p:cNvSpPr txBox="1"/>
           <p:nvPr/>
         </p:nvSpPr>
         <p:spPr>
           <a:xfrm>
-            <a:off x="2895600" y="1866900"/>
+            <a:off x="609600" y="643235"/>
             <a:ext cx="11201400" cy="923330"/>
           </a:xfrm>
           <a:prstGeom prst="rect">
@@ -3533,10 +5768,10 @@
               </a:pathLst>
             </a:custGeom>
             <a:blipFill>
-              <a:blip r:embed="rId4">
+              <a:blip r:embed="rId2">
                 <a:extLst>
                   <a:ext uri="{96DAC541-7B7A-43D3-8B79-37D633B846F1}">
-                    <asvg:svgBlip xmlns="" xmlns:asvg="http://schemas.microsoft.com/office/drawing/2016/SVG/main" r:embed="rId5"/>
+                    <asvg:svgBlip xmlns:asvg="http://schemas.microsoft.com/office/drawing/2016/SVG/main" xmlns="" r:embed="rId5"/>
                   </a:ext>
                 </a:extLst>
               </a:blip>
@@ -3660,8 +5895,8 @@
         </p:nvSpPr>
         <p:spPr>
           <a:xfrm>
-            <a:off x="990600" y="4152900"/>
-            <a:ext cx="7315200" cy="2154436"/>
+            <a:off x="838200" y="1943100"/>
+            <a:ext cx="7315200" cy="6463308"/>
           </a:xfrm>
           <a:prstGeom prst="rect">
             <a:avLst/>
@@ -3674,8 +5909,12 @@
           <a:lstStyle/>
           <a:p>
             <a:r>
+              <a:rPr lang="en-US" sz="2800" b="1" dirty="0" smtClean="0"/>
+              <a:t>Form Checkout (</a:t>
+            </a:r>
+            <a:r>
               <a:rPr lang="en-US" sz="2800" b="1" dirty="0" err="1" smtClean="0"/>
-              <a:t>Quản</a:t>
+              <a:t>thanh</a:t>
             </a:r>
             <a:r>
               <a:rPr lang="en-US" sz="2800" b="1" dirty="0" smtClean="0"/>
@@ -3683,23 +5922,11 @@
             </a:r>
             <a:r>
               <a:rPr lang="en-US" sz="2800" b="1" dirty="0" err="1" smtClean="0"/>
-              <a:t>lý</a:t>
+              <a:t>toán</a:t>
             </a:r>
             <a:r>
               <a:rPr lang="en-US" sz="2800" b="1" dirty="0" smtClean="0"/>
-              <a:t> </a:t>
-            </a:r>
-            <a:r>
-              <a:rPr lang="en-US" sz="2800" b="1" dirty="0" err="1" smtClean="0"/>
-              <a:t>sinh</a:t>
-            </a:r>
-            <a:r>
-              <a:rPr lang="en-US" sz="2800" b="1" dirty="0" smtClean="0"/>
-              <a:t> </a:t>
-            </a:r>
-            <a:r>
-              <a:rPr lang="en-US" sz="2800" b="1" dirty="0" err="1" smtClean="0"/>
-              <a:t>viên</a:t>
+              <a:t>)</a:t>
             </a:r>
             <a:endParaRPr lang="en-US" sz="2800" b="1" dirty="0" smtClean="0"/>
           </a:p>
@@ -3709,60 +5936,8 @@
               <a:buChar char="•"/>
             </a:pPr>
             <a:r>
-              <a:rPr lang="en-US" sz="2800" dirty="0" err="1" smtClean="0"/>
-              <a:t>Danh</a:t>
-            </a:r>
-            <a:r>
-              <a:rPr lang="en-US" sz="2800" dirty="0" smtClean="0"/>
-              <a:t> </a:t>
-            </a:r>
-            <a:r>
-              <a:rPr lang="en-US" sz="2800" dirty="0" err="1"/>
-              <a:t>sách</a:t>
-            </a:r>
-            <a:r>
-              <a:rPr lang="en-US" sz="2800" dirty="0"/>
-              <a:t> </a:t>
-            </a:r>
-            <a:r>
-              <a:rPr lang="en-US" sz="2800" dirty="0" err="1"/>
-              <a:t>sinh</a:t>
-            </a:r>
-            <a:r>
-              <a:rPr lang="en-US" sz="2800" dirty="0"/>
-              <a:t> </a:t>
-            </a:r>
-            <a:r>
-              <a:rPr lang="en-US" sz="2800" dirty="0" err="1"/>
-              <a:t>viên</a:t>
-            </a:r>
-            <a:r>
-              <a:rPr lang="en-US" sz="2800" dirty="0"/>
-              <a:t> (</a:t>
-            </a:r>
-            <a:r>
-              <a:rPr lang="en-US" sz="2800" dirty="0" err="1"/>
-              <a:t>Mã</a:t>
-            </a:r>
-            <a:r>
-              <a:rPr lang="en-US" sz="2800" dirty="0"/>
-              <a:t> SV, </a:t>
-            </a:r>
-            <a:r>
-              <a:rPr lang="en-US" sz="2800" dirty="0" err="1"/>
-              <a:t>Tên</a:t>
-            </a:r>
-            <a:r>
-              <a:rPr lang="en-US" sz="2800" dirty="0"/>
-              <a:t>, </a:t>
-            </a:r>
-            <a:r>
-              <a:rPr lang="en-US" sz="2800" dirty="0" err="1"/>
-              <a:t>Điểm</a:t>
-            </a:r>
-            <a:r>
-              <a:rPr lang="en-US" sz="2800" dirty="0" smtClean="0"/>
-              <a:t>).</a:t>
+              <a:rPr lang="vi-VN" sz="2800" dirty="0"/>
+              <a:t>Thông tin người nhận (Tên, SĐT, và 3 ô địa chỉ combobox cho người dùng chọn xã, huyện, tỉnh).</a:t>
             </a:r>
           </a:p>
           <a:p>
@@ -3771,52 +5946,12 @@
               <a:buChar char="•"/>
             </a:pPr>
             <a:r>
-              <a:rPr lang="en-US" sz="2800" dirty="0" err="1" smtClean="0"/>
-              <a:t>Chức</a:t>
-            </a:r>
-            <a:r>
-              <a:rPr lang="en-US" sz="2800" dirty="0" smtClean="0"/>
-              <a:t> </a:t>
-            </a:r>
-            <a:r>
-              <a:rPr lang="en-US" sz="2800" dirty="0" err="1"/>
-              <a:t>năng</a:t>
-            </a:r>
-            <a:r>
-              <a:rPr lang="en-US" sz="2800" dirty="0"/>
-              <a:t>: </a:t>
-            </a:r>
-            <a:r>
-              <a:rPr lang="en-US" sz="2800" dirty="0" err="1"/>
-              <a:t>Thêm</a:t>
-            </a:r>
-            <a:r>
-              <a:rPr lang="en-US" sz="2800" dirty="0"/>
-              <a:t>, </a:t>
-            </a:r>
-            <a:r>
-              <a:rPr lang="en-US" sz="2800" dirty="0" err="1"/>
-              <a:t>Xóa</a:t>
-            </a:r>
-            <a:r>
-              <a:rPr lang="en-US" sz="2800" dirty="0"/>
-              <a:t>, </a:t>
-            </a:r>
-            <a:r>
-              <a:rPr lang="en-US" sz="2800" dirty="0" err="1"/>
-              <a:t>Sửa</a:t>
-            </a:r>
-            <a:r>
-              <a:rPr lang="en-US" sz="2800" dirty="0"/>
-              <a:t> </a:t>
-            </a:r>
-            <a:r>
-              <a:rPr lang="en-US" sz="2800" dirty="0" err="1" smtClean="0"/>
-              <a:t>điểm</a:t>
-            </a:r>
-            <a:r>
-              <a:rPr lang="en-US" sz="2800" dirty="0" smtClean="0"/>
-              <a:t>.</a:t>
+              <a:rPr lang="vi-VN" sz="2800" dirty="0" smtClean="0"/>
+              <a:t>Phương </a:t>
+            </a:r>
+            <a:r>
+              <a:rPr lang="vi-VN" sz="2800" dirty="0"/>
+              <a:t>thức thanh toán (Radio button: COD / Chuyển khoản).</a:t>
             </a:r>
           </a:p>
           <a:p>
@@ -3825,76 +5960,12 @@
               <a:buChar char="•"/>
             </a:pPr>
             <a:r>
-              <a:rPr lang="en-US" sz="2800" dirty="0" err="1" smtClean="0"/>
-              <a:t>Tính</a:t>
-            </a:r>
-            <a:r>
-              <a:rPr lang="en-US" sz="2800" dirty="0" smtClean="0"/>
-              <a:t> </a:t>
-            </a:r>
-            <a:r>
-              <a:rPr lang="en-US" sz="2800" dirty="0" err="1"/>
-              <a:t>điểm</a:t>
-            </a:r>
-            <a:r>
-              <a:rPr lang="en-US" sz="2800" dirty="0"/>
-              <a:t> </a:t>
-            </a:r>
-            <a:r>
-              <a:rPr lang="en-US" sz="2800" dirty="0" err="1"/>
-              <a:t>trung</a:t>
-            </a:r>
-            <a:r>
-              <a:rPr lang="en-US" sz="2800" dirty="0"/>
-              <a:t> </a:t>
-            </a:r>
-            <a:r>
-              <a:rPr lang="en-US" sz="2800" dirty="0" err="1"/>
-              <a:t>bình</a:t>
-            </a:r>
-            <a:r>
-              <a:rPr lang="en-US" sz="2800" dirty="0"/>
-              <a:t> </a:t>
-            </a:r>
-            <a:r>
-              <a:rPr lang="en-US" sz="2800" dirty="0" err="1"/>
-              <a:t>cả</a:t>
-            </a:r>
-            <a:r>
-              <a:rPr lang="en-US" sz="2800" dirty="0"/>
-              <a:t> </a:t>
-            </a:r>
-            <a:r>
-              <a:rPr lang="en-US" sz="2800" dirty="0" err="1"/>
-              <a:t>lớp</a:t>
-            </a:r>
-            <a:r>
-              <a:rPr lang="en-US" sz="2800" dirty="0"/>
-              <a:t> </a:t>
-            </a:r>
-            <a:r>
-              <a:rPr lang="en-US" sz="2800" dirty="0" err="1"/>
-              <a:t>và</a:t>
-            </a:r>
-            <a:r>
-              <a:rPr lang="en-US" sz="2800" dirty="0"/>
-              <a:t> </a:t>
-            </a:r>
-            <a:r>
-              <a:rPr lang="en-US" sz="2800" dirty="0" err="1"/>
-              <a:t>hiển</a:t>
-            </a:r>
-            <a:r>
-              <a:rPr lang="en-US" sz="2800" dirty="0"/>
-              <a:t> </a:t>
-            </a:r>
-            <a:r>
-              <a:rPr lang="en-US" sz="2800" dirty="0" err="1" smtClean="0"/>
-              <a:t>thị</a:t>
-            </a:r>
-            <a:r>
-              <a:rPr lang="en-US" sz="2800" dirty="0" smtClean="0"/>
-              <a:t>.</a:t>
+              <a:rPr lang="vi-VN" sz="2800" dirty="0" smtClean="0"/>
+              <a:t>Ghi </a:t>
+            </a:r>
+            <a:r>
+              <a:rPr lang="vi-VN" sz="2800" dirty="0"/>
+              <a:t>chú (Textarea).</a:t>
             </a:r>
           </a:p>
           <a:p>
@@ -3903,60 +5974,48 @@
               <a:buChar char="•"/>
             </a:pPr>
             <a:r>
-              <a:rPr lang="en-US" sz="2800" dirty="0" err="1" smtClean="0"/>
-              <a:t>Xếp</a:t>
-            </a:r>
-            <a:r>
-              <a:rPr lang="en-US" sz="2800" dirty="0" smtClean="0"/>
-              <a:t> </a:t>
-            </a:r>
-            <a:r>
-              <a:rPr lang="en-US" sz="2800" dirty="0" err="1"/>
-              <a:t>loại</a:t>
-            </a:r>
-            <a:r>
-              <a:rPr lang="en-US" sz="2800" dirty="0"/>
-              <a:t> (</a:t>
-            </a:r>
-            <a:r>
-              <a:rPr lang="en-US" sz="2800" dirty="0" err="1"/>
-              <a:t>Giỏi</a:t>
-            </a:r>
-            <a:r>
-              <a:rPr lang="en-US" sz="2800" dirty="0"/>
-              <a:t>/</a:t>
-            </a:r>
-            <a:r>
-              <a:rPr lang="en-US" sz="2800" dirty="0" err="1"/>
-              <a:t>Khá</a:t>
-            </a:r>
-            <a:r>
-              <a:rPr lang="en-US" sz="2800" dirty="0"/>
-              <a:t>/TB) </a:t>
-            </a:r>
-            <a:r>
-              <a:rPr lang="en-US" sz="2800" dirty="0" err="1"/>
-              <a:t>dựa</a:t>
-            </a:r>
-            <a:r>
-              <a:rPr lang="en-US" sz="2800" dirty="0"/>
-              <a:t> </a:t>
-            </a:r>
-            <a:r>
-              <a:rPr lang="en-US" sz="2800" dirty="0" err="1"/>
-              <a:t>trên</a:t>
-            </a:r>
-            <a:r>
-              <a:rPr lang="en-US" sz="2800" dirty="0"/>
-              <a:t> </a:t>
-            </a:r>
-            <a:r>
-              <a:rPr lang="en-US" sz="2800" dirty="0" err="1"/>
-              <a:t>điểm</a:t>
-            </a:r>
-            <a:r>
-              <a:rPr lang="en-US" sz="2800" dirty="0"/>
-              <a:t>.</a:t>
+              <a:rPr lang="vi-VN" sz="2800" dirty="0" smtClean="0"/>
+              <a:t>Validate </a:t>
+            </a:r>
+            <a:r>
+              <a:rPr lang="vi-VN" sz="2800" dirty="0"/>
+              <a:t>chặt chẽ (SĐT phải là số, Địa chỉ không được quá ngắn).</a:t>
+            </a:r>
+          </a:p>
+          <a:p>
+            <a:pPr marL="457200" indent="-457200">
+              <a:buFont typeface="Arial" panose="020B0604020202020204" pitchFamily="34" charset="0"/>
+              <a:buChar char="•"/>
+            </a:pPr>
+            <a:r>
+              <a:rPr lang="vi-VN" sz="2800" dirty="0" smtClean="0"/>
+              <a:t>Fetch </a:t>
+            </a:r>
+            <a:r>
+              <a:rPr lang="vi-VN" sz="2800" dirty="0"/>
+              <a:t>API giả lập để lấy danh sách xã, huyện, tỉnh tại Việt Nam (có thể dùng JSON tĩnh). </a:t>
+            </a:r>
+            <a:endParaRPr lang="en-US" sz="2800" dirty="0" smtClean="0"/>
+          </a:p>
+          <a:p>
+            <a:pPr marL="457200" indent="-457200">
+              <a:buFont typeface="Arial" panose="020B0604020202020204" pitchFamily="34" charset="0"/>
+              <a:buChar char="•"/>
+            </a:pPr>
+            <a:endParaRPr lang="en-US" sz="2800" dirty="0"/>
+          </a:p>
+          <a:p>
+            <a:pPr marL="457200" indent="-457200">
+              <a:buFont typeface="Arial" panose="020B0604020202020204" pitchFamily="34" charset="0"/>
+              <a:buChar char="•"/>
+            </a:pPr>
+            <a:r>
+              <a:rPr lang="vi-VN" sz="2800" dirty="0" smtClean="0"/>
+              <a:t>Truy </a:t>
+            </a:r>
+            <a:r>
+              <a:rPr lang="vi-VN" sz="2800" dirty="0"/>
+              <a:t>cập vào demo tại: https://vn-provinces-vue-demo.netlify.app/. </a:t>
             </a:r>
             <a:endParaRPr lang="en-US" sz="2800" dirty="0"/>
           </a:p>
@@ -3964,20 +6023,11 @@
       </p:sp>
       <p:pic>
         <p:nvPicPr>
-          <p:cNvPr id="2" name="PixPin_2026-01-03_13-22-00">
-            <a:hlinkClick r:id="" action="ppaction://media"/>
-          </p:cNvPr>
+          <p:cNvPr id="3" name="Picture 2"/>
           <p:cNvPicPr>
             <a:picLocks noChangeAspect="1"/>
           </p:cNvPicPr>
-          <p:nvPr>
-            <a:videoFile r:link="rId2"/>
-            <p:extLst>
-              <p:ext uri="{DAA4B4D4-6D71-4841-9C94-3DE7FCFB9230}">
-                <p14:media xmlns:p14="http://schemas.microsoft.com/office/powerpoint/2010/main" r:embed="rId1"/>
-              </p:ext>
-            </p:extLst>
-          </p:nvPr>
+          <p:nvPr/>
         </p:nvPicPr>
         <p:blipFill>
           <a:blip r:embed="rId6"/>
@@ -3987,8 +6037,8 @@
         </p:blipFill>
         <p:spPr>
           <a:xfrm>
-            <a:off x="8686800" y="1799051"/>
-            <a:ext cx="9258300" cy="7200900"/>
+            <a:off x="9448800" y="1104900"/>
+            <a:ext cx="7543800" cy="8374739"/>
           </a:xfrm>
           <a:prstGeom prst="rect">
             <a:avLst/>
@@ -4008,2604 +6058,7 @@
   <p:timing>
     <p:tnLst>
       <p:par>
-        <p:cTn id="1" dur="indefinite" restart="never" nodeType="tmRoot">
-          <p:childTnLst>
-            <p:seq concurrent="1" nextAc="seek">
-              <p:cTn id="2" restart="whenNotActive" fill="hold" evtFilter="cancelBubble" nodeType="interactiveSeq">
-                <p:stCondLst>
-                  <p:cond evt="onClick" delay="0">
-                    <p:tgtEl>
-                      <p:spTgt spid="2"/>
-                    </p:tgtEl>
-                  </p:cond>
-                </p:stCondLst>
-                <p:endSync evt="end" delay="0">
-                  <p:rtn val="all"/>
-                </p:endSync>
-                <p:childTnLst>
-                  <p:par>
-                    <p:cTn id="3" fill="hold">
-                      <p:stCondLst>
-                        <p:cond delay="0"/>
-                      </p:stCondLst>
-                      <p:childTnLst>
-                        <p:par>
-                          <p:cTn id="4" fill="hold">
-                            <p:stCondLst>
-                              <p:cond delay="0"/>
-                            </p:stCondLst>
-                            <p:childTnLst>
-                              <p:par>
-                                <p:cTn id="5" presetID="2" presetClass="mediacall" presetSubtype="0" fill="hold" nodeType="clickEffect">
-                                  <p:stCondLst>
-                                    <p:cond delay="0"/>
-                                  </p:stCondLst>
-                                  <p:childTnLst>
-                                    <p:cmd type="call" cmd="togglePause">
-                                      <p:cBhvr>
-                                        <p:cTn id="6" dur="1" fill="hold"/>
-                                        <p:tgtEl>
-                                          <p:spTgt spid="2"/>
-                                        </p:tgtEl>
-                                      </p:cBhvr>
-                                    </p:cmd>
-                                  </p:childTnLst>
-                                </p:cTn>
-                              </p:par>
-                            </p:childTnLst>
-                          </p:cTn>
-                        </p:par>
-                      </p:childTnLst>
-                    </p:cTn>
-                  </p:par>
-                </p:childTnLst>
-              </p:cTn>
-              <p:nextCondLst>
-                <p:cond evt="onClick" delay="0">
-                  <p:tgtEl>
-                    <p:spTgt spid="2"/>
-                  </p:tgtEl>
-                </p:cond>
-              </p:nextCondLst>
-            </p:seq>
-            <p:video>
-              <p:cMediaNode vol="80000">
-                <p:cTn id="7" fill="hold" display="0">
-                  <p:stCondLst>
-                    <p:cond delay="indefinite"/>
-                  </p:stCondLst>
-                </p:cTn>
-                <p:tgtEl>
-                  <p:spTgt spid="2"/>
-                </p:tgtEl>
-              </p:cMediaNode>
-            </p:video>
-          </p:childTnLst>
-        </p:cTn>
-      </p:par>
-    </p:tnLst>
-  </p:timing>
-</p:sld>
-</file>
-
-<file path=ppt/slides/slide2.xml><?xml version="1.0" encoding="utf-8"?>
-<p:sld xmlns:a="http://schemas.openxmlformats.org/drawingml/2006/main" xmlns:r="http://schemas.openxmlformats.org/officeDocument/2006/relationships" xmlns:p="http://schemas.openxmlformats.org/presentationml/2006/main">
-  <p:cSld>
-    <p:bg>
-      <p:bgPr>
-        <a:solidFill>
-          <a:srgbClr val="F7F7F7"/>
-        </a:solidFill>
-        <a:effectLst/>
-      </p:bgPr>
-    </p:bg>
-    <p:spTree>
-      <p:nvGrpSpPr>
-        <p:cNvPr id="1" name=""/>
-        <p:cNvGrpSpPr/>
-        <p:nvPr/>
-      </p:nvGrpSpPr>
-      <p:grpSpPr>
-        <a:xfrm>
-          <a:off x="0" y="0"/>
-          <a:ext cx="0" cy="0"/>
-          <a:chOff x="0" y="0"/>
-          <a:chExt cx="0" cy="0"/>
-        </a:xfrm>
-      </p:grpSpPr>
-      <p:sp>
-        <p:nvSpPr>
-          <p:cNvPr id="2" name="TextBox 2"/>
-          <p:cNvSpPr txBox="1"/>
-          <p:nvPr/>
-        </p:nvSpPr>
-        <p:spPr>
-          <a:xfrm>
-            <a:off x="0" y="1162050"/>
-            <a:ext cx="18288000" cy="930275"/>
-          </a:xfrm>
-          <a:prstGeom prst="rect">
-            <a:avLst/>
-          </a:prstGeom>
-        </p:spPr>
-        <p:txBody>
-          <a:bodyPr lIns="0" tIns="0" rIns="0" bIns="0" rtlCol="0" anchor="t">
-            <a:spAutoFit/>
-          </a:bodyPr>
-          <a:lstStyle/>
-          <a:p>
-            <a:pPr marL="0" lvl="0" indent="0" algn="ctr">
-              <a:lnSpc>
-                <a:spcPts val="6999"/>
-              </a:lnSpc>
-              <a:spcBef>
-                <a:spcPct val="0"/>
-              </a:spcBef>
-            </a:pPr>
-            <a:r>
-              <a:rPr lang="en-US" sz="6999" b="1">
-                <a:solidFill>
-                  <a:srgbClr val="1E293B"/>
-                </a:solidFill>
-                <a:latin typeface="Bricolage Grotesque Bold"/>
-                <a:ea typeface="Bricolage Grotesque Bold"/>
-                <a:cs typeface="Bricolage Grotesque Bold"/>
-                <a:sym typeface="Bricolage Grotesque Bold"/>
-              </a:rPr>
-              <a:t>Nội dung buổi học</a:t>
-            </a:r>
-          </a:p>
-        </p:txBody>
-      </p:sp>
-      <p:sp>
-        <p:nvSpPr>
-          <p:cNvPr id="3" name="TextBox 3"/>
-          <p:cNvSpPr txBox="1"/>
-          <p:nvPr/>
-        </p:nvSpPr>
-        <p:spPr>
-          <a:xfrm>
-            <a:off x="4572000" y="3695700"/>
-            <a:ext cx="9678972" cy="1872307"/>
-          </a:xfrm>
-          <a:prstGeom prst="rect">
-            <a:avLst/>
-          </a:prstGeom>
-        </p:spPr>
-        <p:txBody>
-          <a:bodyPr lIns="0" tIns="0" rIns="0" bIns="0" rtlCol="0" anchor="t">
-            <a:spAutoFit/>
-          </a:bodyPr>
-          <a:lstStyle/>
-          <a:p>
-            <a:pPr marL="755864" lvl="1" indent="-377932">
-              <a:lnSpc>
-                <a:spcPts val="7282"/>
-              </a:lnSpc>
-              <a:buFontTx/>
-              <a:buAutoNum type="arabicPeriod"/>
-            </a:pPr>
-            <a:r>
-              <a:rPr lang="en-US" sz="3500" b="1" dirty="0" err="1" smtClean="0">
-                <a:solidFill>
-                  <a:srgbClr val="1E293B"/>
-                </a:solidFill>
-                <a:latin typeface="Bricolage Grotesque Bold"/>
-                <a:ea typeface="Bricolage Grotesque Bold"/>
-                <a:cs typeface="Bricolage Grotesque Bold"/>
-                <a:sym typeface="Bricolage Grotesque Bold"/>
-              </a:rPr>
-              <a:t>Todoapp</a:t>
-            </a:r>
-            <a:r>
-              <a:rPr lang="en-US" sz="3500" b="1" dirty="0" smtClean="0">
-                <a:solidFill>
-                  <a:srgbClr val="1E293B"/>
-                </a:solidFill>
-                <a:latin typeface="Bricolage Grotesque Bold"/>
-                <a:ea typeface="Bricolage Grotesque Bold"/>
-                <a:cs typeface="Bricolage Grotesque Bold"/>
-                <a:sym typeface="Bricolage Grotesque Bold"/>
-              </a:rPr>
-              <a:t> CRUD Project</a:t>
-            </a:r>
-            <a:endParaRPr lang="en-US" sz="3500" b="1" dirty="0">
-              <a:solidFill>
-                <a:srgbClr val="1E293B"/>
-              </a:solidFill>
-              <a:latin typeface="Bricolage Grotesque Bold"/>
-              <a:ea typeface="Bricolage Grotesque Bold"/>
-              <a:cs typeface="Bricolage Grotesque Bold"/>
-              <a:sym typeface="Bricolage Grotesque Bold"/>
-            </a:endParaRPr>
-          </a:p>
-          <a:p>
-            <a:pPr marL="755864" lvl="1" indent="-377932">
-              <a:lnSpc>
-                <a:spcPts val="7282"/>
-              </a:lnSpc>
-              <a:buFontTx/>
-              <a:buAutoNum type="arabicPeriod"/>
-            </a:pPr>
-            <a:r>
-              <a:rPr lang="en-US" sz="3500" b="1" dirty="0" smtClean="0">
-                <a:solidFill>
-                  <a:srgbClr val="1E293B"/>
-                </a:solidFill>
-                <a:latin typeface="Bricolage Grotesque Bold"/>
-                <a:ea typeface="Bricolage Grotesque Bold"/>
-                <a:cs typeface="Bricolage Grotesque Bold"/>
-                <a:sym typeface="Bricolage Grotesque Bold"/>
-              </a:rPr>
-              <a:t> </a:t>
-            </a:r>
-            <a:r>
-              <a:rPr lang="en-US" sz="3500" b="1" dirty="0" err="1" smtClean="0">
-                <a:solidFill>
-                  <a:srgbClr val="1E293B"/>
-                </a:solidFill>
-                <a:latin typeface="Bricolage Grotesque Bold"/>
-                <a:ea typeface="Bricolage Grotesque Bold"/>
-                <a:cs typeface="Bricolage Grotesque Bold"/>
-                <a:sym typeface="Bricolage Grotesque Bold"/>
-              </a:rPr>
-              <a:t>Bài</a:t>
-            </a:r>
-            <a:r>
-              <a:rPr lang="en-US" sz="3500" b="1" dirty="0" smtClean="0">
-                <a:solidFill>
-                  <a:srgbClr val="1E293B"/>
-                </a:solidFill>
-                <a:latin typeface="Bricolage Grotesque Bold"/>
-                <a:ea typeface="Bricolage Grotesque Bold"/>
-                <a:cs typeface="Bricolage Grotesque Bold"/>
-                <a:sym typeface="Bricolage Grotesque Bold"/>
-              </a:rPr>
-              <a:t> </a:t>
-            </a:r>
-            <a:r>
-              <a:rPr lang="en-US" sz="3500" b="1" dirty="0" err="1">
-                <a:solidFill>
-                  <a:srgbClr val="1E293B"/>
-                </a:solidFill>
-                <a:latin typeface="Bricolage Grotesque Bold"/>
-                <a:ea typeface="Bricolage Grotesque Bold"/>
-                <a:cs typeface="Bricolage Grotesque Bold"/>
-                <a:sym typeface="Bricolage Grotesque Bold"/>
-              </a:rPr>
-              <a:t>tập</a:t>
-            </a:r>
-            <a:r>
-              <a:rPr lang="en-US" sz="3500" b="1" dirty="0">
-                <a:solidFill>
-                  <a:srgbClr val="1E293B"/>
-                </a:solidFill>
-                <a:latin typeface="Bricolage Grotesque Bold"/>
-                <a:ea typeface="Bricolage Grotesque Bold"/>
-                <a:cs typeface="Bricolage Grotesque Bold"/>
-                <a:sym typeface="Bricolage Grotesque Bold"/>
-              </a:rPr>
-              <a:t> </a:t>
-            </a:r>
-            <a:r>
-              <a:rPr lang="en-US" sz="3500" b="1" dirty="0" err="1">
-                <a:solidFill>
-                  <a:srgbClr val="1E293B"/>
-                </a:solidFill>
-                <a:latin typeface="Bricolage Grotesque Bold"/>
-                <a:ea typeface="Bricolage Grotesque Bold"/>
-                <a:cs typeface="Bricolage Grotesque Bold"/>
-                <a:sym typeface="Bricolage Grotesque Bold"/>
-              </a:rPr>
-              <a:t>thực</a:t>
-            </a:r>
-            <a:r>
-              <a:rPr lang="en-US" sz="3500" b="1" dirty="0">
-                <a:solidFill>
-                  <a:srgbClr val="1E293B"/>
-                </a:solidFill>
-                <a:latin typeface="Bricolage Grotesque Bold"/>
-                <a:ea typeface="Bricolage Grotesque Bold"/>
-                <a:cs typeface="Bricolage Grotesque Bold"/>
-                <a:sym typeface="Bricolage Grotesque Bold"/>
-              </a:rPr>
-              <a:t> </a:t>
-            </a:r>
-            <a:r>
-              <a:rPr lang="en-US" sz="3500" b="1" dirty="0" err="1">
-                <a:solidFill>
-                  <a:srgbClr val="1E293B"/>
-                </a:solidFill>
-                <a:latin typeface="Bricolage Grotesque Bold"/>
-                <a:ea typeface="Bricolage Grotesque Bold"/>
-                <a:cs typeface="Bricolage Grotesque Bold"/>
-                <a:sym typeface="Bricolage Grotesque Bold"/>
-              </a:rPr>
-              <a:t>hành</a:t>
-            </a:r>
-            <a:r>
-              <a:rPr lang="en-US" sz="3500" b="1" dirty="0">
-                <a:solidFill>
-                  <a:srgbClr val="1E293B"/>
-                </a:solidFill>
-                <a:latin typeface="Bricolage Grotesque Bold"/>
-                <a:ea typeface="Bricolage Grotesque Bold"/>
-                <a:cs typeface="Bricolage Grotesque Bold"/>
-                <a:sym typeface="Bricolage Grotesque Bold"/>
-              </a:rPr>
-              <a:t> </a:t>
-            </a:r>
-            <a:r>
-              <a:rPr lang="en-US" sz="3500" b="1" dirty="0" err="1">
-                <a:solidFill>
-                  <a:srgbClr val="1E293B"/>
-                </a:solidFill>
-                <a:latin typeface="Bricolage Grotesque Bold"/>
-                <a:ea typeface="Bricolage Grotesque Bold"/>
-                <a:cs typeface="Bricolage Grotesque Bold"/>
-                <a:sym typeface="Bricolage Grotesque Bold"/>
-              </a:rPr>
-              <a:t>tại</a:t>
-            </a:r>
-            <a:r>
-              <a:rPr lang="en-US" sz="3500" b="1" dirty="0">
-                <a:solidFill>
-                  <a:srgbClr val="1E293B"/>
-                </a:solidFill>
-                <a:latin typeface="Bricolage Grotesque Bold"/>
-                <a:ea typeface="Bricolage Grotesque Bold"/>
-                <a:cs typeface="Bricolage Grotesque Bold"/>
-                <a:sym typeface="Bricolage Grotesque Bold"/>
-              </a:rPr>
-              <a:t> </a:t>
-            </a:r>
-            <a:r>
-              <a:rPr lang="en-US" sz="3500" b="1" dirty="0" err="1">
-                <a:solidFill>
-                  <a:srgbClr val="1E293B"/>
-                </a:solidFill>
-                <a:latin typeface="Bricolage Grotesque Bold"/>
-                <a:ea typeface="Bricolage Grotesque Bold"/>
-                <a:cs typeface="Bricolage Grotesque Bold"/>
-                <a:sym typeface="Bricolage Grotesque Bold"/>
-              </a:rPr>
-              <a:t>lớp</a:t>
-            </a:r>
-            <a:endParaRPr lang="en-US" sz="3500" b="1" dirty="0" smtClean="0">
-              <a:solidFill>
-                <a:srgbClr val="1E293B"/>
-              </a:solidFill>
-              <a:latin typeface="Bricolage Grotesque Bold"/>
-              <a:ea typeface="Bricolage Grotesque Bold"/>
-              <a:cs typeface="Bricolage Grotesque Bold"/>
-              <a:sym typeface="Bricolage Grotesque Bold"/>
-            </a:endParaRPr>
-          </a:p>
-        </p:txBody>
-      </p:sp>
-    </p:spTree>
-  </p:cSld>
-  <p:clrMapOvr>
-    <a:masterClrMapping/>
-  </p:clrMapOvr>
-  <p:timing>
-    <p:tnLst>
-      <p:par>
         <p:cTn id="1" dur="indefinite" restart="never" nodeType="tmRoot"/>
-      </p:par>
-    </p:tnLst>
-  </p:timing>
-</p:sld>
-</file>
-
-<file path=ppt/slides/slide3.xml><?xml version="1.0" encoding="utf-8"?>
-<p:sld xmlns:a="http://schemas.openxmlformats.org/drawingml/2006/main" xmlns:r="http://schemas.openxmlformats.org/officeDocument/2006/relationships" xmlns:p="http://schemas.openxmlformats.org/presentationml/2006/main">
-  <p:cSld>
-    <p:bg>
-      <p:bgPr>
-        <a:solidFill>
-          <a:srgbClr val="F7F7F7"/>
-        </a:solidFill>
-        <a:effectLst/>
-      </p:bgPr>
-    </p:bg>
-    <p:spTree>
-      <p:nvGrpSpPr>
-        <p:cNvPr id="1" name=""/>
-        <p:cNvGrpSpPr/>
-        <p:nvPr/>
-      </p:nvGrpSpPr>
-      <p:grpSpPr>
-        <a:xfrm>
-          <a:off x="0" y="0"/>
-          <a:ext cx="0" cy="0"/>
-          <a:chOff x="0" y="0"/>
-          <a:chExt cx="0" cy="0"/>
-        </a:xfrm>
-      </p:grpSpPr>
-      <p:sp>
-        <p:nvSpPr>
-          <p:cNvPr id="2" name="TextBox 2"/>
-          <p:cNvSpPr txBox="1"/>
-          <p:nvPr/>
-        </p:nvSpPr>
-        <p:spPr>
-          <a:xfrm>
-            <a:off x="152400" y="1104900"/>
-            <a:ext cx="18288000" cy="930275"/>
-          </a:xfrm>
-          <a:prstGeom prst="rect">
-            <a:avLst/>
-          </a:prstGeom>
-        </p:spPr>
-        <p:txBody>
-          <a:bodyPr lIns="0" tIns="0" rIns="0" bIns="0" rtlCol="0" anchor="t">
-            <a:spAutoFit/>
-          </a:bodyPr>
-          <a:lstStyle/>
-          <a:p>
-            <a:pPr marL="0" lvl="0" indent="0" algn="ctr">
-              <a:lnSpc>
-                <a:spcPts val="6999"/>
-              </a:lnSpc>
-              <a:spcBef>
-                <a:spcPct val="0"/>
-              </a:spcBef>
-            </a:pPr>
-            <a:r>
-              <a:rPr lang="en-US" sz="6999" b="1" dirty="0" err="1" smtClean="0">
-                <a:solidFill>
-                  <a:srgbClr val="1E293B"/>
-                </a:solidFill>
-                <a:latin typeface="Bricolage Grotesque Bold"/>
-                <a:ea typeface="Bricolage Grotesque Bold"/>
-                <a:cs typeface="Bricolage Grotesque Bold"/>
-                <a:sym typeface="Bricolage Grotesque Bold"/>
-              </a:rPr>
-              <a:t>TodoAp</a:t>
-            </a:r>
-            <a:r>
-              <a:rPr lang="en-US" sz="6999" b="1" dirty="0" err="1" smtClean="0">
-                <a:solidFill>
-                  <a:srgbClr val="1E293B"/>
-                </a:solidFill>
-                <a:latin typeface="Bricolage Grotesque Bold"/>
-                <a:ea typeface="Bricolage Grotesque Bold"/>
-                <a:cs typeface="Bricolage Grotesque Bold"/>
-                <a:sym typeface="Bricolage Grotesque Bold"/>
-              </a:rPr>
-              <a:t>p</a:t>
-            </a:r>
-            <a:r>
-              <a:rPr lang="en-US" sz="6999" b="1" dirty="0">
-                <a:solidFill>
-                  <a:srgbClr val="1E293B"/>
-                </a:solidFill>
-                <a:latin typeface="Bricolage Grotesque Bold"/>
-                <a:ea typeface="Bricolage Grotesque Bold"/>
-                <a:cs typeface="Bricolage Grotesque Bold"/>
-                <a:sym typeface="Bricolage Grotesque Bold"/>
-              </a:rPr>
-              <a:t> </a:t>
-            </a:r>
-            <a:r>
-              <a:rPr lang="en-US" sz="6999" b="1" dirty="0" smtClean="0">
-                <a:solidFill>
-                  <a:srgbClr val="1E293B"/>
-                </a:solidFill>
-                <a:latin typeface="Bricolage Grotesque Bold"/>
-                <a:ea typeface="Bricolage Grotesque Bold"/>
-                <a:cs typeface="Bricolage Grotesque Bold"/>
-                <a:sym typeface="Bricolage Grotesque Bold"/>
-              </a:rPr>
-              <a:t>CRUD</a:t>
-            </a:r>
-            <a:endParaRPr lang="en-US" sz="6999" b="1" dirty="0">
-              <a:solidFill>
-                <a:srgbClr val="1E293B"/>
-              </a:solidFill>
-              <a:latin typeface="Bricolage Grotesque Bold"/>
-              <a:ea typeface="Bricolage Grotesque Bold"/>
-              <a:cs typeface="Bricolage Grotesque Bold"/>
-              <a:sym typeface="Bricolage Grotesque Bold"/>
-            </a:endParaRPr>
-          </a:p>
-        </p:txBody>
-      </p:sp>
-      <p:sp>
-        <p:nvSpPr>
-          <p:cNvPr id="3" name="TextBox 3"/>
-          <p:cNvSpPr txBox="1"/>
-          <p:nvPr/>
-        </p:nvSpPr>
-        <p:spPr>
-          <a:xfrm>
-            <a:off x="609600" y="4000500"/>
-            <a:ext cx="5638800" cy="2308324"/>
-          </a:xfrm>
-          <a:prstGeom prst="rect">
-            <a:avLst/>
-          </a:prstGeom>
-        </p:spPr>
-        <p:txBody>
-          <a:bodyPr wrap="square" lIns="0" tIns="0" rIns="0" bIns="0" rtlCol="0" anchor="t">
-            <a:spAutoFit/>
-          </a:bodyPr>
-          <a:lstStyle/>
-          <a:p>
-            <a:pPr marL="323850" lvl="1">
-              <a:lnSpc>
-                <a:spcPts val="4500"/>
-              </a:lnSpc>
-            </a:pPr>
-            <a:r>
-              <a:rPr lang="en-US" sz="3200" dirty="0" err="1" smtClean="0">
-                <a:sym typeface="Bricolage Grotesque"/>
-              </a:rPr>
-              <a:t>Dự</a:t>
-            </a:r>
-            <a:r>
-              <a:rPr lang="en-US" sz="3200" dirty="0" smtClean="0">
-                <a:sym typeface="Bricolage Grotesque"/>
-              </a:rPr>
-              <a:t> </a:t>
-            </a:r>
-            <a:r>
-              <a:rPr lang="en-US" sz="3200" dirty="0" err="1" smtClean="0">
-                <a:sym typeface="Bricolage Grotesque"/>
-              </a:rPr>
-              <a:t>án</a:t>
-            </a:r>
-            <a:r>
-              <a:rPr lang="en-US" sz="3200" dirty="0" smtClean="0">
-                <a:sym typeface="Bricolage Grotesque"/>
-              </a:rPr>
-              <a:t> </a:t>
-            </a:r>
-            <a:r>
-              <a:rPr lang="en-US" sz="3200" dirty="0" err="1" smtClean="0">
-                <a:sym typeface="Bricolage Grotesque"/>
-              </a:rPr>
-              <a:t>này</a:t>
-            </a:r>
-            <a:r>
-              <a:rPr lang="en-US" sz="3200" dirty="0" smtClean="0">
-                <a:sym typeface="Bricolage Grotesque"/>
-              </a:rPr>
-              <a:t> </a:t>
-            </a:r>
-            <a:r>
-              <a:rPr lang="en-US" sz="3200" dirty="0" err="1" smtClean="0">
-                <a:sym typeface="Bricolage Grotesque"/>
-              </a:rPr>
-              <a:t>sẽ</a:t>
-            </a:r>
-            <a:r>
-              <a:rPr lang="en-US" sz="3200" dirty="0" smtClean="0">
-                <a:sym typeface="Bricolage Grotesque"/>
-              </a:rPr>
-              <a:t> </a:t>
-            </a:r>
-            <a:r>
-              <a:rPr lang="en-US" sz="3200" dirty="0" err="1" smtClean="0">
-                <a:sym typeface="Bricolage Grotesque"/>
-              </a:rPr>
-              <a:t>cho</a:t>
-            </a:r>
-            <a:r>
-              <a:rPr lang="en-US" sz="3200" dirty="0" smtClean="0">
-                <a:sym typeface="Bricolage Grotesque"/>
-              </a:rPr>
-              <a:t> </a:t>
-            </a:r>
-            <a:r>
-              <a:rPr lang="en-US" sz="3200" dirty="0" err="1" smtClean="0">
-                <a:sym typeface="Bricolage Grotesque"/>
-              </a:rPr>
-              <a:t>phép</a:t>
-            </a:r>
-            <a:r>
-              <a:rPr lang="en-US" sz="3200" dirty="0" smtClean="0">
-                <a:sym typeface="Bricolage Grotesque"/>
-              </a:rPr>
-              <a:t> </a:t>
-            </a:r>
-            <a:r>
-              <a:rPr lang="en-US" sz="3200" dirty="0" err="1" smtClean="0">
-                <a:sym typeface="Bricolage Grotesque"/>
-              </a:rPr>
-              <a:t>bạn</a:t>
-            </a:r>
-            <a:r>
-              <a:rPr lang="en-US" sz="3200" dirty="0" smtClean="0">
-                <a:sym typeface="Bricolage Grotesque"/>
-              </a:rPr>
-              <a:t> </a:t>
-            </a:r>
-            <a:r>
-              <a:rPr lang="en-US" sz="3200" dirty="0" err="1" smtClean="0">
-                <a:sym typeface="Bricolage Grotesque"/>
-              </a:rPr>
-              <a:t>thêm</a:t>
-            </a:r>
-            <a:r>
-              <a:rPr lang="en-US" sz="3200" dirty="0" smtClean="0">
-                <a:sym typeface="Bricolage Grotesque"/>
-              </a:rPr>
-              <a:t>, </a:t>
-            </a:r>
-            <a:r>
-              <a:rPr lang="en-US" sz="3200" dirty="0" err="1" smtClean="0">
-                <a:sym typeface="Bricolage Grotesque"/>
-              </a:rPr>
-              <a:t>xem</a:t>
-            </a:r>
-            <a:r>
-              <a:rPr lang="en-US" sz="3200" dirty="0" smtClean="0">
-                <a:sym typeface="Bricolage Grotesque"/>
-              </a:rPr>
-              <a:t>, </a:t>
-            </a:r>
-            <a:r>
-              <a:rPr lang="en-US" sz="3200" dirty="0" err="1" smtClean="0">
-                <a:sym typeface="Bricolage Grotesque"/>
-              </a:rPr>
-              <a:t>chỉnh</a:t>
-            </a:r>
-            <a:r>
-              <a:rPr lang="en-US" sz="3200" dirty="0" smtClean="0">
-                <a:sym typeface="Bricolage Grotesque"/>
-              </a:rPr>
-              <a:t> </a:t>
-            </a:r>
-            <a:r>
-              <a:rPr lang="en-US" sz="3200" dirty="0" err="1" smtClean="0">
-                <a:sym typeface="Bricolage Grotesque"/>
-              </a:rPr>
-              <a:t>sửa</a:t>
-            </a:r>
-            <a:r>
-              <a:rPr lang="en-US" sz="3200" dirty="0">
-                <a:sym typeface="Bricolage Grotesque"/>
-              </a:rPr>
-              <a:t> </a:t>
-            </a:r>
-            <a:r>
-              <a:rPr lang="en-US" sz="3200" dirty="0" err="1" smtClean="0">
-                <a:sym typeface="Bricolage Grotesque"/>
-              </a:rPr>
-              <a:t>và</a:t>
-            </a:r>
-            <a:r>
-              <a:rPr lang="en-US" sz="3200" dirty="0" smtClean="0">
-                <a:sym typeface="Bricolage Grotesque"/>
-              </a:rPr>
-              <a:t> </a:t>
-            </a:r>
-            <a:r>
-              <a:rPr lang="en-US" sz="3200" dirty="0" err="1" smtClean="0">
-                <a:sym typeface="Bricolage Grotesque"/>
-              </a:rPr>
-              <a:t>xóa</a:t>
-            </a:r>
-            <a:r>
-              <a:rPr lang="en-US" sz="3200" dirty="0" smtClean="0">
-                <a:sym typeface="Bricolage Grotesque"/>
-              </a:rPr>
-              <a:t> </a:t>
-            </a:r>
-            <a:r>
-              <a:rPr lang="en-US" sz="3200" dirty="0" err="1" smtClean="0">
-                <a:sym typeface="Bricolage Grotesque"/>
-              </a:rPr>
-              <a:t>các</a:t>
-            </a:r>
-            <a:r>
-              <a:rPr lang="en-US" sz="3200" dirty="0" smtClean="0">
-                <a:sym typeface="Bricolage Grotesque"/>
-              </a:rPr>
-              <a:t> </a:t>
-            </a:r>
-            <a:r>
-              <a:rPr lang="en-US" sz="3200" dirty="0" err="1" smtClean="0">
-                <a:sym typeface="Bricolage Grotesque"/>
-              </a:rPr>
-              <a:t>mục</a:t>
-            </a:r>
-            <a:r>
-              <a:rPr lang="en-US" sz="3200" dirty="0" smtClean="0">
-                <a:sym typeface="Bricolage Grotesque"/>
-              </a:rPr>
-              <a:t> </a:t>
-            </a:r>
-            <a:r>
-              <a:rPr lang="en-US" sz="3200" dirty="0" err="1" smtClean="0">
-                <a:sym typeface="Bricolage Grotesque"/>
-              </a:rPr>
-              <a:t>trong</a:t>
-            </a:r>
-            <a:r>
-              <a:rPr lang="en-US" sz="3200" dirty="0" smtClean="0">
-                <a:sym typeface="Bricolage Grotesque"/>
-              </a:rPr>
-              <a:t> </a:t>
-            </a:r>
-            <a:r>
-              <a:rPr lang="en-US" sz="3200" dirty="0" err="1" smtClean="0">
-                <a:sym typeface="Bricolage Grotesque"/>
-              </a:rPr>
-              <a:t>danh</a:t>
-            </a:r>
-            <a:r>
-              <a:rPr lang="en-US" sz="3200" dirty="0" smtClean="0">
-                <a:sym typeface="Bricolage Grotesque"/>
-              </a:rPr>
-              <a:t> </a:t>
-            </a:r>
-            <a:r>
-              <a:rPr lang="en-US" sz="3200" dirty="0" err="1" smtClean="0">
-                <a:sym typeface="Bricolage Grotesque"/>
-              </a:rPr>
-              <a:t>sách</a:t>
-            </a:r>
-            <a:r>
-              <a:rPr lang="en-US" sz="3200" dirty="0" smtClean="0">
-                <a:sym typeface="Bricolage Grotesque"/>
-              </a:rPr>
-              <a:t> </a:t>
-            </a:r>
-            <a:r>
-              <a:rPr lang="en-US" sz="3200" dirty="0" err="1" smtClean="0">
-                <a:sym typeface="Bricolage Grotesque"/>
-              </a:rPr>
-              <a:t>công</a:t>
-            </a:r>
-            <a:r>
-              <a:rPr lang="en-US" sz="3200" dirty="0" smtClean="0">
-                <a:sym typeface="Bricolage Grotesque"/>
-              </a:rPr>
-              <a:t> </a:t>
-            </a:r>
-            <a:r>
-              <a:rPr lang="en-US" sz="3200" dirty="0" err="1" smtClean="0">
-                <a:sym typeface="Bricolage Grotesque"/>
-              </a:rPr>
-              <a:t>việc</a:t>
-            </a:r>
-            <a:r>
-              <a:rPr lang="en-US" sz="3200" dirty="0" smtClean="0">
-                <a:sym typeface="Bricolage Grotesque"/>
-              </a:rPr>
-              <a:t> (</a:t>
-            </a:r>
-            <a:r>
-              <a:rPr lang="en-US" sz="3200" dirty="0" err="1" smtClean="0">
-                <a:sym typeface="Bricolage Grotesque"/>
-              </a:rPr>
-              <a:t>todo</a:t>
-            </a:r>
-            <a:r>
-              <a:rPr lang="en-US" sz="3200" dirty="0" smtClean="0">
-                <a:sym typeface="Bricolage Grotesque"/>
-              </a:rPr>
-              <a:t> list)</a:t>
-            </a:r>
-            <a:endParaRPr lang="en-US" sz="3200" dirty="0">
-              <a:solidFill>
-                <a:srgbClr val="1E293B"/>
-              </a:solidFill>
-              <a:latin typeface="Bricolage Grotesque Bold" panose="020B0604020202020204" charset="0"/>
-              <a:ea typeface="Bricolage Grotesque"/>
-              <a:cs typeface="Bricolage Grotesque"/>
-              <a:sym typeface="Bricolage Grotesque"/>
-            </a:endParaRPr>
-          </a:p>
-        </p:txBody>
-      </p:sp>
-      <p:pic>
-        <p:nvPicPr>
-          <p:cNvPr id="4" name="PixPin_2026-01-03_11-02-00">
-            <a:hlinkClick r:id="" action="ppaction://media"/>
-          </p:cNvPr>
-          <p:cNvPicPr>
-            <a:picLocks noChangeAspect="1"/>
-          </p:cNvPicPr>
-          <p:nvPr>
-            <a:videoFile r:link="rId2"/>
-            <p:extLst>
-              <p:ext uri="{DAA4B4D4-6D71-4841-9C94-3DE7FCFB9230}">
-                <p14:media xmlns:p14="http://schemas.microsoft.com/office/powerpoint/2010/main" r:embed="rId1"/>
-              </p:ext>
-            </p:extLst>
-          </p:nvPr>
-        </p:nvPicPr>
-        <p:blipFill>
-          <a:blip r:embed="rId4"/>
-          <a:stretch>
-            <a:fillRect/>
-          </a:stretch>
-        </p:blipFill>
-        <p:spPr>
-          <a:xfrm>
-            <a:off x="6477000" y="2324100"/>
-            <a:ext cx="11441723" cy="7315200"/>
-          </a:xfrm>
-          <a:prstGeom prst="rect">
-            <a:avLst/>
-          </a:prstGeom>
-        </p:spPr>
-      </p:pic>
-    </p:spTree>
-  </p:cSld>
-  <p:clrMapOvr>
-    <a:masterClrMapping/>
-  </p:clrMapOvr>
-  <p:timing>
-    <p:tnLst>
-      <p:par>
-        <p:cTn id="1" dur="indefinite" restart="never" nodeType="tmRoot">
-          <p:childTnLst>
-            <p:seq concurrent="1" nextAc="seek">
-              <p:cTn id="2" restart="whenNotActive" fill="hold" evtFilter="cancelBubble" nodeType="interactiveSeq">
-                <p:stCondLst>
-                  <p:cond evt="onClick" delay="0">
-                    <p:tgtEl>
-                      <p:spTgt spid="4"/>
-                    </p:tgtEl>
-                  </p:cond>
-                </p:stCondLst>
-                <p:endSync evt="end" delay="0">
-                  <p:rtn val="all"/>
-                </p:endSync>
-                <p:childTnLst>
-                  <p:par>
-                    <p:cTn id="3" fill="hold">
-                      <p:stCondLst>
-                        <p:cond delay="0"/>
-                      </p:stCondLst>
-                      <p:childTnLst>
-                        <p:par>
-                          <p:cTn id="4" fill="hold">
-                            <p:stCondLst>
-                              <p:cond delay="0"/>
-                            </p:stCondLst>
-                            <p:childTnLst>
-                              <p:par>
-                                <p:cTn id="5" presetID="2" presetClass="mediacall" presetSubtype="0" fill="hold" nodeType="clickEffect">
-                                  <p:stCondLst>
-                                    <p:cond delay="0"/>
-                                  </p:stCondLst>
-                                  <p:childTnLst>
-                                    <p:cmd type="call" cmd="togglePause">
-                                      <p:cBhvr>
-                                        <p:cTn id="6" dur="1" fill="hold"/>
-                                        <p:tgtEl>
-                                          <p:spTgt spid="4"/>
-                                        </p:tgtEl>
-                                      </p:cBhvr>
-                                    </p:cmd>
-                                  </p:childTnLst>
-                                </p:cTn>
-                              </p:par>
-                            </p:childTnLst>
-                          </p:cTn>
-                        </p:par>
-                      </p:childTnLst>
-                    </p:cTn>
-                  </p:par>
-                </p:childTnLst>
-              </p:cTn>
-              <p:nextCondLst>
-                <p:cond evt="onClick" delay="0">
-                  <p:tgtEl>
-                    <p:spTgt spid="4"/>
-                  </p:tgtEl>
-                </p:cond>
-              </p:nextCondLst>
-            </p:seq>
-            <p:video>
-              <p:cMediaNode vol="80000">
-                <p:cTn id="7" fill="hold" display="0">
-                  <p:stCondLst>
-                    <p:cond delay="indefinite"/>
-                  </p:stCondLst>
-                </p:cTn>
-                <p:tgtEl>
-                  <p:spTgt spid="4"/>
-                </p:tgtEl>
-              </p:cMediaNode>
-            </p:video>
-          </p:childTnLst>
-        </p:cTn>
-      </p:par>
-    </p:tnLst>
-  </p:timing>
-</p:sld>
-</file>
-
-<file path=ppt/slides/slide4.xml><?xml version="1.0" encoding="utf-8"?>
-<p:sld xmlns:a="http://schemas.openxmlformats.org/drawingml/2006/main" xmlns:r="http://schemas.openxmlformats.org/officeDocument/2006/relationships" xmlns:p="http://schemas.openxmlformats.org/presentationml/2006/main">
-  <p:cSld>
-    <p:spTree>
-      <p:nvGrpSpPr>
-        <p:cNvPr id="1" name=""/>
-        <p:cNvGrpSpPr/>
-        <p:nvPr/>
-      </p:nvGrpSpPr>
-      <p:grpSpPr>
-        <a:xfrm>
-          <a:off x="0" y="0"/>
-          <a:ext cx="0" cy="0"/>
-          <a:chOff x="0" y="0"/>
-          <a:chExt cx="0" cy="0"/>
-        </a:xfrm>
-      </p:grpSpPr>
-      <p:sp>
-        <p:nvSpPr>
-          <p:cNvPr id="2" name="TextBox 2"/>
-          <p:cNvSpPr txBox="1"/>
-          <p:nvPr/>
-        </p:nvSpPr>
-        <p:spPr>
-          <a:xfrm>
-            <a:off x="152400" y="1104900"/>
-            <a:ext cx="18288000" cy="930275"/>
-          </a:xfrm>
-          <a:prstGeom prst="rect">
-            <a:avLst/>
-          </a:prstGeom>
-        </p:spPr>
-        <p:txBody>
-          <a:bodyPr lIns="0" tIns="0" rIns="0" bIns="0" rtlCol="0" anchor="t">
-            <a:spAutoFit/>
-          </a:bodyPr>
-          <a:lstStyle/>
-          <a:p>
-            <a:pPr marL="0" lvl="0" indent="0" algn="ctr">
-              <a:lnSpc>
-                <a:spcPts val="6999"/>
-              </a:lnSpc>
-              <a:spcBef>
-                <a:spcPct val="0"/>
-              </a:spcBef>
-            </a:pPr>
-            <a:r>
-              <a:rPr lang="en-US" sz="6999" b="1" dirty="0" err="1" smtClean="0">
-                <a:solidFill>
-                  <a:srgbClr val="1E293B"/>
-                </a:solidFill>
-                <a:latin typeface="Bricolage Grotesque Bold"/>
-                <a:ea typeface="Bricolage Grotesque Bold"/>
-                <a:cs typeface="Bricolage Grotesque Bold"/>
-                <a:sym typeface="Bricolage Grotesque Bold"/>
-              </a:rPr>
-              <a:t>Cấu</a:t>
-            </a:r>
-            <a:r>
-              <a:rPr lang="en-US" sz="6999" b="1" dirty="0" smtClean="0">
-                <a:solidFill>
-                  <a:srgbClr val="1E293B"/>
-                </a:solidFill>
-                <a:latin typeface="Bricolage Grotesque Bold"/>
-                <a:ea typeface="Bricolage Grotesque Bold"/>
-                <a:cs typeface="Bricolage Grotesque Bold"/>
-                <a:sym typeface="Bricolage Grotesque Bold"/>
-              </a:rPr>
-              <a:t> </a:t>
-            </a:r>
-            <a:r>
-              <a:rPr lang="en-US" sz="6999" b="1" dirty="0" err="1" smtClean="0">
-                <a:solidFill>
-                  <a:srgbClr val="1E293B"/>
-                </a:solidFill>
-                <a:latin typeface="Bricolage Grotesque Bold"/>
-                <a:ea typeface="Bricolage Grotesque Bold"/>
-                <a:cs typeface="Bricolage Grotesque Bold"/>
-                <a:sym typeface="Bricolage Grotesque Bold"/>
-              </a:rPr>
-              <a:t>trúc</a:t>
-            </a:r>
-            <a:r>
-              <a:rPr lang="en-US" sz="6999" b="1" dirty="0" smtClean="0">
-                <a:solidFill>
-                  <a:srgbClr val="1E293B"/>
-                </a:solidFill>
-                <a:latin typeface="Bricolage Grotesque Bold"/>
-                <a:ea typeface="Bricolage Grotesque Bold"/>
-                <a:cs typeface="Bricolage Grotesque Bold"/>
-                <a:sym typeface="Bricolage Grotesque Bold"/>
-              </a:rPr>
-              <a:t> </a:t>
-            </a:r>
-            <a:r>
-              <a:rPr lang="en-US" sz="6999" b="1" dirty="0" err="1" smtClean="0">
-                <a:solidFill>
-                  <a:srgbClr val="1E293B"/>
-                </a:solidFill>
-                <a:latin typeface="Bricolage Grotesque Bold"/>
-                <a:ea typeface="Bricolage Grotesque Bold"/>
-                <a:cs typeface="Bricolage Grotesque Bold"/>
-                <a:sym typeface="Bricolage Grotesque Bold"/>
-              </a:rPr>
-              <a:t>lưu</a:t>
-            </a:r>
-            <a:r>
-              <a:rPr lang="en-US" sz="6999" b="1" dirty="0" smtClean="0">
-                <a:solidFill>
-                  <a:srgbClr val="1E293B"/>
-                </a:solidFill>
-                <a:latin typeface="Bricolage Grotesque Bold"/>
-                <a:ea typeface="Bricolage Grotesque Bold"/>
-                <a:cs typeface="Bricolage Grotesque Bold"/>
-                <a:sym typeface="Bricolage Grotesque Bold"/>
-              </a:rPr>
-              <a:t> </a:t>
-            </a:r>
-            <a:r>
-              <a:rPr lang="en-US" sz="6999" b="1" dirty="0" err="1" smtClean="0">
-                <a:solidFill>
-                  <a:srgbClr val="1E293B"/>
-                </a:solidFill>
-                <a:latin typeface="Bricolage Grotesque Bold"/>
-                <a:ea typeface="Bricolage Grotesque Bold"/>
-                <a:cs typeface="Bricolage Grotesque Bold"/>
-                <a:sym typeface="Bricolage Grotesque Bold"/>
-              </a:rPr>
-              <a:t>trữ</a:t>
-            </a:r>
-            <a:r>
-              <a:rPr lang="en-US" sz="6999" b="1" dirty="0" smtClean="0">
-                <a:solidFill>
-                  <a:srgbClr val="1E293B"/>
-                </a:solidFill>
-                <a:latin typeface="Bricolage Grotesque Bold"/>
-                <a:ea typeface="Bricolage Grotesque Bold"/>
-                <a:cs typeface="Bricolage Grotesque Bold"/>
-                <a:sym typeface="Bricolage Grotesque Bold"/>
-              </a:rPr>
-              <a:t> </a:t>
-            </a:r>
-            <a:r>
-              <a:rPr lang="en-US" sz="6999" b="1" dirty="0" err="1" smtClean="0">
-                <a:solidFill>
-                  <a:srgbClr val="1E293B"/>
-                </a:solidFill>
-                <a:latin typeface="Bricolage Grotesque Bold"/>
-                <a:ea typeface="Bricolage Grotesque Bold"/>
-                <a:cs typeface="Bricolage Grotesque Bold"/>
-                <a:sym typeface="Bricolage Grotesque Bold"/>
-              </a:rPr>
-              <a:t>bằng</a:t>
-            </a:r>
-            <a:r>
-              <a:rPr lang="en-US" sz="6999" b="1" dirty="0" smtClean="0">
-                <a:solidFill>
-                  <a:srgbClr val="1E293B"/>
-                </a:solidFill>
-                <a:latin typeface="Bricolage Grotesque Bold"/>
-                <a:ea typeface="Bricolage Grotesque Bold"/>
-                <a:cs typeface="Bricolage Grotesque Bold"/>
-                <a:sym typeface="Bricolage Grotesque Bold"/>
-              </a:rPr>
-              <a:t> </a:t>
-            </a:r>
-            <a:r>
-              <a:rPr lang="en-US" sz="6999" b="1" dirty="0" err="1" smtClean="0">
-                <a:solidFill>
-                  <a:srgbClr val="1E293B"/>
-                </a:solidFill>
-                <a:latin typeface="Bricolage Grotesque Bold"/>
-                <a:ea typeface="Bricolage Grotesque Bold"/>
-                <a:cs typeface="Bricolage Grotesque Bold"/>
-                <a:sym typeface="Bricolage Grotesque Bold"/>
-              </a:rPr>
-              <a:t>useState</a:t>
-            </a:r>
-            <a:endParaRPr lang="en-US" sz="6999" b="1" dirty="0">
-              <a:solidFill>
-                <a:srgbClr val="1E293B"/>
-              </a:solidFill>
-              <a:latin typeface="Bricolage Grotesque Bold"/>
-              <a:ea typeface="Bricolage Grotesque Bold"/>
-              <a:cs typeface="Bricolage Grotesque Bold"/>
-              <a:sym typeface="Bricolage Grotesque Bold"/>
-            </a:endParaRPr>
-          </a:p>
-        </p:txBody>
-      </p:sp>
-      <p:sp>
-        <p:nvSpPr>
-          <p:cNvPr id="3" name="TextBox 3"/>
-          <p:cNvSpPr txBox="1"/>
-          <p:nvPr/>
-        </p:nvSpPr>
-        <p:spPr>
-          <a:xfrm>
-            <a:off x="685800" y="2915736"/>
-            <a:ext cx="9448800" cy="2308324"/>
-          </a:xfrm>
-          <a:prstGeom prst="rect">
-            <a:avLst/>
-          </a:prstGeom>
-        </p:spPr>
-        <p:txBody>
-          <a:bodyPr wrap="square" lIns="0" tIns="0" rIns="0" bIns="0" rtlCol="0" anchor="t">
-            <a:spAutoFit/>
-          </a:bodyPr>
-          <a:lstStyle/>
-          <a:p>
-            <a:pPr marL="323850" lvl="1">
-              <a:lnSpc>
-                <a:spcPts val="4500"/>
-              </a:lnSpc>
-            </a:pPr>
-            <a:r>
-              <a:rPr lang="en-US" sz="3200" dirty="0" smtClean="0">
-                <a:sym typeface="Bricolage Grotesque"/>
-              </a:rPr>
-              <a:t>Id: </a:t>
-            </a:r>
-            <a:r>
-              <a:rPr lang="en-US" sz="3200" dirty="0" err="1" smtClean="0">
-                <a:sym typeface="Bricolage Grotesque"/>
-              </a:rPr>
-              <a:t>biến</a:t>
-            </a:r>
-            <a:r>
-              <a:rPr lang="en-US" sz="3200" dirty="0" smtClean="0">
-                <a:sym typeface="Bricolage Grotesque"/>
-              </a:rPr>
-              <a:t> </a:t>
-            </a:r>
-            <a:r>
-              <a:rPr lang="en-US" sz="3200" dirty="0" err="1" smtClean="0">
-                <a:sym typeface="Bricolage Grotesque"/>
-              </a:rPr>
-              <a:t>này</a:t>
-            </a:r>
-            <a:r>
-              <a:rPr lang="en-US" sz="3200" dirty="0" smtClean="0">
-                <a:sym typeface="Bricolage Grotesque"/>
-              </a:rPr>
-              <a:t> </a:t>
-            </a:r>
-            <a:r>
-              <a:rPr lang="en-US" sz="3200" dirty="0" err="1" smtClean="0">
-                <a:sym typeface="Bricolage Grotesque"/>
-              </a:rPr>
-              <a:t>lấy</a:t>
-            </a:r>
-            <a:r>
-              <a:rPr lang="en-US" sz="3200" dirty="0" smtClean="0">
-                <a:sym typeface="Bricolage Grotesque"/>
-              </a:rPr>
-              <a:t> </a:t>
-            </a:r>
-            <a:r>
-              <a:rPr lang="en-US" sz="3200" dirty="0" err="1" smtClean="0">
-                <a:sym typeface="Bricolage Grotesque"/>
-              </a:rPr>
-              <a:t>giá</a:t>
-            </a:r>
-            <a:r>
-              <a:rPr lang="en-US" sz="3200" dirty="0" smtClean="0">
-                <a:sym typeface="Bricolage Grotesque"/>
-              </a:rPr>
-              <a:t> </a:t>
-            </a:r>
-            <a:r>
-              <a:rPr lang="en-US" sz="3200" dirty="0" err="1" smtClean="0">
-                <a:sym typeface="Bricolage Grotesque"/>
-              </a:rPr>
-              <a:t>trị</a:t>
-            </a:r>
-            <a:r>
-              <a:rPr lang="en-US" sz="3200" dirty="0" smtClean="0">
-                <a:sym typeface="Bricolage Grotesque"/>
-              </a:rPr>
-              <a:t> </a:t>
-            </a:r>
-            <a:r>
-              <a:rPr lang="en-US" sz="3200" dirty="0" err="1" smtClean="0">
-                <a:sym typeface="Bricolage Grotesque"/>
-              </a:rPr>
-              <a:t>Date.now</a:t>
-            </a:r>
-            <a:r>
-              <a:rPr lang="en-US" sz="3200" dirty="0" smtClean="0">
-                <a:sym typeface="Bricolage Grotesque"/>
-              </a:rPr>
-              <a:t>()</a:t>
-            </a:r>
-          </a:p>
-          <a:p>
-            <a:pPr marL="323850" lvl="1">
-              <a:lnSpc>
-                <a:spcPts val="4500"/>
-              </a:lnSpc>
-            </a:pPr>
-            <a:r>
-              <a:rPr lang="en-US" sz="3200" dirty="0" smtClean="0">
-                <a:sym typeface="Bricolage Grotesque"/>
-              </a:rPr>
-              <a:t>Text: </a:t>
-            </a:r>
-            <a:r>
-              <a:rPr lang="en-US" sz="3200" dirty="0" err="1" smtClean="0">
-                <a:sym typeface="Bricolage Grotesque"/>
-              </a:rPr>
-              <a:t>nội</a:t>
-            </a:r>
-            <a:r>
-              <a:rPr lang="en-US" sz="3200" dirty="0" smtClean="0">
-                <a:sym typeface="Bricolage Grotesque"/>
-              </a:rPr>
-              <a:t> dung </a:t>
-            </a:r>
-            <a:r>
-              <a:rPr lang="en-US" sz="3200" dirty="0" err="1" smtClean="0">
-                <a:sym typeface="Bricolage Grotesque"/>
-              </a:rPr>
-              <a:t>công</a:t>
-            </a:r>
-            <a:r>
-              <a:rPr lang="en-US" sz="3200" dirty="0" smtClean="0">
-                <a:sym typeface="Bricolage Grotesque"/>
-              </a:rPr>
-              <a:t> </a:t>
-            </a:r>
-            <a:r>
-              <a:rPr lang="en-US" sz="3200" dirty="0" err="1" smtClean="0">
-                <a:sym typeface="Bricolage Grotesque"/>
-              </a:rPr>
-              <a:t>việc</a:t>
-            </a:r>
-            <a:endParaRPr lang="en-US" sz="3200" dirty="0" smtClean="0">
-              <a:sym typeface="Bricolage Grotesque"/>
-            </a:endParaRPr>
-          </a:p>
-          <a:p>
-            <a:pPr marL="323850" lvl="1">
-              <a:lnSpc>
-                <a:spcPts val="4500"/>
-              </a:lnSpc>
-            </a:pPr>
-            <a:r>
-              <a:rPr lang="en-US" sz="3200" dirty="0" smtClean="0">
-                <a:sym typeface="Bricolage Grotesque"/>
-              </a:rPr>
-              <a:t>Completed: </a:t>
-            </a:r>
-            <a:r>
-              <a:rPr lang="en-US" sz="3200" dirty="0" err="1" smtClean="0">
-                <a:sym typeface="Bricolage Grotesque"/>
-              </a:rPr>
-              <a:t>là</a:t>
-            </a:r>
-            <a:r>
-              <a:rPr lang="en-US" sz="3200" dirty="0" smtClean="0">
-                <a:sym typeface="Bricolage Grotesque"/>
-              </a:rPr>
-              <a:t> checkbox </a:t>
-            </a:r>
-            <a:r>
-              <a:rPr lang="en-US" sz="3200" dirty="0" err="1" smtClean="0">
-                <a:sym typeface="Bricolage Grotesque"/>
-              </a:rPr>
-              <a:t>hiển</a:t>
-            </a:r>
-            <a:r>
-              <a:rPr lang="en-US" sz="3200" dirty="0" smtClean="0">
-                <a:sym typeface="Bricolage Grotesque"/>
-              </a:rPr>
-              <a:t> </a:t>
-            </a:r>
-            <a:r>
-              <a:rPr lang="en-US" sz="3200" dirty="0" err="1" smtClean="0">
-                <a:sym typeface="Bricolage Grotesque"/>
-              </a:rPr>
-              <a:t>thị</a:t>
-            </a:r>
-            <a:r>
-              <a:rPr lang="en-US" sz="3200" dirty="0" smtClean="0">
-                <a:sym typeface="Bricolage Grotesque"/>
-              </a:rPr>
-              <a:t> </a:t>
-            </a:r>
-            <a:r>
-              <a:rPr lang="en-US" sz="3200" dirty="0" err="1" smtClean="0">
-                <a:sym typeface="Bricolage Grotesque"/>
-              </a:rPr>
-              <a:t>trạng</a:t>
-            </a:r>
-            <a:r>
-              <a:rPr lang="en-US" sz="3200" dirty="0" smtClean="0">
-                <a:sym typeface="Bricolage Grotesque"/>
-              </a:rPr>
-              <a:t> </a:t>
-            </a:r>
-            <a:r>
-              <a:rPr lang="en-US" sz="3200" dirty="0" err="1" smtClean="0">
-                <a:sym typeface="Bricolage Grotesque"/>
-              </a:rPr>
-              <a:t>thái</a:t>
-            </a:r>
-            <a:r>
-              <a:rPr lang="en-US" sz="3200" dirty="0" smtClean="0">
-                <a:sym typeface="Bricolage Grotesque"/>
-              </a:rPr>
-              <a:t> </a:t>
-            </a:r>
-            <a:r>
-              <a:rPr lang="en-US" sz="3200" dirty="0" err="1" smtClean="0">
-                <a:sym typeface="Bricolage Grotesque"/>
-              </a:rPr>
-              <a:t>hoàn</a:t>
-            </a:r>
-            <a:r>
-              <a:rPr lang="en-US" sz="3200" dirty="0" smtClean="0">
-                <a:sym typeface="Bricolage Grotesque"/>
-              </a:rPr>
-              <a:t> </a:t>
-            </a:r>
-            <a:r>
-              <a:rPr lang="en-US" sz="3200" dirty="0" err="1" smtClean="0">
-                <a:sym typeface="Bricolage Grotesque"/>
-              </a:rPr>
-              <a:t>thành</a:t>
-            </a:r>
-            <a:r>
-              <a:rPr lang="en-US" sz="3200" dirty="0" smtClean="0">
-                <a:sym typeface="Bricolage Grotesque"/>
-              </a:rPr>
-              <a:t> hay </a:t>
-            </a:r>
-            <a:r>
-              <a:rPr lang="en-US" sz="3200" dirty="0" err="1" smtClean="0">
-                <a:sym typeface="Bricolage Grotesque"/>
-              </a:rPr>
-              <a:t>chưa</a:t>
-            </a:r>
-            <a:endParaRPr lang="en-US" sz="3200" dirty="0" smtClean="0">
-              <a:sym typeface="Bricolage Grotesque"/>
-            </a:endParaRPr>
-          </a:p>
-        </p:txBody>
-      </p:sp>
-      <p:pic>
-        <p:nvPicPr>
-          <p:cNvPr id="4" name="Picture 3"/>
-          <p:cNvPicPr>
-            <a:picLocks noChangeAspect="1"/>
-          </p:cNvPicPr>
-          <p:nvPr/>
-        </p:nvPicPr>
-        <p:blipFill>
-          <a:blip r:embed="rId2"/>
-          <a:stretch>
-            <a:fillRect/>
-          </a:stretch>
-        </p:blipFill>
-        <p:spPr>
-          <a:xfrm>
-            <a:off x="10972800" y="2374111"/>
-            <a:ext cx="5991225" cy="6854059"/>
-          </a:xfrm>
-          <a:prstGeom prst="rect">
-            <a:avLst/>
-          </a:prstGeom>
-        </p:spPr>
-      </p:pic>
-      <p:pic>
-        <p:nvPicPr>
-          <p:cNvPr id="6" name="Picture 5"/>
-          <p:cNvPicPr>
-            <a:picLocks noChangeAspect="1"/>
-          </p:cNvPicPr>
-          <p:nvPr/>
-        </p:nvPicPr>
-        <p:blipFill>
-          <a:blip r:embed="rId3"/>
-          <a:stretch>
-            <a:fillRect/>
-          </a:stretch>
-        </p:blipFill>
-        <p:spPr>
-          <a:xfrm>
-            <a:off x="4038600" y="5227713"/>
-            <a:ext cx="4515480" cy="4182059"/>
-          </a:xfrm>
-          <a:prstGeom prst="rect">
-            <a:avLst/>
-          </a:prstGeom>
-        </p:spPr>
-      </p:pic>
-    </p:spTree>
-    <p:extLst>
-      <p:ext uri="{BB962C8B-B14F-4D97-AF65-F5344CB8AC3E}">
-        <p14:creationId xmlns:p14="http://schemas.microsoft.com/office/powerpoint/2010/main" val="655024054"/>
-      </p:ext>
-    </p:extLst>
-  </p:cSld>
-  <p:clrMapOvr>
-    <a:masterClrMapping/>
-  </p:clrMapOvr>
-  <p:timing>
-    <p:tnLst>
-      <p:par>
-        <p:cTn id="1" dur="indefinite" restart="never" nodeType="tmRoot"/>
-      </p:par>
-    </p:tnLst>
-  </p:timing>
-</p:sld>
-</file>
-
-<file path=ppt/slides/slide5.xml><?xml version="1.0" encoding="utf-8"?>
-<p:sld xmlns:a="http://schemas.openxmlformats.org/drawingml/2006/main" xmlns:r="http://schemas.openxmlformats.org/officeDocument/2006/relationships" xmlns:p="http://schemas.openxmlformats.org/presentationml/2006/main">
-  <p:cSld>
-    <p:spTree>
-      <p:nvGrpSpPr>
-        <p:cNvPr id="1" name=""/>
-        <p:cNvGrpSpPr/>
-        <p:nvPr/>
-      </p:nvGrpSpPr>
-      <p:grpSpPr>
-        <a:xfrm>
-          <a:off x="0" y="0"/>
-          <a:ext cx="0" cy="0"/>
-          <a:chOff x="0" y="0"/>
-          <a:chExt cx="0" cy="0"/>
-        </a:xfrm>
-      </p:grpSpPr>
-      <p:sp>
-        <p:nvSpPr>
-          <p:cNvPr id="4" name="TextBox 2"/>
-          <p:cNvSpPr txBox="1"/>
-          <p:nvPr/>
-        </p:nvSpPr>
-        <p:spPr>
-          <a:xfrm>
-            <a:off x="152400" y="1104900"/>
-            <a:ext cx="18288000" cy="930275"/>
-          </a:xfrm>
-          <a:prstGeom prst="rect">
-            <a:avLst/>
-          </a:prstGeom>
-        </p:spPr>
-        <p:txBody>
-          <a:bodyPr lIns="0" tIns="0" rIns="0" bIns="0" rtlCol="0" anchor="t">
-            <a:spAutoFit/>
-          </a:bodyPr>
-          <a:lstStyle/>
-          <a:p>
-            <a:pPr marL="0" lvl="0" indent="0" algn="ctr">
-              <a:lnSpc>
-                <a:spcPts val="6999"/>
-              </a:lnSpc>
-              <a:spcBef>
-                <a:spcPct val="0"/>
-              </a:spcBef>
-            </a:pPr>
-            <a:r>
-              <a:rPr lang="en-US" sz="6999" b="1" dirty="0" smtClean="0">
-                <a:solidFill>
-                  <a:srgbClr val="1E293B"/>
-                </a:solidFill>
-                <a:latin typeface="Bricolage Grotesque Bold"/>
-                <a:ea typeface="Bricolage Grotesque Bold"/>
-                <a:cs typeface="Bricolage Grotesque Bold"/>
-                <a:sym typeface="Bricolage Grotesque Bold"/>
-              </a:rPr>
-              <a:t>Render data </a:t>
-            </a:r>
-            <a:r>
-              <a:rPr lang="en-US" sz="6999" b="1" dirty="0" err="1" smtClean="0">
-                <a:solidFill>
-                  <a:srgbClr val="1E293B"/>
-                </a:solidFill>
-                <a:latin typeface="Bricolage Grotesque Bold"/>
-                <a:ea typeface="Bricolage Grotesque Bold"/>
-                <a:cs typeface="Bricolage Grotesque Bold"/>
-                <a:sym typeface="Bricolage Grotesque Bold"/>
-              </a:rPr>
-              <a:t>sử</a:t>
-            </a:r>
-            <a:r>
-              <a:rPr lang="en-US" sz="6999" b="1" dirty="0" smtClean="0">
-                <a:solidFill>
-                  <a:srgbClr val="1E293B"/>
-                </a:solidFill>
-                <a:latin typeface="Bricolage Grotesque Bold"/>
-                <a:ea typeface="Bricolage Grotesque Bold"/>
-                <a:cs typeface="Bricolage Grotesque Bold"/>
-                <a:sym typeface="Bricolage Grotesque Bold"/>
-              </a:rPr>
-              <a:t> </a:t>
-            </a:r>
-            <a:r>
-              <a:rPr lang="en-US" sz="6999" b="1" dirty="0" err="1" smtClean="0">
-                <a:solidFill>
-                  <a:srgbClr val="1E293B"/>
-                </a:solidFill>
-                <a:latin typeface="Bricolage Grotesque Bold"/>
-                <a:ea typeface="Bricolage Grotesque Bold"/>
-                <a:cs typeface="Bricolage Grotesque Bold"/>
-                <a:sym typeface="Bricolage Grotesque Bold"/>
-              </a:rPr>
-              <a:t>dụng</a:t>
-            </a:r>
-            <a:r>
-              <a:rPr lang="en-US" sz="6999" b="1" dirty="0" smtClean="0">
-                <a:solidFill>
-                  <a:srgbClr val="1E293B"/>
-                </a:solidFill>
-                <a:latin typeface="Bricolage Grotesque Bold"/>
-                <a:ea typeface="Bricolage Grotesque Bold"/>
-                <a:cs typeface="Bricolage Grotesque Bold"/>
-                <a:sym typeface="Bricolage Grotesque Bold"/>
-              </a:rPr>
-              <a:t> map()</a:t>
-            </a:r>
-            <a:endParaRPr lang="en-US" sz="6999" b="1" dirty="0">
-              <a:solidFill>
-                <a:srgbClr val="1E293B"/>
-              </a:solidFill>
-              <a:latin typeface="Bricolage Grotesque Bold"/>
-              <a:ea typeface="Bricolage Grotesque Bold"/>
-              <a:cs typeface="Bricolage Grotesque Bold"/>
-              <a:sym typeface="Bricolage Grotesque Bold"/>
-            </a:endParaRPr>
-          </a:p>
-        </p:txBody>
-      </p:sp>
-      <p:pic>
-        <p:nvPicPr>
-          <p:cNvPr id="2" name="Picture 1"/>
-          <p:cNvPicPr>
-            <a:picLocks noChangeAspect="1"/>
-          </p:cNvPicPr>
-          <p:nvPr/>
-        </p:nvPicPr>
-        <p:blipFill>
-          <a:blip r:embed="rId2"/>
-          <a:stretch>
-            <a:fillRect/>
-          </a:stretch>
-        </p:blipFill>
-        <p:spPr>
-          <a:xfrm>
-            <a:off x="785611" y="3390900"/>
-            <a:ext cx="17021577" cy="4648200"/>
-          </a:xfrm>
-          <a:prstGeom prst="rect">
-            <a:avLst/>
-          </a:prstGeom>
-        </p:spPr>
-      </p:pic>
-    </p:spTree>
-    <p:extLst>
-      <p:ext uri="{BB962C8B-B14F-4D97-AF65-F5344CB8AC3E}">
-        <p14:creationId xmlns:p14="http://schemas.microsoft.com/office/powerpoint/2010/main" val="2253627807"/>
-      </p:ext>
-    </p:extLst>
-  </p:cSld>
-  <p:clrMapOvr>
-    <a:masterClrMapping/>
-  </p:clrMapOvr>
-  <p:timing>
-    <p:tnLst>
-      <p:par>
-        <p:cTn id="1" dur="indefinite" restart="never" nodeType="tmRoot"/>
-      </p:par>
-    </p:tnLst>
-  </p:timing>
-</p:sld>
-</file>
-
-<file path=ppt/slides/slide6.xml><?xml version="1.0" encoding="utf-8"?>
-<p:sld xmlns:a="http://schemas.openxmlformats.org/drawingml/2006/main" xmlns:r="http://schemas.openxmlformats.org/officeDocument/2006/relationships" xmlns:p="http://schemas.openxmlformats.org/presentationml/2006/main">
-  <p:cSld>
-    <p:spTree>
-      <p:nvGrpSpPr>
-        <p:cNvPr id="1" name=""/>
-        <p:cNvGrpSpPr/>
-        <p:nvPr/>
-      </p:nvGrpSpPr>
-      <p:grpSpPr>
-        <a:xfrm>
-          <a:off x="0" y="0"/>
-          <a:ext cx="0" cy="0"/>
-          <a:chOff x="0" y="0"/>
-          <a:chExt cx="0" cy="0"/>
-        </a:xfrm>
-      </p:grpSpPr>
-      <p:sp>
-        <p:nvSpPr>
-          <p:cNvPr id="2" name="TextBox 2"/>
-          <p:cNvSpPr txBox="1"/>
-          <p:nvPr/>
-        </p:nvSpPr>
-        <p:spPr>
-          <a:xfrm>
-            <a:off x="152400" y="1104900"/>
-            <a:ext cx="18288000" cy="930275"/>
-          </a:xfrm>
-          <a:prstGeom prst="rect">
-            <a:avLst/>
-          </a:prstGeom>
-        </p:spPr>
-        <p:txBody>
-          <a:bodyPr lIns="0" tIns="0" rIns="0" bIns="0" rtlCol="0" anchor="t">
-            <a:spAutoFit/>
-          </a:bodyPr>
-          <a:lstStyle/>
-          <a:p>
-            <a:pPr marL="0" lvl="0" indent="0" algn="ctr">
-              <a:lnSpc>
-                <a:spcPts val="6999"/>
-              </a:lnSpc>
-              <a:spcBef>
-                <a:spcPct val="0"/>
-              </a:spcBef>
-            </a:pPr>
-            <a:r>
-              <a:rPr lang="en-US" sz="6999" b="1" dirty="0" smtClean="0">
-                <a:solidFill>
-                  <a:srgbClr val="1E293B"/>
-                </a:solidFill>
-                <a:latin typeface="Bricolage Grotesque Bold"/>
-                <a:ea typeface="Bricolage Grotesque Bold"/>
-                <a:cs typeface="Bricolage Grotesque Bold"/>
-                <a:sym typeface="Bricolage Grotesque Bold"/>
-              </a:rPr>
-              <a:t>Create new </a:t>
-            </a:r>
-            <a:r>
-              <a:rPr lang="en-US" sz="6999" b="1" dirty="0" err="1" smtClean="0">
-                <a:solidFill>
-                  <a:srgbClr val="1E293B"/>
-                </a:solidFill>
-                <a:latin typeface="Bricolage Grotesque Bold"/>
-                <a:ea typeface="Bricolage Grotesque Bold"/>
-                <a:cs typeface="Bricolage Grotesque Bold"/>
-                <a:sym typeface="Bricolage Grotesque Bold"/>
-              </a:rPr>
-              <a:t>Todo</a:t>
-            </a:r>
-            <a:endParaRPr lang="en-US" sz="6999" b="1" dirty="0">
-              <a:solidFill>
-                <a:srgbClr val="1E293B"/>
-              </a:solidFill>
-              <a:latin typeface="Bricolage Grotesque Bold"/>
-              <a:ea typeface="Bricolage Grotesque Bold"/>
-              <a:cs typeface="Bricolage Grotesque Bold"/>
-              <a:sym typeface="Bricolage Grotesque Bold"/>
-            </a:endParaRPr>
-          </a:p>
-        </p:txBody>
-      </p:sp>
-      <p:pic>
-        <p:nvPicPr>
-          <p:cNvPr id="5" name="Picture 4"/>
-          <p:cNvPicPr>
-            <a:picLocks noChangeAspect="1"/>
-          </p:cNvPicPr>
-          <p:nvPr/>
-        </p:nvPicPr>
-        <p:blipFill>
-          <a:blip r:embed="rId2"/>
-          <a:stretch>
-            <a:fillRect/>
-          </a:stretch>
-        </p:blipFill>
-        <p:spPr>
-          <a:xfrm>
-            <a:off x="1219200" y="2628900"/>
-            <a:ext cx="4515480" cy="4182059"/>
-          </a:xfrm>
-          <a:prstGeom prst="rect">
-            <a:avLst/>
-          </a:prstGeom>
-        </p:spPr>
-      </p:pic>
-      <p:sp>
-        <p:nvSpPr>
-          <p:cNvPr id="4" name="Down Arrow 3"/>
-          <p:cNvSpPr/>
-          <p:nvPr/>
-        </p:nvSpPr>
-        <p:spPr>
-          <a:xfrm rot="7833057">
-            <a:off x="5672562" y="3417268"/>
-            <a:ext cx="685800" cy="2209800"/>
-          </a:xfrm>
-          <a:prstGeom prst="downArrow">
-            <a:avLst/>
-          </a:prstGeom>
-        </p:spPr>
-        <p:style>
-          <a:lnRef idx="2">
-            <a:schemeClr val="accent1">
-              <a:shade val="50000"/>
-            </a:schemeClr>
-          </a:lnRef>
-          <a:fillRef idx="1">
-            <a:schemeClr val="accent1"/>
-          </a:fillRef>
-          <a:effectRef idx="0">
-            <a:schemeClr val="accent1"/>
-          </a:effectRef>
-          <a:fontRef idx="minor">
-            <a:schemeClr val="lt1"/>
-          </a:fontRef>
-        </p:style>
-        <p:txBody>
-          <a:bodyPr rtlCol="0" anchor="ctr"/>
-          <a:lstStyle/>
-          <a:p>
-            <a:pPr algn="ctr"/>
-            <a:endParaRPr lang="en-US"/>
-          </a:p>
-        </p:txBody>
-      </p:sp>
-      <p:pic>
-        <p:nvPicPr>
-          <p:cNvPr id="6" name="Picture 5"/>
-          <p:cNvPicPr>
-            <a:picLocks noChangeAspect="1"/>
-          </p:cNvPicPr>
-          <p:nvPr/>
-        </p:nvPicPr>
-        <p:blipFill>
-          <a:blip r:embed="rId3"/>
-          <a:stretch>
-            <a:fillRect/>
-          </a:stretch>
-        </p:blipFill>
-        <p:spPr>
-          <a:xfrm>
-            <a:off x="8534400" y="2857500"/>
-            <a:ext cx="7824989" cy="5935622"/>
-          </a:xfrm>
-          <a:prstGeom prst="rect">
-            <a:avLst/>
-          </a:prstGeom>
-        </p:spPr>
-      </p:pic>
-    </p:spTree>
-    <p:extLst>
-      <p:ext uri="{BB962C8B-B14F-4D97-AF65-F5344CB8AC3E}">
-        <p14:creationId xmlns:p14="http://schemas.microsoft.com/office/powerpoint/2010/main" val="1599491928"/>
-      </p:ext>
-    </p:extLst>
-  </p:cSld>
-  <p:clrMapOvr>
-    <a:masterClrMapping/>
-  </p:clrMapOvr>
-  <p:timing>
-    <p:tnLst>
-      <p:par>
-        <p:cTn id="1" dur="indefinite" restart="never" nodeType="tmRoot"/>
-      </p:par>
-    </p:tnLst>
-  </p:timing>
-</p:sld>
-</file>
-
-<file path=ppt/slides/slide7.xml><?xml version="1.0" encoding="utf-8"?>
-<p:sld xmlns:a="http://schemas.openxmlformats.org/drawingml/2006/main" xmlns:r="http://schemas.openxmlformats.org/officeDocument/2006/relationships" xmlns:p="http://schemas.openxmlformats.org/presentationml/2006/main">
-  <p:cSld>
-    <p:spTree>
-      <p:nvGrpSpPr>
-        <p:cNvPr id="1" name=""/>
-        <p:cNvGrpSpPr/>
-        <p:nvPr/>
-      </p:nvGrpSpPr>
-      <p:grpSpPr>
-        <a:xfrm>
-          <a:off x="0" y="0"/>
-          <a:ext cx="0" cy="0"/>
-          <a:chOff x="0" y="0"/>
-          <a:chExt cx="0" cy="0"/>
-        </a:xfrm>
-      </p:grpSpPr>
-      <p:sp>
-        <p:nvSpPr>
-          <p:cNvPr id="2" name="TextBox 2"/>
-          <p:cNvSpPr txBox="1"/>
-          <p:nvPr/>
-        </p:nvSpPr>
-        <p:spPr>
-          <a:xfrm>
-            <a:off x="152400" y="1104900"/>
-            <a:ext cx="18288000" cy="930275"/>
-          </a:xfrm>
-          <a:prstGeom prst="rect">
-            <a:avLst/>
-          </a:prstGeom>
-        </p:spPr>
-        <p:txBody>
-          <a:bodyPr lIns="0" tIns="0" rIns="0" bIns="0" rtlCol="0" anchor="t">
-            <a:spAutoFit/>
-          </a:bodyPr>
-          <a:lstStyle/>
-          <a:p>
-            <a:pPr marL="0" lvl="0" indent="0" algn="ctr">
-              <a:lnSpc>
-                <a:spcPts val="6999"/>
-              </a:lnSpc>
-              <a:spcBef>
-                <a:spcPct val="0"/>
-              </a:spcBef>
-            </a:pPr>
-            <a:r>
-              <a:rPr lang="en-US" sz="6999" b="1" dirty="0" smtClean="0">
-                <a:solidFill>
-                  <a:srgbClr val="1E293B"/>
-                </a:solidFill>
-                <a:latin typeface="Bricolage Grotesque Bold"/>
-                <a:ea typeface="Bricolage Grotesque Bold"/>
-                <a:cs typeface="Bricolage Grotesque Bold"/>
-                <a:sym typeface="Bricolage Grotesque Bold"/>
-              </a:rPr>
-              <a:t>Delete </a:t>
-            </a:r>
-            <a:r>
-              <a:rPr lang="en-US" sz="6999" b="1" dirty="0" err="1" smtClean="0">
-                <a:solidFill>
-                  <a:srgbClr val="1E293B"/>
-                </a:solidFill>
-                <a:latin typeface="Bricolage Grotesque Bold"/>
-                <a:ea typeface="Bricolage Grotesque Bold"/>
-                <a:cs typeface="Bricolage Grotesque Bold"/>
-                <a:sym typeface="Bricolage Grotesque Bold"/>
-              </a:rPr>
-              <a:t>Todo</a:t>
-            </a:r>
-            <a:endParaRPr lang="en-US" sz="6999" b="1" dirty="0">
-              <a:solidFill>
-                <a:srgbClr val="1E293B"/>
-              </a:solidFill>
-              <a:latin typeface="Bricolage Grotesque Bold"/>
-              <a:ea typeface="Bricolage Grotesque Bold"/>
-              <a:cs typeface="Bricolage Grotesque Bold"/>
-              <a:sym typeface="Bricolage Grotesque Bold"/>
-            </a:endParaRPr>
-          </a:p>
-        </p:txBody>
-      </p:sp>
-      <p:pic>
-        <p:nvPicPr>
-          <p:cNvPr id="5" name="Picture 4"/>
-          <p:cNvPicPr>
-            <a:picLocks noChangeAspect="1"/>
-          </p:cNvPicPr>
-          <p:nvPr/>
-        </p:nvPicPr>
-        <p:blipFill>
-          <a:blip r:embed="rId2"/>
-          <a:stretch>
-            <a:fillRect/>
-          </a:stretch>
-        </p:blipFill>
-        <p:spPr>
-          <a:xfrm>
-            <a:off x="1219200" y="2628900"/>
-            <a:ext cx="4515480" cy="4182059"/>
-          </a:xfrm>
-          <a:prstGeom prst="rect">
-            <a:avLst/>
-          </a:prstGeom>
-        </p:spPr>
-      </p:pic>
-      <p:sp>
-        <p:nvSpPr>
-          <p:cNvPr id="4" name="Down Arrow 3"/>
-          <p:cNvSpPr/>
-          <p:nvPr/>
-        </p:nvSpPr>
-        <p:spPr>
-          <a:xfrm rot="7833057">
-            <a:off x="5721352" y="4073307"/>
-            <a:ext cx="406894" cy="2209800"/>
-          </a:xfrm>
-          <a:prstGeom prst="downArrow">
-            <a:avLst/>
-          </a:prstGeom>
-        </p:spPr>
-        <p:style>
-          <a:lnRef idx="2">
-            <a:schemeClr val="accent1">
-              <a:shade val="50000"/>
-            </a:schemeClr>
-          </a:lnRef>
-          <a:fillRef idx="1">
-            <a:schemeClr val="accent1"/>
-          </a:fillRef>
-          <a:effectRef idx="0">
-            <a:schemeClr val="accent1"/>
-          </a:effectRef>
-          <a:fontRef idx="minor">
-            <a:schemeClr val="lt1"/>
-          </a:fontRef>
-        </p:style>
-        <p:txBody>
-          <a:bodyPr rtlCol="0" anchor="ctr"/>
-          <a:lstStyle/>
-          <a:p>
-            <a:pPr algn="ctr"/>
-            <a:endParaRPr lang="en-US"/>
-          </a:p>
-        </p:txBody>
-      </p:sp>
-      <p:pic>
-        <p:nvPicPr>
-          <p:cNvPr id="3" name="Picture 2"/>
-          <p:cNvPicPr>
-            <a:picLocks noChangeAspect="1"/>
-          </p:cNvPicPr>
-          <p:nvPr/>
-        </p:nvPicPr>
-        <p:blipFill>
-          <a:blip r:embed="rId3"/>
-          <a:stretch>
-            <a:fillRect/>
-          </a:stretch>
-        </p:blipFill>
-        <p:spPr>
-          <a:xfrm>
-            <a:off x="7543800" y="3619500"/>
-            <a:ext cx="10249149" cy="3450377"/>
-          </a:xfrm>
-          <a:prstGeom prst="rect">
-            <a:avLst/>
-          </a:prstGeom>
-        </p:spPr>
-      </p:pic>
-    </p:spTree>
-    <p:extLst>
-      <p:ext uri="{BB962C8B-B14F-4D97-AF65-F5344CB8AC3E}">
-        <p14:creationId xmlns:p14="http://schemas.microsoft.com/office/powerpoint/2010/main" val="1980824034"/>
-      </p:ext>
-    </p:extLst>
-  </p:cSld>
-  <p:clrMapOvr>
-    <a:masterClrMapping/>
-  </p:clrMapOvr>
-  <p:timing>
-    <p:tnLst>
-      <p:par>
-        <p:cTn id="1" dur="indefinite" restart="never" nodeType="tmRoot"/>
-      </p:par>
-    </p:tnLst>
-  </p:timing>
-</p:sld>
-</file>
-
-<file path=ppt/slides/slide8.xml><?xml version="1.0" encoding="utf-8"?>
-<p:sld xmlns:a="http://schemas.openxmlformats.org/drawingml/2006/main" xmlns:r="http://schemas.openxmlformats.org/officeDocument/2006/relationships" xmlns:p="http://schemas.openxmlformats.org/presentationml/2006/main">
-  <p:cSld>
-    <p:spTree>
-      <p:nvGrpSpPr>
-        <p:cNvPr id="1" name=""/>
-        <p:cNvGrpSpPr/>
-        <p:nvPr/>
-      </p:nvGrpSpPr>
-      <p:grpSpPr>
-        <a:xfrm>
-          <a:off x="0" y="0"/>
-          <a:ext cx="0" cy="0"/>
-          <a:chOff x="0" y="0"/>
-          <a:chExt cx="0" cy="0"/>
-        </a:xfrm>
-      </p:grpSpPr>
-      <p:sp>
-        <p:nvSpPr>
-          <p:cNvPr id="2" name="TextBox 2"/>
-          <p:cNvSpPr txBox="1"/>
-          <p:nvPr/>
-        </p:nvSpPr>
-        <p:spPr>
-          <a:xfrm>
-            <a:off x="152400" y="1104900"/>
-            <a:ext cx="18288000" cy="930275"/>
-          </a:xfrm>
-          <a:prstGeom prst="rect">
-            <a:avLst/>
-          </a:prstGeom>
-        </p:spPr>
-        <p:txBody>
-          <a:bodyPr lIns="0" tIns="0" rIns="0" bIns="0" rtlCol="0" anchor="t">
-            <a:spAutoFit/>
-          </a:bodyPr>
-          <a:lstStyle/>
-          <a:p>
-            <a:pPr marL="0" lvl="0" indent="0" algn="ctr">
-              <a:lnSpc>
-                <a:spcPts val="6999"/>
-              </a:lnSpc>
-              <a:spcBef>
-                <a:spcPct val="0"/>
-              </a:spcBef>
-            </a:pPr>
-            <a:r>
-              <a:rPr lang="en-US" sz="6999" b="1" dirty="0" smtClean="0">
-                <a:solidFill>
-                  <a:srgbClr val="1E293B"/>
-                </a:solidFill>
-                <a:latin typeface="Bricolage Grotesque Bold"/>
-                <a:ea typeface="Bricolage Grotesque Bold"/>
-                <a:cs typeface="Bricolage Grotesque Bold"/>
-                <a:sym typeface="Bricolage Grotesque Bold"/>
-              </a:rPr>
-              <a:t>Edit</a:t>
-            </a:r>
-            <a:r>
-              <a:rPr lang="en-US" sz="6999" b="1" dirty="0" smtClean="0">
-                <a:solidFill>
-                  <a:srgbClr val="1E293B"/>
-                </a:solidFill>
-                <a:latin typeface="Bricolage Grotesque Bold"/>
-                <a:ea typeface="Bricolage Grotesque Bold"/>
-                <a:cs typeface="Bricolage Grotesque Bold"/>
-                <a:sym typeface="Bricolage Grotesque Bold"/>
-              </a:rPr>
-              <a:t> </a:t>
-            </a:r>
-            <a:r>
-              <a:rPr lang="en-US" sz="6999" b="1" dirty="0" err="1" smtClean="0">
-                <a:solidFill>
-                  <a:srgbClr val="1E293B"/>
-                </a:solidFill>
-                <a:latin typeface="Bricolage Grotesque Bold"/>
-                <a:ea typeface="Bricolage Grotesque Bold"/>
-                <a:cs typeface="Bricolage Grotesque Bold"/>
-                <a:sym typeface="Bricolage Grotesque Bold"/>
-              </a:rPr>
-              <a:t>Todo</a:t>
-            </a:r>
-            <a:endParaRPr lang="en-US" sz="6999" b="1" dirty="0">
-              <a:solidFill>
-                <a:srgbClr val="1E293B"/>
-              </a:solidFill>
-              <a:latin typeface="Bricolage Grotesque Bold"/>
-              <a:ea typeface="Bricolage Grotesque Bold"/>
-              <a:cs typeface="Bricolage Grotesque Bold"/>
-              <a:sym typeface="Bricolage Grotesque Bold"/>
-            </a:endParaRPr>
-          </a:p>
-        </p:txBody>
-      </p:sp>
-      <p:pic>
-        <p:nvPicPr>
-          <p:cNvPr id="5" name="Picture 4"/>
-          <p:cNvPicPr>
-            <a:picLocks noChangeAspect="1"/>
-          </p:cNvPicPr>
-          <p:nvPr/>
-        </p:nvPicPr>
-        <p:blipFill>
-          <a:blip r:embed="rId2"/>
-          <a:stretch>
-            <a:fillRect/>
-          </a:stretch>
-        </p:blipFill>
-        <p:spPr>
-          <a:xfrm>
-            <a:off x="2667000" y="2302174"/>
-            <a:ext cx="4515480" cy="4182059"/>
-          </a:xfrm>
-          <a:prstGeom prst="rect">
-            <a:avLst/>
-          </a:prstGeom>
-        </p:spPr>
-      </p:pic>
-      <p:sp>
-        <p:nvSpPr>
-          <p:cNvPr id="4" name="Down Arrow 3"/>
-          <p:cNvSpPr/>
-          <p:nvPr/>
-        </p:nvSpPr>
-        <p:spPr>
-          <a:xfrm rot="15195396">
-            <a:off x="1827621" y="3898362"/>
-            <a:ext cx="406894" cy="2209800"/>
-          </a:xfrm>
-          <a:prstGeom prst="downArrow">
-            <a:avLst/>
-          </a:prstGeom>
-        </p:spPr>
-        <p:style>
-          <a:lnRef idx="2">
-            <a:schemeClr val="accent1">
-              <a:shade val="50000"/>
-            </a:schemeClr>
-          </a:lnRef>
-          <a:fillRef idx="1">
-            <a:schemeClr val="accent1"/>
-          </a:fillRef>
-          <a:effectRef idx="0">
-            <a:schemeClr val="accent1"/>
-          </a:effectRef>
-          <a:fontRef idx="minor">
-            <a:schemeClr val="lt1"/>
-          </a:fontRef>
-        </p:style>
-        <p:txBody>
-          <a:bodyPr rtlCol="0" anchor="ctr"/>
-          <a:lstStyle/>
-          <a:p>
-            <a:pPr algn="ctr"/>
-            <a:endParaRPr lang="en-US"/>
-          </a:p>
-        </p:txBody>
-      </p:sp>
-      <p:pic>
-        <p:nvPicPr>
-          <p:cNvPr id="6" name="Picture 5"/>
-          <p:cNvPicPr>
-            <a:picLocks noChangeAspect="1"/>
-          </p:cNvPicPr>
-          <p:nvPr/>
-        </p:nvPicPr>
-        <p:blipFill>
-          <a:blip r:embed="rId3"/>
-          <a:stretch>
-            <a:fillRect/>
-          </a:stretch>
-        </p:blipFill>
-        <p:spPr>
-          <a:xfrm>
-            <a:off x="1219200" y="6700084"/>
-            <a:ext cx="16211550" cy="3242310"/>
-          </a:xfrm>
-          <a:prstGeom prst="rect">
-            <a:avLst/>
-          </a:prstGeom>
-        </p:spPr>
-      </p:pic>
-      <p:pic>
-        <p:nvPicPr>
-          <p:cNvPr id="7" name="Picture 6"/>
-          <p:cNvPicPr>
-            <a:picLocks noChangeAspect="1"/>
-          </p:cNvPicPr>
-          <p:nvPr/>
-        </p:nvPicPr>
-        <p:blipFill>
-          <a:blip r:embed="rId4"/>
-          <a:stretch>
-            <a:fillRect/>
-          </a:stretch>
-        </p:blipFill>
-        <p:spPr>
-          <a:xfrm>
-            <a:off x="10270311" y="2349078"/>
-            <a:ext cx="7178184" cy="4114800"/>
-          </a:xfrm>
-          <a:prstGeom prst="rect">
-            <a:avLst/>
-          </a:prstGeom>
-        </p:spPr>
-      </p:pic>
-    </p:spTree>
-    <p:extLst>
-      <p:ext uri="{BB962C8B-B14F-4D97-AF65-F5344CB8AC3E}">
-        <p14:creationId xmlns:p14="http://schemas.microsoft.com/office/powerpoint/2010/main" val="215012933"/>
-      </p:ext>
-    </p:extLst>
-  </p:cSld>
-  <p:clrMapOvr>
-    <a:masterClrMapping/>
-  </p:clrMapOvr>
-  <p:timing>
-    <p:tnLst>
-      <p:par>
-        <p:cTn id="1" dur="indefinite" restart="never" nodeType="tmRoot"/>
-      </p:par>
-    </p:tnLst>
-  </p:timing>
-</p:sld>
-</file>
-
-<file path=ppt/slides/slide9.xml><?xml version="1.0" encoding="utf-8"?>
-<p:sld xmlns:a="http://schemas.openxmlformats.org/drawingml/2006/main" xmlns:r="http://schemas.openxmlformats.org/officeDocument/2006/relationships" xmlns:p="http://schemas.openxmlformats.org/presentationml/2006/main">
-  <p:cSld>
-    <p:bg>
-      <p:bgPr>
-        <a:solidFill>
-          <a:srgbClr val="F7F7F7"/>
-        </a:solidFill>
-        <a:effectLst/>
-      </p:bgPr>
-    </p:bg>
-    <p:spTree>
-      <p:nvGrpSpPr>
-        <p:cNvPr id="1" name=""/>
-        <p:cNvGrpSpPr/>
-        <p:nvPr/>
-      </p:nvGrpSpPr>
-      <p:grpSpPr>
-        <a:xfrm>
-          <a:off x="0" y="0"/>
-          <a:ext cx="0" cy="0"/>
-          <a:chOff x="0" y="0"/>
-          <a:chExt cx="0" cy="0"/>
-        </a:xfrm>
-      </p:grpSpPr>
-      <p:sp>
-        <p:nvSpPr>
-          <p:cNvPr id="7" name="TextBox 7"/>
-          <p:cNvSpPr txBox="1"/>
-          <p:nvPr/>
-        </p:nvSpPr>
-        <p:spPr>
-          <a:xfrm>
-            <a:off x="4784421" y="495300"/>
-            <a:ext cx="9204542" cy="923330"/>
-          </a:xfrm>
-          <a:prstGeom prst="rect">
-            <a:avLst/>
-          </a:prstGeom>
-        </p:spPr>
-        <p:txBody>
-          <a:bodyPr wrap="square" lIns="0" tIns="0" rIns="0" bIns="0" rtlCol="0" anchor="t">
-            <a:spAutoFit/>
-          </a:bodyPr>
-          <a:lstStyle/>
-          <a:p>
-            <a:pPr marL="0" lvl="0" indent="0" algn="l">
-              <a:spcBef>
-                <a:spcPct val="0"/>
-              </a:spcBef>
-            </a:pPr>
-            <a:r>
-              <a:rPr lang="en-US" sz="6000" b="1" u="none" strike="noStrike" dirty="0" err="1" smtClean="0">
-                <a:solidFill>
-                  <a:srgbClr val="1E293B"/>
-                </a:solidFill>
-                <a:latin typeface="Bricolage Grotesque Bold"/>
-                <a:ea typeface="Bricolage Grotesque Bold"/>
-                <a:cs typeface="Bricolage Grotesque Bold"/>
-                <a:sym typeface="Bricolage Grotesque Bold"/>
-              </a:rPr>
-              <a:t>Bài</a:t>
-            </a:r>
-            <a:r>
-              <a:rPr lang="en-US" sz="6000" b="1" u="none" strike="noStrike" dirty="0" smtClean="0">
-                <a:solidFill>
-                  <a:srgbClr val="1E293B"/>
-                </a:solidFill>
-                <a:latin typeface="Bricolage Grotesque Bold"/>
-                <a:ea typeface="Bricolage Grotesque Bold"/>
-                <a:cs typeface="Bricolage Grotesque Bold"/>
-                <a:sym typeface="Bricolage Grotesque Bold"/>
-              </a:rPr>
-              <a:t> </a:t>
-            </a:r>
-            <a:r>
-              <a:rPr lang="en-US" sz="6000" b="1" u="none" strike="noStrike" dirty="0" err="1" smtClean="0">
-                <a:solidFill>
-                  <a:srgbClr val="1E293B"/>
-                </a:solidFill>
-                <a:latin typeface="Bricolage Grotesque Bold"/>
-                <a:ea typeface="Bricolage Grotesque Bold"/>
-                <a:cs typeface="Bricolage Grotesque Bold"/>
-                <a:sym typeface="Bricolage Grotesque Bold"/>
-              </a:rPr>
-              <a:t>tập</a:t>
-            </a:r>
-            <a:r>
-              <a:rPr lang="en-US" sz="6000" b="1" u="none" strike="noStrike" dirty="0" smtClean="0">
-                <a:solidFill>
-                  <a:srgbClr val="1E293B"/>
-                </a:solidFill>
-                <a:latin typeface="Bricolage Grotesque Bold"/>
-                <a:ea typeface="Bricolage Grotesque Bold"/>
-                <a:cs typeface="Bricolage Grotesque Bold"/>
-                <a:sym typeface="Bricolage Grotesque Bold"/>
-              </a:rPr>
-              <a:t> </a:t>
-            </a:r>
-            <a:r>
-              <a:rPr lang="en-US" sz="6000" b="1" u="none" strike="noStrike" dirty="0" err="1" smtClean="0">
-                <a:solidFill>
-                  <a:srgbClr val="1E293B"/>
-                </a:solidFill>
-                <a:latin typeface="Bricolage Grotesque Bold"/>
-                <a:ea typeface="Bricolage Grotesque Bold"/>
-                <a:cs typeface="Bricolage Grotesque Bold"/>
-                <a:sym typeface="Bricolage Grotesque Bold"/>
-              </a:rPr>
-              <a:t>thực</a:t>
-            </a:r>
-            <a:r>
-              <a:rPr lang="en-US" sz="6000" b="1" u="none" strike="noStrike" dirty="0" smtClean="0">
-                <a:solidFill>
-                  <a:srgbClr val="1E293B"/>
-                </a:solidFill>
-                <a:latin typeface="Bricolage Grotesque Bold"/>
-                <a:ea typeface="Bricolage Grotesque Bold"/>
-                <a:cs typeface="Bricolage Grotesque Bold"/>
-                <a:sym typeface="Bricolage Grotesque Bold"/>
-              </a:rPr>
-              <a:t> </a:t>
-            </a:r>
-            <a:r>
-              <a:rPr lang="en-US" sz="6000" b="1" u="none" strike="noStrike" dirty="0" err="1" smtClean="0">
-                <a:solidFill>
-                  <a:srgbClr val="1E293B"/>
-                </a:solidFill>
-                <a:latin typeface="Bricolage Grotesque Bold"/>
-                <a:ea typeface="Bricolage Grotesque Bold"/>
-                <a:cs typeface="Bricolage Grotesque Bold"/>
-                <a:sym typeface="Bricolage Grotesque Bold"/>
-              </a:rPr>
-              <a:t>hành</a:t>
-            </a:r>
-            <a:r>
-              <a:rPr lang="en-US" sz="6000" b="1" u="none" strike="noStrike" dirty="0" smtClean="0">
-                <a:solidFill>
-                  <a:srgbClr val="1E293B"/>
-                </a:solidFill>
-                <a:latin typeface="Bricolage Grotesque Bold"/>
-                <a:ea typeface="Bricolage Grotesque Bold"/>
-                <a:cs typeface="Bricolage Grotesque Bold"/>
-                <a:sym typeface="Bricolage Grotesque Bold"/>
-              </a:rPr>
-              <a:t> </a:t>
-            </a:r>
-            <a:r>
-              <a:rPr lang="en-US" sz="6000" b="1" u="none" strike="noStrike" dirty="0" err="1" smtClean="0">
-                <a:solidFill>
-                  <a:srgbClr val="1E293B"/>
-                </a:solidFill>
-                <a:latin typeface="Bricolage Grotesque Bold"/>
-                <a:ea typeface="Bricolage Grotesque Bold"/>
-                <a:cs typeface="Bricolage Grotesque Bold"/>
-                <a:sym typeface="Bricolage Grotesque Bold"/>
-              </a:rPr>
-              <a:t>tại</a:t>
-            </a:r>
-            <a:r>
-              <a:rPr lang="en-US" sz="6000" b="1" u="none" strike="noStrike" dirty="0" smtClean="0">
-                <a:solidFill>
-                  <a:srgbClr val="1E293B"/>
-                </a:solidFill>
-                <a:latin typeface="Bricolage Grotesque Bold"/>
-                <a:ea typeface="Bricolage Grotesque Bold"/>
-                <a:cs typeface="Bricolage Grotesque Bold"/>
-                <a:sym typeface="Bricolage Grotesque Bold"/>
-              </a:rPr>
-              <a:t> </a:t>
-            </a:r>
-            <a:r>
-              <a:rPr lang="en-US" sz="6000" b="1" u="none" strike="noStrike" dirty="0" err="1" smtClean="0">
-                <a:solidFill>
-                  <a:srgbClr val="1E293B"/>
-                </a:solidFill>
-                <a:latin typeface="Bricolage Grotesque Bold"/>
-                <a:ea typeface="Bricolage Grotesque Bold"/>
-                <a:cs typeface="Bricolage Grotesque Bold"/>
-                <a:sym typeface="Bricolage Grotesque Bold"/>
-              </a:rPr>
-              <a:t>lớp</a:t>
-            </a:r>
-            <a:endParaRPr lang="en-US" sz="6000" b="1" u="none" strike="noStrike" dirty="0">
-              <a:solidFill>
-                <a:srgbClr val="1E293B"/>
-              </a:solidFill>
-              <a:latin typeface="Bricolage Grotesque Bold"/>
-              <a:ea typeface="Bricolage Grotesque Bold"/>
-              <a:cs typeface="Bricolage Grotesque Bold"/>
-              <a:sym typeface="Bricolage Grotesque Bold"/>
-            </a:endParaRPr>
-          </a:p>
-        </p:txBody>
-      </p:sp>
-      <p:sp>
-        <p:nvSpPr>
-          <p:cNvPr id="10" name="TextBox 3"/>
-          <p:cNvSpPr txBox="1"/>
-          <p:nvPr/>
-        </p:nvSpPr>
-        <p:spPr>
-          <a:xfrm>
-            <a:off x="609600" y="3543300"/>
-            <a:ext cx="7543800" cy="1731243"/>
-          </a:xfrm>
-          <a:prstGeom prst="rect">
-            <a:avLst/>
-          </a:prstGeom>
-        </p:spPr>
-        <p:txBody>
-          <a:bodyPr wrap="square" lIns="0" tIns="0" rIns="0" bIns="0" rtlCol="0" anchor="t">
-            <a:spAutoFit/>
-          </a:bodyPr>
-          <a:lstStyle/>
-          <a:p>
-            <a:pPr marL="323850" lvl="1">
-              <a:lnSpc>
-                <a:spcPts val="4500"/>
-              </a:lnSpc>
-            </a:pPr>
-            <a:r>
-              <a:rPr lang="vi-VN" sz="3200" dirty="0">
-                <a:solidFill>
-                  <a:srgbClr val="FF0000"/>
-                </a:solidFill>
-                <a:latin typeface="Calibri" panose="020F0502020204030204" pitchFamily="34" charset="0"/>
-                <a:ea typeface="Calibri" panose="020F0502020204030204" pitchFamily="34" charset="0"/>
-                <a:cs typeface="Calibri" panose="020F0502020204030204" pitchFamily="34" charset="0"/>
-              </a:rPr>
-              <a:t>Sửa nội dung (Update nâng cao): </a:t>
-            </a:r>
-            <a:endParaRPr lang="en-US" sz="3200" dirty="0" smtClean="0">
-              <a:solidFill>
-                <a:srgbClr val="FF0000"/>
-              </a:solidFill>
-              <a:latin typeface="Calibri" panose="020F0502020204030204" pitchFamily="34" charset="0"/>
-              <a:ea typeface="Calibri" panose="020F0502020204030204" pitchFamily="34" charset="0"/>
-              <a:cs typeface="Calibri" panose="020F0502020204030204" pitchFamily="34" charset="0"/>
-            </a:endParaRPr>
-          </a:p>
-          <a:p>
-            <a:pPr marL="323850" lvl="1">
-              <a:lnSpc>
-                <a:spcPts val="4500"/>
-              </a:lnSpc>
-            </a:pPr>
-            <a:r>
-              <a:rPr lang="vi-VN" sz="3200" dirty="0" smtClean="0">
-                <a:latin typeface="Calibri" panose="020F0502020204030204" pitchFamily="34" charset="0"/>
-                <a:ea typeface="Calibri" panose="020F0502020204030204" pitchFamily="34" charset="0"/>
-                <a:cs typeface="Calibri" panose="020F0502020204030204" pitchFamily="34" charset="0"/>
-              </a:rPr>
-              <a:t>Khi </a:t>
-            </a:r>
-            <a:r>
-              <a:rPr lang="vi-VN" sz="3200" dirty="0">
-                <a:latin typeface="Calibri" panose="020F0502020204030204" pitchFamily="34" charset="0"/>
-                <a:ea typeface="Calibri" panose="020F0502020204030204" pitchFamily="34" charset="0"/>
-                <a:cs typeface="Calibri" panose="020F0502020204030204" pitchFamily="34" charset="0"/>
-              </a:rPr>
-              <a:t>bấm vào chữ (text) sẽ hiển thị ô input để sửa nội dung công việc</a:t>
-            </a:r>
-            <a:r>
-              <a:rPr lang="vi-VN" sz="3200" dirty="0" smtClean="0">
-                <a:latin typeface="Calibri" panose="020F0502020204030204" pitchFamily="34" charset="0"/>
-                <a:ea typeface="Calibri" panose="020F0502020204030204" pitchFamily="34" charset="0"/>
-                <a:cs typeface="Calibri" panose="020F0502020204030204" pitchFamily="34" charset="0"/>
-              </a:rPr>
-              <a:t>.</a:t>
-            </a:r>
-            <a:endParaRPr lang="en-US" sz="3200" dirty="0">
-              <a:solidFill>
-                <a:srgbClr val="1E293B"/>
-              </a:solidFill>
-              <a:latin typeface="Calibri" panose="020F0502020204030204" pitchFamily="34" charset="0"/>
-              <a:ea typeface="Calibri" panose="020F0502020204030204" pitchFamily="34" charset="0"/>
-              <a:cs typeface="Calibri" panose="020F0502020204030204" pitchFamily="34" charset="0"/>
-              <a:sym typeface="Bricolage Grotesque"/>
-            </a:endParaRPr>
-          </a:p>
-        </p:txBody>
-      </p:sp>
-      <p:pic>
-        <p:nvPicPr>
-          <p:cNvPr id="4" name="PixPin_2026-01-03_13-12-12">
-            <a:hlinkClick r:id="" action="ppaction://media"/>
-          </p:cNvPr>
-          <p:cNvPicPr>
-            <a:picLocks noChangeAspect="1"/>
-          </p:cNvPicPr>
-          <p:nvPr>
-            <a:videoFile r:link="rId2"/>
-            <p:extLst>
-              <p:ext uri="{DAA4B4D4-6D71-4841-9C94-3DE7FCFB9230}">
-                <p14:media xmlns:p14="http://schemas.microsoft.com/office/powerpoint/2010/main" r:embed="rId1"/>
-              </p:ext>
-            </p:extLst>
-          </p:nvPr>
-        </p:nvPicPr>
-        <p:blipFill>
-          <a:blip r:embed="rId4"/>
-          <a:stretch>
-            <a:fillRect/>
-          </a:stretch>
-        </p:blipFill>
-        <p:spPr>
-          <a:xfrm>
-            <a:off x="8763000" y="1562100"/>
-            <a:ext cx="9041901" cy="8229543"/>
-          </a:xfrm>
-          <a:prstGeom prst="rect">
-            <a:avLst/>
-          </a:prstGeom>
-        </p:spPr>
-      </p:pic>
-    </p:spTree>
-  </p:cSld>
-  <p:clrMapOvr>
-    <a:masterClrMapping/>
-  </p:clrMapOvr>
-  <p:timing>
-    <p:tnLst>
-      <p:par>
-        <p:cTn id="1" dur="indefinite" restart="never" nodeType="tmRoot">
-          <p:childTnLst>
-            <p:seq concurrent="1" nextAc="seek">
-              <p:cTn id="2" restart="whenNotActive" fill="hold" evtFilter="cancelBubble" nodeType="interactiveSeq">
-                <p:stCondLst>
-                  <p:cond evt="onClick" delay="0">
-                    <p:tgtEl>
-                      <p:spTgt spid="4"/>
-                    </p:tgtEl>
-                  </p:cond>
-                </p:stCondLst>
-                <p:endSync evt="end" delay="0">
-                  <p:rtn val="all"/>
-                </p:endSync>
-                <p:childTnLst>
-                  <p:par>
-                    <p:cTn id="3" fill="hold">
-                      <p:stCondLst>
-                        <p:cond delay="0"/>
-                      </p:stCondLst>
-                      <p:childTnLst>
-                        <p:par>
-                          <p:cTn id="4" fill="hold">
-                            <p:stCondLst>
-                              <p:cond delay="0"/>
-                            </p:stCondLst>
-                            <p:childTnLst>
-                              <p:par>
-                                <p:cTn id="5" presetID="2" presetClass="mediacall" presetSubtype="0" fill="hold" nodeType="clickEffect">
-                                  <p:stCondLst>
-                                    <p:cond delay="0"/>
-                                  </p:stCondLst>
-                                  <p:childTnLst>
-                                    <p:cmd type="call" cmd="togglePause">
-                                      <p:cBhvr>
-                                        <p:cTn id="6" dur="1" fill="hold"/>
-                                        <p:tgtEl>
-                                          <p:spTgt spid="4"/>
-                                        </p:tgtEl>
-                                      </p:cBhvr>
-                                    </p:cmd>
-                                  </p:childTnLst>
-                                </p:cTn>
-                              </p:par>
-                            </p:childTnLst>
-                          </p:cTn>
-                        </p:par>
-                      </p:childTnLst>
-                    </p:cTn>
-                  </p:par>
-                </p:childTnLst>
-              </p:cTn>
-              <p:nextCondLst>
-                <p:cond evt="onClick" delay="0">
-                  <p:tgtEl>
-                    <p:spTgt spid="4"/>
-                  </p:tgtEl>
-                </p:cond>
-              </p:nextCondLst>
-            </p:seq>
-            <p:video>
-              <p:cMediaNode vol="80000">
-                <p:cTn id="7" fill="hold" display="0">
-                  <p:stCondLst>
-                    <p:cond delay="indefinite"/>
-                  </p:stCondLst>
-                </p:cTn>
-                <p:tgtEl>
-                  <p:spTgt spid="4"/>
-                </p:tgtEl>
-              </p:cMediaNode>
-            </p:video>
-          </p:childTnLst>
-        </p:cTn>
       </p:par>
     </p:tnLst>
   </p:timing>

--- a/giao-an/buoi7/BUỔI 7 FORM & VALIDATION (FORMIK + YUP).pptx
+++ b/giao-an/buoi7/BUỔI 7 FORM & VALIDATION (FORMIK + YUP).pptx
@@ -18,19 +18,19 @@
   <p:notesSz cx="6858000" cy="9144000"/>
   <p:embeddedFontLst>
     <p:embeddedFont>
-      <p:font typeface="Calibri" panose="020F0502020204030204" pitchFamily="34" charset="0"/>
+      <p:font typeface="Bricolage Grotesque Bold" panose="020B0604020202020204" charset="0"/>
       <p:regular r:id="rId10"/>
-      <p:bold r:id="rId11"/>
-      <p:italic r:id="rId12"/>
-      <p:boldItalic r:id="rId13"/>
-    </p:embeddedFont>
-    <p:embeddedFont>
-      <p:font typeface="Bricolage Grotesque Bold" panose="020B0604020202020204" charset="0"/>
-      <p:regular r:id="rId14"/>
     </p:embeddedFont>
     <p:embeddedFont>
       <p:font typeface="Bricolage Grotesque" panose="020B0604020202020204" charset="0"/>
-      <p:regular r:id="rId15"/>
+      <p:regular r:id="rId11"/>
+    </p:embeddedFont>
+    <p:embeddedFont>
+      <p:font typeface="Calibri" panose="020F0502020204030204" pitchFamily="34" charset="0"/>
+      <p:regular r:id="rId12"/>
+      <p:bold r:id="rId13"/>
+      <p:italic r:id="rId14"/>
+      <p:boldItalic r:id="rId15"/>
     </p:embeddedFont>
   </p:embeddedFontLst>
   <p:defaultTextStyle>
@@ -329,7 +329,7 @@
             <a:fld id="{1D8BD707-D9CF-40AE-B4C6-C98DA3205C09}" type="datetimeFigureOut">
               <a:rPr lang="en-US" smtClean="0"/>
               <a:pPr/>
-              <a:t>2026-01-13</a:t>
+              <a:t>2026-01-16</a:t>
             </a:fld>
             <a:endParaRPr lang="en-US"/>
           </a:p>
@@ -496,7 +496,7 @@
             <a:fld id="{1D8BD707-D9CF-40AE-B4C6-C98DA3205C09}" type="datetimeFigureOut">
               <a:rPr lang="en-US" smtClean="0"/>
               <a:pPr/>
-              <a:t>2026-01-13</a:t>
+              <a:t>2026-01-16</a:t>
             </a:fld>
             <a:endParaRPr lang="en-US"/>
           </a:p>
@@ -673,7 +673,7 @@
             <a:fld id="{1D8BD707-D9CF-40AE-B4C6-C98DA3205C09}" type="datetimeFigureOut">
               <a:rPr lang="en-US" smtClean="0"/>
               <a:pPr/>
-              <a:t>2026-01-13</a:t>
+              <a:t>2026-01-16</a:t>
             </a:fld>
             <a:endParaRPr lang="en-US"/>
           </a:p>
@@ -840,7 +840,7 @@
             <a:fld id="{1D8BD707-D9CF-40AE-B4C6-C98DA3205C09}" type="datetimeFigureOut">
               <a:rPr lang="en-US" smtClean="0"/>
               <a:pPr/>
-              <a:t>2026-01-13</a:t>
+              <a:t>2026-01-16</a:t>
             </a:fld>
             <a:endParaRPr lang="en-US"/>
           </a:p>
@@ -1083,7 +1083,7 @@
             <a:fld id="{1D8BD707-D9CF-40AE-B4C6-C98DA3205C09}" type="datetimeFigureOut">
               <a:rPr lang="en-US" smtClean="0"/>
               <a:pPr/>
-              <a:t>2026-01-13</a:t>
+              <a:t>2026-01-16</a:t>
             </a:fld>
             <a:endParaRPr lang="en-US"/>
           </a:p>
@@ -1368,7 +1368,7 @@
             <a:fld id="{1D8BD707-D9CF-40AE-B4C6-C98DA3205C09}" type="datetimeFigureOut">
               <a:rPr lang="en-US" smtClean="0"/>
               <a:pPr/>
-              <a:t>2026-01-13</a:t>
+              <a:t>2026-01-16</a:t>
             </a:fld>
             <a:endParaRPr lang="en-US"/>
           </a:p>
@@ -1787,7 +1787,7 @@
             <a:fld id="{1D8BD707-D9CF-40AE-B4C6-C98DA3205C09}" type="datetimeFigureOut">
               <a:rPr lang="en-US" smtClean="0"/>
               <a:pPr/>
-              <a:t>2026-01-13</a:t>
+              <a:t>2026-01-16</a:t>
             </a:fld>
             <a:endParaRPr lang="en-US"/>
           </a:p>
@@ -1902,7 +1902,7 @@
             <a:fld id="{1D8BD707-D9CF-40AE-B4C6-C98DA3205C09}" type="datetimeFigureOut">
               <a:rPr lang="en-US" smtClean="0"/>
               <a:pPr/>
-              <a:t>2026-01-13</a:t>
+              <a:t>2026-01-16</a:t>
             </a:fld>
             <a:endParaRPr lang="en-US"/>
           </a:p>
@@ -1994,7 +1994,7 @@
             <a:fld id="{1D8BD707-D9CF-40AE-B4C6-C98DA3205C09}" type="datetimeFigureOut">
               <a:rPr lang="en-US" smtClean="0"/>
               <a:pPr/>
-              <a:t>2026-01-13</a:t>
+              <a:t>2026-01-16</a:t>
             </a:fld>
             <a:endParaRPr lang="en-US"/>
           </a:p>
@@ -2268,7 +2268,7 @@
             <a:fld id="{1D8BD707-D9CF-40AE-B4C6-C98DA3205C09}" type="datetimeFigureOut">
               <a:rPr lang="en-US" smtClean="0"/>
               <a:pPr/>
-              <a:t>2026-01-13</a:t>
+              <a:t>2026-01-16</a:t>
             </a:fld>
             <a:endParaRPr lang="en-US"/>
           </a:p>
@@ -2518,7 +2518,7 @@
             <a:fld id="{1D8BD707-D9CF-40AE-B4C6-C98DA3205C09}" type="datetimeFigureOut">
               <a:rPr lang="en-US" smtClean="0"/>
               <a:pPr/>
-              <a:t>2026-01-13</a:t>
+              <a:t>2026-01-16</a:t>
             </a:fld>
             <a:endParaRPr lang="en-US"/>
           </a:p>
@@ -2728,7 +2728,7 @@
             <a:fld id="{1D8BD707-D9CF-40AE-B4C6-C98DA3205C09}" type="datetimeFigureOut">
               <a:rPr lang="en-US" smtClean="0"/>
               <a:pPr/>
-              <a:t>2026-01-13</a:t>
+              <a:t>2026-01-16</a:t>
             </a:fld>
             <a:endParaRPr lang="en-US"/>
           </a:p>
@@ -4364,9 +4364,6 @@
               </a:rPr>
               <a:t> ô input</a:t>
             </a:r>
-            <a:endParaRPr lang="en-US" sz="3200" dirty="0" smtClean="0">
-              <a:sym typeface="Bricolage Grotesque"/>
-            </a:endParaRPr>
           </a:p>
         </p:txBody>
       </p:sp>
@@ -5593,128 +5590,6 @@
           <a:chExt cx="0" cy="0"/>
         </a:xfrm>
       </p:grpSpPr>
-      <p:sp>
-        <p:nvSpPr>
-          <p:cNvPr id="7" name="TextBox 7"/>
-          <p:cNvSpPr txBox="1"/>
-          <p:nvPr/>
-        </p:nvSpPr>
-        <p:spPr>
-          <a:xfrm>
-            <a:off x="609600" y="643235"/>
-            <a:ext cx="11201400" cy="923330"/>
-          </a:xfrm>
-          <a:prstGeom prst="rect">
-            <a:avLst/>
-          </a:prstGeom>
-        </p:spPr>
-        <p:txBody>
-          <a:bodyPr wrap="square" lIns="0" tIns="0" rIns="0" bIns="0" rtlCol="0" anchor="t">
-            <a:spAutoFit/>
-          </a:bodyPr>
-          <a:lstStyle/>
-          <a:p>
-            <a:pPr marL="0" lvl="0" indent="0" algn="l">
-              <a:spcBef>
-                <a:spcPct val="0"/>
-              </a:spcBef>
-            </a:pPr>
-            <a:r>
-              <a:rPr lang="en-US" sz="6000" b="1" u="none" strike="noStrike" dirty="0" err="1" smtClean="0">
-                <a:solidFill>
-                  <a:srgbClr val="1E293B"/>
-                </a:solidFill>
-                <a:latin typeface="Bricolage Grotesque Bold"/>
-                <a:ea typeface="Bricolage Grotesque Bold"/>
-                <a:cs typeface="Bricolage Grotesque Bold"/>
-                <a:sym typeface="Bricolage Grotesque Bold"/>
-              </a:rPr>
-              <a:t>Bài</a:t>
-            </a:r>
-            <a:r>
-              <a:rPr lang="en-US" sz="6000" b="1" u="none" strike="noStrike" dirty="0" smtClean="0">
-                <a:solidFill>
-                  <a:srgbClr val="1E293B"/>
-                </a:solidFill>
-                <a:latin typeface="Bricolage Grotesque Bold"/>
-                <a:ea typeface="Bricolage Grotesque Bold"/>
-                <a:cs typeface="Bricolage Grotesque Bold"/>
-                <a:sym typeface="Bricolage Grotesque Bold"/>
-              </a:rPr>
-              <a:t> </a:t>
-            </a:r>
-            <a:r>
-              <a:rPr lang="en-US" sz="6000" b="1" u="none" strike="noStrike" dirty="0" err="1" smtClean="0">
-                <a:solidFill>
-                  <a:srgbClr val="1E293B"/>
-                </a:solidFill>
-                <a:latin typeface="Bricolage Grotesque Bold"/>
-                <a:ea typeface="Bricolage Grotesque Bold"/>
-                <a:cs typeface="Bricolage Grotesque Bold"/>
-                <a:sym typeface="Bricolage Grotesque Bold"/>
-              </a:rPr>
-              <a:t>tập</a:t>
-            </a:r>
-            <a:r>
-              <a:rPr lang="en-US" sz="6000" b="1" u="none" strike="noStrike" dirty="0" smtClean="0">
-                <a:solidFill>
-                  <a:srgbClr val="1E293B"/>
-                </a:solidFill>
-                <a:latin typeface="Bricolage Grotesque Bold"/>
-                <a:ea typeface="Bricolage Grotesque Bold"/>
-                <a:cs typeface="Bricolage Grotesque Bold"/>
-                <a:sym typeface="Bricolage Grotesque Bold"/>
-              </a:rPr>
-              <a:t> </a:t>
-            </a:r>
-            <a:r>
-              <a:rPr lang="en-US" sz="6000" b="1" u="none" strike="noStrike" dirty="0" err="1" smtClean="0">
-                <a:solidFill>
-                  <a:srgbClr val="1E293B"/>
-                </a:solidFill>
-                <a:latin typeface="Bricolage Grotesque Bold"/>
-                <a:ea typeface="Bricolage Grotesque Bold"/>
-                <a:cs typeface="Bricolage Grotesque Bold"/>
-                <a:sym typeface="Bricolage Grotesque Bold"/>
-              </a:rPr>
-              <a:t>về</a:t>
-            </a:r>
-            <a:r>
-              <a:rPr lang="en-US" sz="6000" b="1" u="none" strike="noStrike" dirty="0" smtClean="0">
-                <a:solidFill>
-                  <a:srgbClr val="1E293B"/>
-                </a:solidFill>
-                <a:latin typeface="Bricolage Grotesque Bold"/>
-                <a:ea typeface="Bricolage Grotesque Bold"/>
-                <a:cs typeface="Bricolage Grotesque Bold"/>
-                <a:sym typeface="Bricolage Grotesque Bold"/>
-              </a:rPr>
-              <a:t> </a:t>
-            </a:r>
-            <a:r>
-              <a:rPr lang="en-US" sz="6000" b="1" u="none" strike="noStrike" dirty="0" err="1" smtClean="0">
-                <a:solidFill>
-                  <a:srgbClr val="1E293B"/>
-                </a:solidFill>
-                <a:latin typeface="Bricolage Grotesque Bold"/>
-                <a:ea typeface="Bricolage Grotesque Bold"/>
-                <a:cs typeface="Bricolage Grotesque Bold"/>
-                <a:sym typeface="Bricolage Grotesque Bold"/>
-              </a:rPr>
-              <a:t>nhà</a:t>
-            </a:r>
-            <a:endParaRPr lang="en-US" sz="6000" b="1" u="none" strike="noStrike" dirty="0">
-              <a:solidFill>
-                <a:srgbClr val="1E293B"/>
-              </a:solidFill>
-              <a:latin typeface="Bricolage Grotesque Bold"/>
-              <a:ea typeface="Bricolage Grotesque Bold"/>
-              <a:cs typeface="Bricolage Grotesque Bold"/>
-              <a:sym typeface="Bricolage Grotesque Bold"/>
-            </a:endParaRPr>
-          </a:p>
-        </p:txBody>
-      </p:sp>
       <p:grpSp>
         <p:nvGrpSpPr>
           <p:cNvPr id="14" name="Group 14"/>
@@ -5896,7 +5771,7 @@
         <p:spPr>
           <a:xfrm>
             <a:off x="838200" y="1943100"/>
-            <a:ext cx="7315200" cy="6463308"/>
+            <a:ext cx="7315200" cy="5601533"/>
           </a:xfrm>
           <a:prstGeom prst="rect">
             <a:avLst/>
@@ -5928,7 +5803,6 @@
               <a:rPr lang="en-US" sz="2800" b="1" dirty="0" smtClean="0"/>
               <a:t>)</a:t>
             </a:r>
-            <a:endParaRPr lang="en-US" sz="2800" b="1" dirty="0" smtClean="0"/>
           </a:p>
           <a:p>
             <a:pPr marL="457200" indent="-457200">
@@ -5979,21 +5853,11 @@
             </a:r>
             <a:r>
               <a:rPr lang="vi-VN" sz="2800" dirty="0"/>
-              <a:t>chặt chẽ (SĐT phải là số, Địa chỉ không được quá ngắn).</a:t>
-            </a:r>
-          </a:p>
-          <a:p>
-            <a:pPr marL="457200" indent="-457200">
-              <a:buFont typeface="Arial" panose="020B0604020202020204" pitchFamily="34" charset="0"/>
-              <a:buChar char="•"/>
-            </a:pPr>
+              <a:t>chặt chẽ (SĐT phải là số, Địa chỉ không được quá ngắn</a:t>
+            </a:r>
             <a:r>
               <a:rPr lang="vi-VN" sz="2800" dirty="0" smtClean="0"/>
-              <a:t>Fetch </a:t>
-            </a:r>
-            <a:r>
-              <a:rPr lang="vi-VN" sz="2800" dirty="0"/>
-              <a:t>API giả lập để lấy danh sách xã, huyện, tỉnh tại Việt Nam (có thể dùng JSON tĩnh). </a:t>
+              <a:t>).</a:t>
             </a:r>
             <a:endParaRPr lang="en-US" sz="2800" dirty="0" smtClean="0"/>
           </a:p>
@@ -6009,13 +5873,96 @@
               <a:buFont typeface="Arial" panose="020B0604020202020204" pitchFamily="34" charset="0"/>
               <a:buChar char="•"/>
             </a:pPr>
-            <a:r>
-              <a:rPr lang="vi-VN" sz="2800" dirty="0" smtClean="0"/>
-              <a:t>Truy </a:t>
-            </a:r>
-            <a:r>
-              <a:rPr lang="vi-VN" sz="2800" dirty="0"/>
-              <a:t>cập vào demo tại: https://vn-provinces-vue-demo.netlify.app/. </a:t>
+            <a:endParaRPr lang="vi-VN" sz="2800" dirty="0"/>
+          </a:p>
+          <a:p>
+            <a:pPr marL="457200" indent="-457200">
+              <a:buFont typeface="Arial" panose="020B0604020202020204" pitchFamily="34" charset="0"/>
+              <a:buChar char="•"/>
+            </a:pPr>
+            <a:r>
+              <a:rPr lang="en-US" sz="2800" dirty="0" err="1" smtClean="0"/>
+              <a:t>Giả</a:t>
+            </a:r>
+            <a:r>
+              <a:rPr lang="en-US" sz="2800" dirty="0" smtClean="0"/>
+              <a:t> </a:t>
+            </a:r>
+            <a:r>
+              <a:rPr lang="en-US" sz="2800" dirty="0" err="1" smtClean="0"/>
+              <a:t>lập</a:t>
+            </a:r>
+            <a:r>
+              <a:rPr lang="en-US" sz="2800" dirty="0" smtClean="0"/>
+              <a:t> </a:t>
+            </a:r>
+            <a:r>
+              <a:rPr lang="en-US" sz="2800" dirty="0" err="1" smtClean="0"/>
+              <a:t>cơ</a:t>
+            </a:r>
+            <a:r>
+              <a:rPr lang="en-US" sz="2800" dirty="0" smtClean="0"/>
+              <a:t> </a:t>
+            </a:r>
+            <a:r>
+              <a:rPr lang="en-US" sz="2800" dirty="0" err="1" smtClean="0"/>
+              <a:t>bản</a:t>
+            </a:r>
+            <a:r>
+              <a:rPr lang="en-US" sz="2800" dirty="0" smtClean="0"/>
+              <a:t> </a:t>
+            </a:r>
+            <a:r>
+              <a:rPr lang="en-US" sz="2800" dirty="0" err="1" smtClean="0"/>
+              <a:t>vài</a:t>
+            </a:r>
+            <a:r>
+              <a:rPr lang="en-US" sz="2800" dirty="0" smtClean="0"/>
+              <a:t> option </a:t>
+            </a:r>
+            <a:r>
+              <a:rPr lang="en-US" sz="2800" dirty="0" err="1" smtClean="0"/>
+              <a:t>lựa</a:t>
+            </a:r>
+            <a:r>
+              <a:rPr lang="en-US" sz="2800" dirty="0" smtClean="0"/>
+              <a:t> </a:t>
+            </a:r>
+            <a:r>
+              <a:rPr lang="en-US" sz="2800" dirty="0" err="1" smtClean="0"/>
+              <a:t>chọn</a:t>
+            </a:r>
+            <a:r>
+              <a:rPr lang="en-US" sz="2800" dirty="0" smtClean="0"/>
+              <a:t> </a:t>
+            </a:r>
+            <a:r>
+              <a:rPr lang="en-US" sz="2800" dirty="0" err="1" smtClean="0"/>
+              <a:t>cho</a:t>
+            </a:r>
+            <a:r>
+              <a:rPr lang="en-US" sz="2800" dirty="0" smtClean="0"/>
+              <a:t> </a:t>
+            </a:r>
+            <a:r>
+              <a:rPr lang="en-US" sz="2800" dirty="0" err="1" smtClean="0"/>
+              <a:t>tỉnh</a:t>
+            </a:r>
+            <a:r>
+              <a:rPr lang="en-US" sz="2800" dirty="0" smtClean="0"/>
+              <a:t> </a:t>
+            </a:r>
+            <a:r>
+              <a:rPr lang="en-US" sz="2800" dirty="0" err="1" smtClean="0"/>
+              <a:t>huyện</a:t>
+            </a:r>
+            <a:r>
+              <a:rPr lang="en-US" sz="2800" dirty="0" smtClean="0"/>
+              <a:t> </a:t>
+            </a:r>
+            <a:r>
+              <a:rPr lang="en-US" sz="2800" dirty="0" err="1" smtClean="0"/>
+              <a:t>xã</a:t>
             </a:r>
             <a:endParaRPr lang="en-US" sz="2800" dirty="0"/>
           </a:p>
